--- a/Lesson4/lesson4.pptx
+++ b/Lesson4/lesson4.pptx
@@ -5,7 +5,7 @@
     <p:sldMasterId id="2147483648" r:id="rId1"/>
   </p:sldMasterIdLst>
   <p:notesMasterIdLst>
-    <p:notesMasterId r:id="rId51"/>
+    <p:notesMasterId r:id="rId49"/>
   </p:notesMasterIdLst>
   <p:sldIdLst>
     <p:sldId id="256" r:id="rId2"/>
@@ -22,41 +22,39 @@
     <p:sldId id="307" r:id="rId13"/>
     <p:sldId id="258" r:id="rId14"/>
     <p:sldId id="275" r:id="rId15"/>
-    <p:sldId id="259" r:id="rId16"/>
-    <p:sldId id="266" r:id="rId17"/>
-    <p:sldId id="267" r:id="rId18"/>
-    <p:sldId id="268" r:id="rId19"/>
-    <p:sldId id="269" r:id="rId20"/>
-    <p:sldId id="270" r:id="rId21"/>
-    <p:sldId id="271" r:id="rId22"/>
-    <p:sldId id="276" r:id="rId23"/>
-    <p:sldId id="284" r:id="rId24"/>
-    <p:sldId id="285" r:id="rId25"/>
-    <p:sldId id="274" r:id="rId26"/>
-    <p:sldId id="286" r:id="rId27"/>
-    <p:sldId id="283" r:id="rId28"/>
-    <p:sldId id="260" r:id="rId29"/>
-    <p:sldId id="261" r:id="rId30"/>
-    <p:sldId id="262" r:id="rId31"/>
-    <p:sldId id="277" r:id="rId32"/>
-    <p:sldId id="288" r:id="rId33"/>
-    <p:sldId id="263" r:id="rId34"/>
-    <p:sldId id="278" r:id="rId35"/>
-    <p:sldId id="279" r:id="rId36"/>
-    <p:sldId id="264" r:id="rId37"/>
-    <p:sldId id="265" r:id="rId38"/>
-    <p:sldId id="280" r:id="rId39"/>
-    <p:sldId id="281" r:id="rId40"/>
-    <p:sldId id="282" r:id="rId41"/>
-    <p:sldId id="289" r:id="rId42"/>
-    <p:sldId id="292" r:id="rId43"/>
-    <p:sldId id="293" r:id="rId44"/>
-    <p:sldId id="294" r:id="rId45"/>
-    <p:sldId id="295" r:id="rId46"/>
-    <p:sldId id="296" r:id="rId47"/>
-    <p:sldId id="297" r:id="rId48"/>
-    <p:sldId id="298" r:id="rId49"/>
-    <p:sldId id="299" r:id="rId50"/>
+    <p:sldId id="266" r:id="rId16"/>
+    <p:sldId id="267" r:id="rId17"/>
+    <p:sldId id="268" r:id="rId18"/>
+    <p:sldId id="269" r:id="rId19"/>
+    <p:sldId id="270" r:id="rId20"/>
+    <p:sldId id="271" r:id="rId21"/>
+    <p:sldId id="276" r:id="rId22"/>
+    <p:sldId id="284" r:id="rId23"/>
+    <p:sldId id="285" r:id="rId24"/>
+    <p:sldId id="274" r:id="rId25"/>
+    <p:sldId id="286" r:id="rId26"/>
+    <p:sldId id="283" r:id="rId27"/>
+    <p:sldId id="260" r:id="rId28"/>
+    <p:sldId id="261" r:id="rId29"/>
+    <p:sldId id="262" r:id="rId30"/>
+    <p:sldId id="277" r:id="rId31"/>
+    <p:sldId id="288" r:id="rId32"/>
+    <p:sldId id="263" r:id="rId33"/>
+    <p:sldId id="278" r:id="rId34"/>
+    <p:sldId id="279" r:id="rId35"/>
+    <p:sldId id="264" r:id="rId36"/>
+    <p:sldId id="265" r:id="rId37"/>
+    <p:sldId id="280" r:id="rId38"/>
+    <p:sldId id="281" r:id="rId39"/>
+    <p:sldId id="282" r:id="rId40"/>
+    <p:sldId id="289" r:id="rId41"/>
+    <p:sldId id="292" r:id="rId42"/>
+    <p:sldId id="294" r:id="rId43"/>
+    <p:sldId id="295" r:id="rId44"/>
+    <p:sldId id="296" r:id="rId45"/>
+    <p:sldId id="297" r:id="rId46"/>
+    <p:sldId id="298" r:id="rId47"/>
+    <p:sldId id="299" r:id="rId48"/>
   </p:sldIdLst>
   <p:sldSz cx="13004800" cy="9753600"/>
   <p:notesSz cx="6858000" cy="9144000"/>
@@ -895,7 +893,7 @@
             </a:pPr>
             <a:r>
               <a:rPr lang="en-US" dirty="0"/>
-              <a:t>Controller for HOME</a:t>
+              <a:t>Controller for Home</a:t>
             </a:r>
           </a:p>
           <a:p>
@@ -905,7 +903,7 @@
             </a:pPr>
             <a:r>
               <a:rPr lang="en-US" dirty="0"/>
-              <a:t>Methods index, about etc.</a:t>
+              <a:t>Methods index, about to provide views </a:t>
             </a:r>
           </a:p>
           <a:p>
@@ -4508,7 +4506,7 @@
                 <a:latin typeface="Calibri" panose="020F0502020204030204" pitchFamily="34" charset="0"/>
                 <a:cs typeface="Calibri" panose="020F0502020204030204" pitchFamily="34" charset="0"/>
               </a:rPr>
-              <a:t>These can be accessed using JavaScript code, and allows you to manipulate any HTML element: </a:t>
+              <a:t>They can be accessed using JavaScript code, and they allow you to manipulate any HTML element: </a:t>
             </a:r>
           </a:p>
           <a:p>
@@ -5405,8 +5403,8 @@
         </p:nvSpPr>
         <p:spPr>
           <a:xfrm>
-            <a:off x="8294014" y="8894420"/>
-            <a:ext cx="2969972" cy="461060"/>
+            <a:off x="8258551" y="8888988"/>
+            <a:ext cx="3040897" cy="471924"/>
           </a:xfrm>
           <a:prstGeom prst="rect">
             <a:avLst/>
@@ -5427,7 +5425,12 @@
           <a:lstStyle/>
           <a:p>
             <a:r>
-              <a:t>Dom in the browser</a:t>
+              <a:rPr lang="en-US" dirty="0"/>
+              <a:t>DOM</a:t>
+            </a:r>
+            <a:r>
+              <a:rPr dirty="0"/>
+              <a:t> in the browser</a:t>
             </a:r>
           </a:p>
         </p:txBody>
@@ -5500,7 +5503,7 @@
                 <a:latin typeface="Calibri" panose="020F0502020204030204" pitchFamily="34" charset="0"/>
                 <a:cs typeface="Calibri" panose="020F0502020204030204" pitchFamily="34" charset="0"/>
               </a:rPr>
-              <a:t>..</a:t>
+              <a:t>...</a:t>
             </a:r>
             <a:endParaRPr sz="4000" dirty="0">
               <a:latin typeface="Calibri" panose="020F0502020204030204" pitchFamily="34" charset="0"/>
@@ -5520,6 +5523,10 @@
           </p:nvPr>
         </p:nvSpPr>
         <p:spPr>
+          <a:xfrm>
+            <a:off x="952499" y="2590800"/>
+            <a:ext cx="5715929" cy="6286500"/>
+          </a:xfrm>
           <a:prstGeom prst="rect">
             <a:avLst/>
           </a:prstGeom>
@@ -5530,10 +5537,40 @@
           </a:bodyPr>
           <a:lstStyle/>
           <a:p>
-            <a:pPr defTabSz="362204">
+            <a:pPr marL="275590" indent="-275590" defTabSz="283463">
+              <a:lnSpc>
+                <a:spcPct val="150000"/>
+              </a:lnSpc>
+              <a:spcBef>
+                <a:spcPts val="0"/>
+              </a:spcBef>
+              <a:defRPr sz="1984">
+                <a:solidFill>
+                  <a:srgbClr val="333333"/>
+                </a:solidFill>
+                <a:latin typeface="Helvetica"/>
+                <a:ea typeface="Helvetica"/>
+                <a:cs typeface="Helvetica"/>
+                <a:sym typeface="Helvetica"/>
+              </a:defRPr>
+            </a:pPr>
+            <a:r>
+              <a:rPr lang="en-US" sz="2400" dirty="0">
+                <a:latin typeface="Calibri" panose="020F0502020204030204" pitchFamily="34" charset="0"/>
+                <a:cs typeface="Calibri" panose="020F0502020204030204" pitchFamily="34" charset="0"/>
+              </a:rPr>
+              <a:t>The DOM model represents a document with a logical tree.</a:t>
+            </a:r>
+          </a:p>
+          <a:p>
+            <a:pPr marL="0" indent="0" defTabSz="362204">
+              <a:lnSpc>
+                <a:spcPct val="150000"/>
+              </a:lnSpc>
               <a:spcBef>
                 <a:spcPts val="2600"/>
               </a:spcBef>
+              <a:buNone/>
               <a:defRPr sz="1984">
                 <a:latin typeface="Helvetica"/>
                 <a:ea typeface="Helvetica"/>
@@ -5541,35 +5578,7 @@
                 <a:sym typeface="Helvetica"/>
               </a:defRPr>
             </a:pPr>
-            <a:r>
-              <a:rPr lang="en-US" sz="2200" dirty="0">
-                <a:latin typeface="Calibri" panose="020F0502020204030204" pitchFamily="34" charset="0"/>
-                <a:cs typeface="Calibri" panose="020F0502020204030204" pitchFamily="34" charset="0"/>
-              </a:rPr>
-              <a:t>DOM</a:t>
-            </a:r>
-            <a:r>
-              <a:rPr sz="2200" dirty="0">
-                <a:latin typeface="Calibri" panose="020F0502020204030204" pitchFamily="34" charset="0"/>
-                <a:cs typeface="Calibri" panose="020F0502020204030204" pitchFamily="34" charset="0"/>
-              </a:rPr>
-              <a:t> </a:t>
-            </a:r>
-            <a:r>
-              <a:rPr lang="en-US" sz="2200" dirty="0">
-                <a:latin typeface="Calibri" panose="020F0502020204030204" pitchFamily="34" charset="0"/>
-                <a:cs typeface="Calibri" panose="020F0502020204030204" pitchFamily="34" charset="0"/>
-              </a:rPr>
-              <a:t>is an API that connects</a:t>
-            </a:r>
-            <a:r>
-              <a:rPr sz="2200" dirty="0">
-                <a:latin typeface="Calibri" panose="020F0502020204030204" pitchFamily="34" charset="0"/>
-                <a:cs typeface="Calibri" panose="020F0502020204030204" pitchFamily="34" charset="0"/>
-              </a:rPr>
-              <a:t> web pages to scripts or programming languages. </a:t>
-            </a:r>
-            <a:endParaRPr lang="en-US" sz="2200" dirty="0">
+            <a:endParaRPr lang="en-US" sz="2400" dirty="0">
               <a:latin typeface="Calibri" panose="020F0502020204030204" pitchFamily="34" charset="0"/>
               <a:cs typeface="Calibri" panose="020F0502020204030204" pitchFamily="34" charset="0"/>
             </a:endParaRPr>
@@ -5604,6 +5613,11 @@
         </p:spPr>
       </p:pic>
     </p:spTree>
+    <p:extLst>
+      <p:ext uri="{BB962C8B-B14F-4D97-AF65-F5344CB8AC3E}">
+        <p14:creationId xmlns:p14="http://schemas.microsoft.com/office/powerpoint/2010/main" val="3055337420"/>
+      </p:ext>
+    </p:extLst>
   </p:cSld>
   <p:clrMapOvr>
     <a:masterClrMapping/>
@@ -5666,7 +5680,7 @@
                 <a:latin typeface="Calibri" panose="020F0502020204030204" pitchFamily="34" charset="0"/>
                 <a:cs typeface="Calibri" panose="020F0502020204030204" pitchFamily="34" charset="0"/>
               </a:rPr>
-              <a:t>...</a:t>
+              <a:t>….</a:t>
             </a:r>
             <a:endParaRPr sz="4000" dirty="0">
               <a:latin typeface="Calibri" panose="020F0502020204030204" pitchFamily="34" charset="0"/>
@@ -5687,8 +5701,8 @@
         </p:nvSpPr>
         <p:spPr>
           <a:xfrm>
-            <a:off x="952499" y="2590800"/>
-            <a:ext cx="5715929" cy="6286500"/>
+            <a:off x="952500" y="2590800"/>
+            <a:ext cx="5881528" cy="6286500"/>
           </a:xfrm>
           <a:prstGeom prst="rect">
             <a:avLst/>
@@ -5700,14 +5714,17 @@
           </a:bodyPr>
           <a:lstStyle/>
           <a:p>
-            <a:pPr defTabSz="362204">
+            <a:pPr marL="275590" indent="-275590" defTabSz="283463">
               <a:lnSpc>
                 <a:spcPct val="150000"/>
               </a:lnSpc>
               <a:spcBef>
-                <a:spcPts val="2600"/>
+                <a:spcPts val="0"/>
               </a:spcBef>
               <a:defRPr sz="1984">
+                <a:solidFill>
+                  <a:srgbClr val="333333"/>
+                </a:solidFill>
                 <a:latin typeface="Helvetica"/>
                 <a:ea typeface="Helvetica"/>
                 <a:cs typeface="Helvetica"/>
@@ -5719,33 +5736,8 @@
                 <a:latin typeface="Calibri" panose="020F0502020204030204" pitchFamily="34" charset="0"/>
                 <a:cs typeface="Calibri" panose="020F0502020204030204" pitchFamily="34" charset="0"/>
               </a:rPr>
-              <a:t>DOM</a:t>
-            </a:r>
-            <a:r>
-              <a:rPr sz="2400" dirty="0">
-                <a:latin typeface="Calibri" panose="020F0502020204030204" pitchFamily="34" charset="0"/>
-                <a:cs typeface="Calibri" panose="020F0502020204030204" pitchFamily="34" charset="0"/>
-              </a:rPr>
-              <a:t> </a:t>
-            </a:r>
-            <a:r>
-              <a:rPr lang="en-US" sz="2400" dirty="0">
-                <a:latin typeface="Calibri" panose="020F0502020204030204" pitchFamily="34" charset="0"/>
-                <a:cs typeface="Calibri" panose="020F0502020204030204" pitchFamily="34" charset="0"/>
-              </a:rPr>
-              <a:t>is an API that connects</a:t>
-            </a:r>
-            <a:r>
-              <a:rPr sz="2400" dirty="0">
-                <a:latin typeface="Calibri" panose="020F0502020204030204" pitchFamily="34" charset="0"/>
-                <a:cs typeface="Calibri" panose="020F0502020204030204" pitchFamily="34" charset="0"/>
-              </a:rPr>
-              <a:t> web pages to scripts or programming languages</a:t>
-            </a:r>
-            <a:endParaRPr lang="en-US" sz="2400" dirty="0">
-              <a:latin typeface="Calibri" panose="020F0502020204030204" pitchFamily="34" charset="0"/>
-              <a:cs typeface="Calibri" panose="020F0502020204030204" pitchFamily="34" charset="0"/>
-            </a:endParaRPr>
+              <a:t>The DOM model represents a document with a logical tree</a:t>
+            </a:r>
           </a:p>
           <a:p>
             <a:pPr marL="275590" indent="-275590" defTabSz="283463">
@@ -5770,8 +5762,31 @@
                 <a:latin typeface="Calibri" panose="020F0502020204030204" pitchFamily="34" charset="0"/>
                 <a:cs typeface="Calibri" panose="020F0502020204030204" pitchFamily="34" charset="0"/>
               </a:rPr>
-              <a:t>The DOM model represents a document with a logical tree.</a:t>
-            </a:r>
+              <a:t>DOM methods allow programmatic access to the tree</a:t>
+            </a:r>
+          </a:p>
+          <a:p>
+            <a:pPr marL="275590" indent="-275590" defTabSz="283463">
+              <a:lnSpc>
+                <a:spcPct val="150000"/>
+              </a:lnSpc>
+              <a:spcBef>
+                <a:spcPts val="0"/>
+              </a:spcBef>
+              <a:defRPr sz="1984">
+                <a:solidFill>
+                  <a:srgbClr val="333333"/>
+                </a:solidFill>
+                <a:latin typeface="Helvetica"/>
+                <a:ea typeface="Helvetica"/>
+                <a:cs typeface="Helvetica"/>
+                <a:sym typeface="Helvetica"/>
+              </a:defRPr>
+            </a:pPr>
+            <a:endParaRPr lang="en-US" sz="2400" dirty="0">
+              <a:latin typeface="Calibri" panose="020F0502020204030204" pitchFamily="34" charset="0"/>
+              <a:cs typeface="Calibri" panose="020F0502020204030204" pitchFamily="34" charset="0"/>
+            </a:endParaRPr>
           </a:p>
           <a:p>
             <a:pPr marL="0" indent="0" defTabSz="362204">
@@ -5826,7 +5841,7 @@
     </p:spTree>
     <p:extLst>
       <p:ext uri="{BB962C8B-B14F-4D97-AF65-F5344CB8AC3E}">
-        <p14:creationId xmlns:p14="http://schemas.microsoft.com/office/powerpoint/2010/main" val="3055337420"/>
+        <p14:creationId xmlns:p14="http://schemas.microsoft.com/office/powerpoint/2010/main" val="2167337261"/>
       </p:ext>
     </p:extLst>
   </p:cSld>
@@ -5891,7 +5906,7 @@
                 <a:latin typeface="Calibri" panose="020F0502020204030204" pitchFamily="34" charset="0"/>
                 <a:cs typeface="Calibri" panose="020F0502020204030204" pitchFamily="34" charset="0"/>
               </a:rPr>
-              <a:t>….</a:t>
+              <a:t>…..</a:t>
             </a:r>
             <a:endParaRPr sz="4000" dirty="0">
               <a:latin typeface="Calibri" panose="020F0502020204030204" pitchFamily="34" charset="0"/>
@@ -5944,33 +5959,8 @@
                 <a:latin typeface="Calibri" panose="020F0502020204030204" pitchFamily="34" charset="0"/>
                 <a:cs typeface="Calibri" panose="020F0502020204030204" pitchFamily="34" charset="0"/>
               </a:rPr>
-              <a:t>DOM</a:t>
-            </a:r>
-            <a:r>
-              <a:rPr sz="2400" dirty="0">
-                <a:latin typeface="Calibri" panose="020F0502020204030204" pitchFamily="34" charset="0"/>
-                <a:cs typeface="Calibri" panose="020F0502020204030204" pitchFamily="34" charset="0"/>
-              </a:rPr>
-              <a:t> </a:t>
-            </a:r>
-            <a:r>
-              <a:rPr lang="en-US" sz="2400" dirty="0">
-                <a:latin typeface="Calibri" panose="020F0502020204030204" pitchFamily="34" charset="0"/>
-                <a:cs typeface="Calibri" panose="020F0502020204030204" pitchFamily="34" charset="0"/>
-              </a:rPr>
-              <a:t>is an API that connects</a:t>
-            </a:r>
-            <a:r>
-              <a:rPr sz="2400" dirty="0">
-                <a:latin typeface="Calibri" panose="020F0502020204030204" pitchFamily="34" charset="0"/>
-                <a:cs typeface="Calibri" panose="020F0502020204030204" pitchFamily="34" charset="0"/>
-              </a:rPr>
-              <a:t> web pages to scripts or programming languages</a:t>
-            </a:r>
-            <a:endParaRPr lang="en-US" sz="2400" dirty="0">
-              <a:latin typeface="Calibri" panose="020F0502020204030204" pitchFamily="34" charset="0"/>
-              <a:cs typeface="Calibri" panose="020F0502020204030204" pitchFamily="34" charset="0"/>
-            </a:endParaRPr>
+              <a:t>The DOM model represents a document with a logical tree</a:t>
+            </a:r>
           </a:p>
           <a:p>
             <a:pPr marL="275590" indent="-275590" defTabSz="283463">
@@ -5995,7 +5985,7 @@
                 <a:latin typeface="Calibri" panose="020F0502020204030204" pitchFamily="34" charset="0"/>
                 <a:cs typeface="Calibri" panose="020F0502020204030204" pitchFamily="34" charset="0"/>
               </a:rPr>
-              <a:t>The DOM model represents a document with a logical tree</a:t>
+              <a:t>DOM methods allow programmatic access to the tree</a:t>
             </a:r>
           </a:p>
           <a:p>
@@ -6021,8 +6011,31 @@
                 <a:latin typeface="Calibri" panose="020F0502020204030204" pitchFamily="34" charset="0"/>
                 <a:cs typeface="Calibri" panose="020F0502020204030204" pitchFamily="34" charset="0"/>
               </a:rPr>
-              <a:t>DOM methods allow programmatic access to the tree</a:t>
-            </a:r>
+              <a:t>Each branch of the tree ends in a node</a:t>
+            </a:r>
+          </a:p>
+          <a:p>
+            <a:pPr marL="275590" indent="-275590" defTabSz="283463">
+              <a:lnSpc>
+                <a:spcPct val="150000"/>
+              </a:lnSpc>
+              <a:spcBef>
+                <a:spcPts val="0"/>
+              </a:spcBef>
+              <a:defRPr sz="1984">
+                <a:solidFill>
+                  <a:srgbClr val="333333"/>
+                </a:solidFill>
+                <a:latin typeface="Helvetica"/>
+                <a:ea typeface="Helvetica"/>
+                <a:cs typeface="Helvetica"/>
+                <a:sym typeface="Helvetica"/>
+              </a:defRPr>
+            </a:pPr>
+            <a:endParaRPr lang="en-US" sz="2400" dirty="0">
+              <a:latin typeface="Calibri" panose="020F0502020204030204" pitchFamily="34" charset="0"/>
+              <a:cs typeface="Calibri" panose="020F0502020204030204" pitchFamily="34" charset="0"/>
+            </a:endParaRPr>
           </a:p>
           <a:p>
             <a:pPr marL="275590" indent="-275590" defTabSz="283463">
@@ -6100,7 +6113,7 @@
     </p:spTree>
     <p:extLst>
       <p:ext uri="{BB962C8B-B14F-4D97-AF65-F5344CB8AC3E}">
-        <p14:creationId xmlns:p14="http://schemas.microsoft.com/office/powerpoint/2010/main" val="2167337261"/>
+        <p14:creationId xmlns:p14="http://schemas.microsoft.com/office/powerpoint/2010/main" val="2520257198"/>
       </p:ext>
     </p:extLst>
   </p:cSld>
@@ -6186,8 +6199,8 @@
         </p:nvSpPr>
         <p:spPr>
           <a:xfrm>
-            <a:off x="952500" y="2590800"/>
-            <a:ext cx="5881528" cy="6286500"/>
+            <a:off x="952499" y="2590800"/>
+            <a:ext cx="5715929" cy="6286500"/>
           </a:xfrm>
           <a:prstGeom prst="rect">
             <a:avLst/>
@@ -6199,14 +6212,17 @@
           </a:bodyPr>
           <a:lstStyle/>
           <a:p>
-            <a:pPr defTabSz="362204">
+            <a:pPr marL="275590" indent="-275590" defTabSz="283463">
               <a:lnSpc>
                 <a:spcPct val="150000"/>
               </a:lnSpc>
               <a:spcBef>
-                <a:spcPts val="2600"/>
+                <a:spcPts val="0"/>
               </a:spcBef>
               <a:defRPr sz="1984">
+                <a:solidFill>
+                  <a:srgbClr val="333333"/>
+                </a:solidFill>
                 <a:latin typeface="Helvetica"/>
                 <a:ea typeface="Helvetica"/>
                 <a:cs typeface="Helvetica"/>
@@ -6218,43 +6234,21 @@
                 <a:latin typeface="Calibri" panose="020F0502020204030204" pitchFamily="34" charset="0"/>
                 <a:cs typeface="Calibri" panose="020F0502020204030204" pitchFamily="34" charset="0"/>
               </a:rPr>
-              <a:t>DOM</a:t>
-            </a:r>
-            <a:r>
-              <a:rPr sz="2400" dirty="0">
-                <a:latin typeface="Calibri" panose="020F0502020204030204" pitchFamily="34" charset="0"/>
-                <a:cs typeface="Calibri" panose="020F0502020204030204" pitchFamily="34" charset="0"/>
-              </a:rPr>
-              <a:t> </a:t>
-            </a:r>
-            <a:r>
-              <a:rPr lang="en-US" sz="2400" dirty="0">
-                <a:latin typeface="Calibri" panose="020F0502020204030204" pitchFamily="34" charset="0"/>
-                <a:cs typeface="Calibri" panose="020F0502020204030204" pitchFamily="34" charset="0"/>
-              </a:rPr>
-              <a:t>is an API that connects</a:t>
-            </a:r>
-            <a:r>
-              <a:rPr sz="2400" dirty="0">
-                <a:latin typeface="Calibri" panose="020F0502020204030204" pitchFamily="34" charset="0"/>
-                <a:cs typeface="Calibri" panose="020F0502020204030204" pitchFamily="34" charset="0"/>
-              </a:rPr>
-              <a:t> web pages to scripts or programming languages</a:t>
-            </a:r>
-            <a:endParaRPr lang="en-US" sz="2400" dirty="0">
-              <a:latin typeface="Calibri" panose="020F0502020204030204" pitchFamily="34" charset="0"/>
-              <a:cs typeface="Calibri" panose="020F0502020204030204" pitchFamily="34" charset="0"/>
-            </a:endParaRPr>
-          </a:p>
-          <a:p>
-            <a:pPr defTabSz="362204">
+              <a:t>The DOM model represents a document with a logical tree</a:t>
+            </a:r>
+          </a:p>
+          <a:p>
+            <a:pPr marL="275590" indent="-275590" defTabSz="283463">
               <a:lnSpc>
                 <a:spcPct val="150000"/>
               </a:lnSpc>
               <a:spcBef>
-                <a:spcPts val="2600"/>
+                <a:spcPts val="0"/>
               </a:spcBef>
               <a:defRPr sz="1984">
+                <a:solidFill>
+                  <a:srgbClr val="333333"/>
+                </a:solidFill>
                 <a:latin typeface="Helvetica"/>
                 <a:ea typeface="Helvetica"/>
                 <a:cs typeface="Helvetica"/>
@@ -6266,7 +6260,7 @@
                 <a:latin typeface="Calibri" panose="020F0502020204030204" pitchFamily="34" charset="0"/>
                 <a:cs typeface="Calibri" panose="020F0502020204030204" pitchFamily="34" charset="0"/>
               </a:rPr>
-              <a:t>The DOM model represents a document with a logical tree</a:t>
+              <a:t>DOM methods allow programmatic access to the tree</a:t>
             </a:r>
           </a:p>
           <a:p>
@@ -6292,7 +6286,7 @@
                 <a:latin typeface="Calibri" panose="020F0502020204030204" pitchFamily="34" charset="0"/>
                 <a:cs typeface="Calibri" panose="020F0502020204030204" pitchFamily="34" charset="0"/>
               </a:rPr>
-              <a:t>DOM methods allow programmatic access to the tree</a:t>
+              <a:t>Each branch of the tree ends in a node</a:t>
             </a:r>
           </a:p>
           <a:p>
@@ -6318,31 +6312,8 @@
                 <a:latin typeface="Calibri" panose="020F0502020204030204" pitchFamily="34" charset="0"/>
                 <a:cs typeface="Calibri" panose="020F0502020204030204" pitchFamily="34" charset="0"/>
               </a:rPr>
-              <a:t>Each branch of the tree ends in a node</a:t>
-            </a:r>
-          </a:p>
-          <a:p>
-            <a:pPr marL="275590" indent="-275590" defTabSz="283463">
-              <a:lnSpc>
-                <a:spcPct val="150000"/>
-              </a:lnSpc>
-              <a:spcBef>
-                <a:spcPts val="0"/>
-              </a:spcBef>
-              <a:defRPr sz="1984">
-                <a:solidFill>
-                  <a:srgbClr val="333333"/>
-                </a:solidFill>
-                <a:latin typeface="Helvetica"/>
-                <a:ea typeface="Helvetica"/>
-                <a:cs typeface="Helvetica"/>
-                <a:sym typeface="Helvetica"/>
-              </a:defRPr>
-            </a:pPr>
-            <a:endParaRPr lang="en-US" sz="2400" dirty="0">
-              <a:latin typeface="Calibri" panose="020F0502020204030204" pitchFamily="34" charset="0"/>
-              <a:cs typeface="Calibri" panose="020F0502020204030204" pitchFamily="34" charset="0"/>
-            </a:endParaRPr>
+              <a:t>This allows to change document's structure, style or content.</a:t>
+            </a:r>
           </a:p>
           <a:p>
             <a:pPr marL="275590" indent="-275590" defTabSz="283463">
@@ -6420,7 +6391,7 @@
     </p:spTree>
     <p:extLst>
       <p:ext uri="{BB962C8B-B14F-4D97-AF65-F5344CB8AC3E}">
-        <p14:creationId xmlns:p14="http://schemas.microsoft.com/office/powerpoint/2010/main" val="2520257198"/>
+        <p14:creationId xmlns:p14="http://schemas.microsoft.com/office/powerpoint/2010/main" val="4044082340"/>
       </p:ext>
     </p:extLst>
   </p:cSld>
@@ -6485,7 +6456,7 @@
                 <a:latin typeface="Calibri" panose="020F0502020204030204" pitchFamily="34" charset="0"/>
                 <a:cs typeface="Calibri" panose="020F0502020204030204" pitchFamily="34" charset="0"/>
               </a:rPr>
-              <a:t>…..</a:t>
+              <a:t>…...</a:t>
             </a:r>
             <a:endParaRPr sz="4000" dirty="0">
               <a:latin typeface="Calibri" panose="020F0502020204030204" pitchFamily="34" charset="0"/>
@@ -6507,7 +6478,7 @@
         <p:spPr>
           <a:xfrm>
             <a:off x="952499" y="2590800"/>
-            <a:ext cx="5715929" cy="6286500"/>
+            <a:ext cx="5881529" cy="6286500"/>
           </a:xfrm>
           <a:prstGeom prst="rect">
             <a:avLst/>
@@ -6519,14 +6490,17 @@
           </a:bodyPr>
           <a:lstStyle/>
           <a:p>
-            <a:pPr defTabSz="362204">
+            <a:pPr marL="275590" indent="-275590" defTabSz="283463">
               <a:lnSpc>
                 <a:spcPct val="150000"/>
               </a:lnSpc>
               <a:spcBef>
-                <a:spcPts val="2600"/>
+                <a:spcPts val="0"/>
               </a:spcBef>
               <a:defRPr sz="1984">
+                <a:solidFill>
+                  <a:srgbClr val="333333"/>
+                </a:solidFill>
                 <a:latin typeface="Helvetica"/>
                 <a:ea typeface="Helvetica"/>
                 <a:cs typeface="Helvetica"/>
@@ -6538,33 +6512,8 @@
                 <a:latin typeface="Calibri" panose="020F0502020204030204" pitchFamily="34" charset="0"/>
                 <a:cs typeface="Calibri" panose="020F0502020204030204" pitchFamily="34" charset="0"/>
               </a:rPr>
-              <a:t>DOM</a:t>
-            </a:r>
-            <a:r>
-              <a:rPr sz="2400" dirty="0">
-                <a:latin typeface="Calibri" panose="020F0502020204030204" pitchFamily="34" charset="0"/>
-                <a:cs typeface="Calibri" panose="020F0502020204030204" pitchFamily="34" charset="0"/>
-              </a:rPr>
-              <a:t> </a:t>
-            </a:r>
-            <a:r>
-              <a:rPr lang="en-US" sz="2400" dirty="0">
-                <a:latin typeface="Calibri" panose="020F0502020204030204" pitchFamily="34" charset="0"/>
-                <a:cs typeface="Calibri" panose="020F0502020204030204" pitchFamily="34" charset="0"/>
-              </a:rPr>
-              <a:t>is an API that connects</a:t>
-            </a:r>
-            <a:r>
-              <a:rPr sz="2400" dirty="0">
-                <a:latin typeface="Calibri" panose="020F0502020204030204" pitchFamily="34" charset="0"/>
-                <a:cs typeface="Calibri" panose="020F0502020204030204" pitchFamily="34" charset="0"/>
-              </a:rPr>
-              <a:t> web pages to scripts or programming languages</a:t>
-            </a:r>
-            <a:endParaRPr lang="en-US" sz="2400" dirty="0">
-              <a:latin typeface="Calibri" panose="020F0502020204030204" pitchFamily="34" charset="0"/>
-              <a:cs typeface="Calibri" panose="020F0502020204030204" pitchFamily="34" charset="0"/>
-            </a:endParaRPr>
+              <a:t>The DOM model represents a document with a logical tree</a:t>
+            </a:r>
           </a:p>
           <a:p>
             <a:pPr marL="275590" indent="-275590" defTabSz="283463">
@@ -6589,7 +6538,7 @@
                 <a:latin typeface="Calibri" panose="020F0502020204030204" pitchFamily="34" charset="0"/>
                 <a:cs typeface="Calibri" panose="020F0502020204030204" pitchFamily="34" charset="0"/>
               </a:rPr>
-              <a:t>The DOM model represents a document with a logical tree</a:t>
+              <a:t>DOM methods allow programmatic access to the tree</a:t>
             </a:r>
           </a:p>
           <a:p>
@@ -6615,7 +6564,7 @@
                 <a:latin typeface="Calibri" panose="020F0502020204030204" pitchFamily="34" charset="0"/>
                 <a:cs typeface="Calibri" panose="020F0502020204030204" pitchFamily="34" charset="0"/>
               </a:rPr>
-              <a:t>DOM methods allow programmatic access to the tree</a:t>
+              <a:t>Each branch of the tree ends in a node</a:t>
             </a:r>
           </a:p>
           <a:p>
@@ -6641,7 +6590,7 @@
                 <a:latin typeface="Calibri" panose="020F0502020204030204" pitchFamily="34" charset="0"/>
                 <a:cs typeface="Calibri" panose="020F0502020204030204" pitchFamily="34" charset="0"/>
               </a:rPr>
-              <a:t>Each branch of the tree ends in a node</a:t>
+              <a:t>This allows to change document's structure, style or content</a:t>
             </a:r>
           </a:p>
           <a:p>
@@ -6667,8 +6616,54 @@
                 <a:latin typeface="Calibri" panose="020F0502020204030204" pitchFamily="34" charset="0"/>
                 <a:cs typeface="Calibri" panose="020F0502020204030204" pitchFamily="34" charset="0"/>
               </a:rPr>
-              <a:t>This allows to change document's structure, style or content.</a:t>
-            </a:r>
+              <a:t>Nodes can have event handlers attached to them. </a:t>
+            </a:r>
+          </a:p>
+          <a:p>
+            <a:pPr marL="275590" indent="-275590" defTabSz="283463">
+              <a:lnSpc>
+                <a:spcPct val="150000"/>
+              </a:lnSpc>
+              <a:spcBef>
+                <a:spcPts val="0"/>
+              </a:spcBef>
+              <a:defRPr sz="1984">
+                <a:solidFill>
+                  <a:srgbClr val="333333"/>
+                </a:solidFill>
+                <a:latin typeface="Helvetica"/>
+                <a:ea typeface="Helvetica"/>
+                <a:cs typeface="Helvetica"/>
+                <a:sym typeface="Helvetica"/>
+              </a:defRPr>
+            </a:pPr>
+            <a:endParaRPr lang="en-US" sz="2400" dirty="0">
+              <a:latin typeface="Calibri" panose="020F0502020204030204" pitchFamily="34" charset="0"/>
+              <a:cs typeface="Calibri" panose="020F0502020204030204" pitchFamily="34" charset="0"/>
+            </a:endParaRPr>
+          </a:p>
+          <a:p>
+            <a:pPr marL="275590" indent="-275590" defTabSz="283463">
+              <a:lnSpc>
+                <a:spcPct val="150000"/>
+              </a:lnSpc>
+              <a:spcBef>
+                <a:spcPts val="0"/>
+              </a:spcBef>
+              <a:defRPr sz="1984">
+                <a:solidFill>
+                  <a:srgbClr val="333333"/>
+                </a:solidFill>
+                <a:latin typeface="Helvetica"/>
+                <a:ea typeface="Helvetica"/>
+                <a:cs typeface="Helvetica"/>
+                <a:sym typeface="Helvetica"/>
+              </a:defRPr>
+            </a:pPr>
+            <a:endParaRPr lang="en-US" sz="2400" dirty="0">
+              <a:latin typeface="Calibri" panose="020F0502020204030204" pitchFamily="34" charset="0"/>
+              <a:cs typeface="Calibri" panose="020F0502020204030204" pitchFamily="34" charset="0"/>
+            </a:endParaRPr>
           </a:p>
           <a:p>
             <a:pPr marL="275590" indent="-275590" defTabSz="283463">
@@ -6746,7 +6741,7 @@
     </p:spTree>
     <p:extLst>
       <p:ext uri="{BB962C8B-B14F-4D97-AF65-F5344CB8AC3E}">
-        <p14:creationId xmlns:p14="http://schemas.microsoft.com/office/powerpoint/2010/main" val="4044082340"/>
+        <p14:creationId xmlns:p14="http://schemas.microsoft.com/office/powerpoint/2010/main" val="3908433945"/>
       </p:ext>
     </p:extLst>
   </p:cSld>
@@ -6920,375 +6915,86 @@
       </p:grpSpPr>
       <p:sp>
         <p:nvSpPr>
-          <p:cNvPr id="131" name="Document Object Model (DOM)"/>
-          <p:cNvSpPr txBox="1">
+          <p:cNvPr id="5" name="Title 4">
+            <a:extLst>
+              <a:ext uri="{FF2B5EF4-FFF2-40B4-BE49-F238E27FC236}">
+                <a16:creationId xmlns:a16="http://schemas.microsoft.com/office/drawing/2014/main" id="{B5B47666-51E4-6F4E-8E54-4C44DA8215C4}"/>
+              </a:ext>
+            </a:extLst>
+          </p:cNvPr>
+          <p:cNvSpPr>
             <a:spLocks noGrp="1"/>
           </p:cNvSpPr>
           <p:nvPr>
             <p:ph type="title"/>
           </p:nvPr>
         </p:nvSpPr>
-        <p:spPr>
-          <a:prstGeom prst="rect">
-            <a:avLst/>
-          </a:prstGeom>
-        </p:spPr>
+        <p:spPr/>
         <p:txBody>
           <a:bodyPr>
             <a:normAutofit/>
           </a:bodyPr>
-          <a:lstStyle>
-            <a:lvl1pPr defTabSz="484886">
-              <a:defRPr sz="6640"/>
-            </a:lvl1pPr>
-          </a:lstStyle>
-          <a:p>
-            <a:r>
-              <a:rPr sz="4000" dirty="0">
-                <a:latin typeface="Calibri" panose="020F0502020204030204" pitchFamily="34" charset="0"/>
-                <a:cs typeface="Calibri" panose="020F0502020204030204" pitchFamily="34" charset="0"/>
-              </a:rPr>
-              <a:t>Document Object Model (DOM)</a:t>
-            </a:r>
+          <a:lstStyle/>
+          <a:p>
             <a:r>
               <a:rPr lang="en-US" sz="4000" dirty="0">
                 <a:latin typeface="Calibri" panose="020F0502020204030204" pitchFamily="34" charset="0"/>
                 <a:cs typeface="Calibri" panose="020F0502020204030204" pitchFamily="34" charset="0"/>
               </a:rPr>
-              <a:t>…...</a:t>
-            </a:r>
-            <a:endParaRPr sz="4000" dirty="0">
-              <a:latin typeface="Calibri" panose="020F0502020204030204" pitchFamily="34" charset="0"/>
-              <a:cs typeface="Calibri" panose="020F0502020204030204" pitchFamily="34" charset="0"/>
-            </a:endParaRPr>
+              <a:t>Document Object Model (DOM)……</a:t>
+            </a:r>
+            <a:endParaRPr lang="en-US" sz="4000" dirty="0"/>
           </a:p>
         </p:txBody>
       </p:sp>
       <p:sp>
         <p:nvSpPr>
-          <p:cNvPr id="132" name="Dom connects web pages to scripts or programming languages. Usually that means JavaScript…"/>
-          <p:cNvSpPr txBox="1">
+          <p:cNvPr id="6" name="Text Placeholder 5">
+            <a:extLst>
+              <a:ext uri="{FF2B5EF4-FFF2-40B4-BE49-F238E27FC236}">
+                <a16:creationId xmlns:a16="http://schemas.microsoft.com/office/drawing/2014/main" id="{810C8F93-16F5-AA46-88E2-15A98C7B6706}"/>
+              </a:ext>
+            </a:extLst>
+          </p:cNvPr>
+          <p:cNvSpPr>
             <a:spLocks noGrp="1"/>
           </p:cNvSpPr>
           <p:nvPr>
-            <p:ph type="body" sz="half" idx="1"/>
+            <p:ph type="body" idx="1"/>
           </p:nvPr>
         </p:nvSpPr>
-        <p:spPr>
-          <a:xfrm>
-            <a:off x="952499" y="2590800"/>
-            <a:ext cx="5881529" cy="6286500"/>
-          </a:xfrm>
-          <a:prstGeom prst="rect">
-            <a:avLst/>
-          </a:prstGeom>
-        </p:spPr>
+        <p:spPr/>
         <p:txBody>
           <a:bodyPr anchor="t">
-            <a:noAutofit/>
+            <a:normAutofit/>
           </a:bodyPr>
           <a:lstStyle/>
           <a:p>
-            <a:pPr defTabSz="362204">
+            <a:pPr>
               <a:lnSpc>
                 <a:spcPct val="150000"/>
               </a:lnSpc>
               <a:spcBef>
-                <a:spcPts val="2600"/>
-              </a:spcBef>
-              <a:defRPr sz="1984">
-                <a:latin typeface="Helvetica"/>
-                <a:ea typeface="Helvetica"/>
-                <a:cs typeface="Helvetica"/>
-                <a:sym typeface="Helvetica"/>
-              </a:defRPr>
-            </a:pPr>
-            <a:r>
-              <a:rPr lang="en-US" sz="2400" dirty="0">
-                <a:latin typeface="Calibri" panose="020F0502020204030204" pitchFamily="34" charset="0"/>
-                <a:cs typeface="Calibri" panose="020F0502020204030204" pitchFamily="34" charset="0"/>
-              </a:rPr>
-              <a:t>DOM</a:t>
-            </a:r>
-            <a:r>
-              <a:rPr sz="2400" dirty="0">
-                <a:latin typeface="Calibri" panose="020F0502020204030204" pitchFamily="34" charset="0"/>
-                <a:cs typeface="Calibri" panose="020F0502020204030204" pitchFamily="34" charset="0"/>
-              </a:rPr>
-              <a:t> </a:t>
-            </a:r>
-            <a:r>
-              <a:rPr lang="en-US" sz="2400" dirty="0">
-                <a:latin typeface="Calibri" panose="020F0502020204030204" pitchFamily="34" charset="0"/>
-                <a:cs typeface="Calibri" panose="020F0502020204030204" pitchFamily="34" charset="0"/>
-              </a:rPr>
-              <a:t>is an API that connects</a:t>
-            </a:r>
-            <a:r>
-              <a:rPr sz="2400" dirty="0">
-                <a:latin typeface="Calibri" panose="020F0502020204030204" pitchFamily="34" charset="0"/>
-                <a:cs typeface="Calibri" panose="020F0502020204030204" pitchFamily="34" charset="0"/>
-              </a:rPr>
-              <a:t> web pages to scripts or programming languages</a:t>
-            </a:r>
-            <a:endParaRPr lang="en-US" sz="2400" dirty="0">
-              <a:latin typeface="Calibri" panose="020F0502020204030204" pitchFamily="34" charset="0"/>
-              <a:cs typeface="Calibri" panose="020F0502020204030204" pitchFamily="34" charset="0"/>
-            </a:endParaRPr>
-          </a:p>
-          <a:p>
-            <a:pPr marL="275590" indent="-275590" defTabSz="283463">
-              <a:lnSpc>
-                <a:spcPct val="150000"/>
-              </a:lnSpc>
-              <a:spcBef>
-                <a:spcPts val="0"/>
-              </a:spcBef>
-              <a:defRPr sz="1984">
-                <a:solidFill>
-                  <a:srgbClr val="333333"/>
-                </a:solidFill>
-                <a:latin typeface="Helvetica"/>
-                <a:ea typeface="Helvetica"/>
-                <a:cs typeface="Helvetica"/>
-                <a:sym typeface="Helvetica"/>
-              </a:defRPr>
-            </a:pPr>
-            <a:r>
-              <a:rPr lang="en-US" sz="2400" dirty="0">
-                <a:latin typeface="Calibri" panose="020F0502020204030204" pitchFamily="34" charset="0"/>
-                <a:cs typeface="Calibri" panose="020F0502020204030204" pitchFamily="34" charset="0"/>
-              </a:rPr>
-              <a:t>The DOM model represents a document with a logical tree</a:t>
-            </a:r>
-          </a:p>
-          <a:p>
-            <a:pPr marL="275590" indent="-275590" defTabSz="283463">
-              <a:lnSpc>
-                <a:spcPct val="150000"/>
-              </a:lnSpc>
-              <a:spcBef>
-                <a:spcPts val="0"/>
-              </a:spcBef>
-              <a:defRPr sz="1984">
-                <a:solidFill>
-                  <a:srgbClr val="333333"/>
-                </a:solidFill>
-                <a:latin typeface="Helvetica"/>
-                <a:ea typeface="Helvetica"/>
-                <a:cs typeface="Helvetica"/>
-                <a:sym typeface="Helvetica"/>
-              </a:defRPr>
-            </a:pPr>
-            <a:r>
-              <a:rPr lang="en-US" sz="2400" dirty="0">
-                <a:latin typeface="Calibri" panose="020F0502020204030204" pitchFamily="34" charset="0"/>
-                <a:cs typeface="Calibri" panose="020F0502020204030204" pitchFamily="34" charset="0"/>
-              </a:rPr>
-              <a:t>DOM methods allow programmatic access to the tree</a:t>
-            </a:r>
-          </a:p>
-          <a:p>
-            <a:pPr marL="275590" indent="-275590" defTabSz="283463">
-              <a:lnSpc>
-                <a:spcPct val="150000"/>
-              </a:lnSpc>
-              <a:spcBef>
-                <a:spcPts val="0"/>
-              </a:spcBef>
-              <a:defRPr sz="1984">
-                <a:solidFill>
-                  <a:srgbClr val="333333"/>
-                </a:solidFill>
-                <a:latin typeface="Helvetica"/>
-                <a:ea typeface="Helvetica"/>
-                <a:cs typeface="Helvetica"/>
-                <a:sym typeface="Helvetica"/>
-              </a:defRPr>
-            </a:pPr>
-            <a:r>
-              <a:rPr lang="en-US" sz="2400" dirty="0">
-                <a:latin typeface="Calibri" panose="020F0502020204030204" pitchFamily="34" charset="0"/>
-                <a:cs typeface="Calibri" panose="020F0502020204030204" pitchFamily="34" charset="0"/>
-              </a:rPr>
-              <a:t>Each branch of the tree ends in a node</a:t>
-            </a:r>
-          </a:p>
-          <a:p>
-            <a:pPr marL="275590" indent="-275590" defTabSz="283463">
-              <a:lnSpc>
-                <a:spcPct val="150000"/>
-              </a:lnSpc>
-              <a:spcBef>
-                <a:spcPts val="0"/>
-              </a:spcBef>
-              <a:defRPr sz="1984">
-                <a:solidFill>
-                  <a:srgbClr val="333333"/>
-                </a:solidFill>
-                <a:latin typeface="Helvetica"/>
-                <a:ea typeface="Helvetica"/>
-                <a:cs typeface="Helvetica"/>
-                <a:sym typeface="Helvetica"/>
-              </a:defRPr>
-            </a:pPr>
-            <a:r>
-              <a:rPr lang="en-US" sz="2400" dirty="0">
-                <a:latin typeface="Calibri" panose="020F0502020204030204" pitchFamily="34" charset="0"/>
-                <a:cs typeface="Calibri" panose="020F0502020204030204" pitchFamily="34" charset="0"/>
-              </a:rPr>
-              <a:t>This allows to change document's structure, style or content</a:t>
-            </a:r>
-          </a:p>
-          <a:p>
-            <a:pPr marL="275590" indent="-275590" defTabSz="283463">
-              <a:lnSpc>
-                <a:spcPct val="150000"/>
-              </a:lnSpc>
-              <a:spcBef>
-                <a:spcPts val="0"/>
-              </a:spcBef>
-              <a:defRPr sz="1984">
-                <a:solidFill>
-                  <a:srgbClr val="333333"/>
-                </a:solidFill>
-                <a:latin typeface="Helvetica"/>
-                <a:ea typeface="Helvetica"/>
-                <a:cs typeface="Helvetica"/>
-                <a:sym typeface="Helvetica"/>
-              </a:defRPr>
-            </a:pPr>
-            <a:r>
-              <a:rPr lang="en-US" sz="2400" dirty="0">
-                <a:latin typeface="Calibri" panose="020F0502020204030204" pitchFamily="34" charset="0"/>
-                <a:cs typeface="Calibri" panose="020F0502020204030204" pitchFamily="34" charset="0"/>
-              </a:rPr>
-              <a:t>Nodes can have event handlers attached to them. </a:t>
-            </a:r>
-          </a:p>
-          <a:p>
-            <a:pPr marL="275590" indent="-275590" defTabSz="283463">
-              <a:lnSpc>
-                <a:spcPct val="150000"/>
-              </a:lnSpc>
-              <a:spcBef>
-                <a:spcPts val="0"/>
-              </a:spcBef>
-              <a:defRPr sz="1984">
-                <a:solidFill>
-                  <a:srgbClr val="333333"/>
-                </a:solidFill>
-                <a:latin typeface="Helvetica"/>
-                <a:ea typeface="Helvetica"/>
-                <a:cs typeface="Helvetica"/>
-                <a:sym typeface="Helvetica"/>
-              </a:defRPr>
-            </a:pPr>
-            <a:endParaRPr lang="en-US" sz="2400" dirty="0">
-              <a:latin typeface="Calibri" panose="020F0502020204030204" pitchFamily="34" charset="0"/>
-              <a:cs typeface="Calibri" panose="020F0502020204030204" pitchFamily="34" charset="0"/>
-            </a:endParaRPr>
-          </a:p>
-          <a:p>
-            <a:pPr marL="275590" indent="-275590" defTabSz="283463">
-              <a:lnSpc>
-                <a:spcPct val="150000"/>
-              </a:lnSpc>
-              <a:spcBef>
-                <a:spcPts val="0"/>
-              </a:spcBef>
-              <a:defRPr sz="1984">
-                <a:solidFill>
-                  <a:srgbClr val="333333"/>
-                </a:solidFill>
-                <a:latin typeface="Helvetica"/>
-                <a:ea typeface="Helvetica"/>
-                <a:cs typeface="Helvetica"/>
-                <a:sym typeface="Helvetica"/>
-              </a:defRPr>
-            </a:pPr>
-            <a:endParaRPr lang="en-US" sz="2400" dirty="0">
-              <a:latin typeface="Calibri" panose="020F0502020204030204" pitchFamily="34" charset="0"/>
-              <a:cs typeface="Calibri" panose="020F0502020204030204" pitchFamily="34" charset="0"/>
-            </a:endParaRPr>
-          </a:p>
-          <a:p>
-            <a:pPr marL="275590" indent="-275590" defTabSz="283463">
-              <a:lnSpc>
-                <a:spcPct val="150000"/>
-              </a:lnSpc>
-              <a:spcBef>
-                <a:spcPts val="0"/>
-              </a:spcBef>
-              <a:defRPr sz="1984">
-                <a:solidFill>
-                  <a:srgbClr val="333333"/>
-                </a:solidFill>
-                <a:latin typeface="Helvetica"/>
-                <a:ea typeface="Helvetica"/>
-                <a:cs typeface="Helvetica"/>
-                <a:sym typeface="Helvetica"/>
-              </a:defRPr>
-            </a:pPr>
-            <a:endParaRPr lang="en-US" sz="2400" dirty="0">
-              <a:latin typeface="Calibri" panose="020F0502020204030204" pitchFamily="34" charset="0"/>
-              <a:cs typeface="Calibri" panose="020F0502020204030204" pitchFamily="34" charset="0"/>
-            </a:endParaRPr>
-          </a:p>
-          <a:p>
-            <a:pPr marL="0" indent="0" defTabSz="362204">
-              <a:lnSpc>
-                <a:spcPct val="150000"/>
-              </a:lnSpc>
-              <a:spcBef>
-                <a:spcPts val="2600"/>
-              </a:spcBef>
-              <a:buNone/>
-              <a:defRPr sz="1984">
-                <a:latin typeface="Helvetica"/>
-                <a:ea typeface="Helvetica"/>
-                <a:cs typeface="Helvetica"/>
-                <a:sym typeface="Helvetica"/>
-              </a:defRPr>
-            </a:pPr>
-            <a:endParaRPr lang="en-US" sz="2400" dirty="0">
-              <a:latin typeface="Calibri" panose="020F0502020204030204" pitchFamily="34" charset="0"/>
-              <a:cs typeface="Calibri" panose="020F0502020204030204" pitchFamily="34" charset="0"/>
-            </a:endParaRPr>
+                <a:spcPts val="0"/>
+              </a:spcBef>
+            </a:pPr>
+            <a:r>
+              <a:rPr lang="en-US" sz="2400" dirty="0">
+                <a:solidFill>
+                  <a:srgbClr val="434343"/>
+                </a:solidFill>
+                <a:latin typeface="Calibri" panose="020F0502020204030204" pitchFamily="34" charset="0"/>
+                <a:cs typeface="Calibri" panose="020F0502020204030204" pitchFamily="34" charset="0"/>
+              </a:rPr>
+              <a:t>How does JavaScript perform a change to a DOM element?</a:t>
+            </a:r>
           </a:p>
         </p:txBody>
       </p:sp>
-      <p:pic>
-        <p:nvPicPr>
-          <p:cNvPr id="133" name="DOM_js_72.png" descr="DOM_js_72.png"/>
-          <p:cNvPicPr>
-            <a:picLocks noChangeAspect="1"/>
-          </p:cNvPicPr>
-          <p:nvPr/>
-        </p:nvPicPr>
-        <p:blipFill>
-          <a:blip r:embed="rId2"/>
-          <a:stretch>
-            <a:fillRect/>
-          </a:stretch>
-        </p:blipFill>
-        <p:spPr>
-          <a:xfrm>
-            <a:off x="6834028" y="3780996"/>
-            <a:ext cx="5441677" cy="3906107"/>
-          </a:xfrm>
-          <a:prstGeom prst="rect">
-            <a:avLst/>
-          </a:prstGeom>
-          <a:ln w="12700">
-            <a:miter lim="400000"/>
-          </a:ln>
-        </p:spPr>
-      </p:pic>
     </p:spTree>
     <p:extLst>
       <p:ext uri="{BB962C8B-B14F-4D97-AF65-F5344CB8AC3E}">
-        <p14:creationId xmlns:p14="http://schemas.microsoft.com/office/powerpoint/2010/main" val="3908433945"/>
+        <p14:creationId xmlns:p14="http://schemas.microsoft.com/office/powerpoint/2010/main" val="1232651606"/>
       </p:ext>
     </p:extLst>
   </p:cSld>
@@ -7392,12 +7098,127 @@
               <a:t>How does JavaScript perform a change to a DOM element?</a:t>
             </a:r>
           </a:p>
+          <a:p>
+            <a:pPr lvl="1">
+              <a:lnSpc>
+                <a:spcPct val="150000"/>
+              </a:lnSpc>
+              <a:spcBef>
+                <a:spcPts val="0"/>
+              </a:spcBef>
+            </a:pPr>
+            <a:r>
+              <a:rPr lang="en-US" sz="2400" dirty="0">
+                <a:solidFill>
+                  <a:srgbClr val="434343"/>
+                </a:solidFill>
+                <a:latin typeface="Calibri" panose="020F0502020204030204" pitchFamily="34" charset="0"/>
+                <a:cs typeface="Calibri" panose="020F0502020204030204" pitchFamily="34" charset="0"/>
+              </a:rPr>
+              <a:t>We know that the DOM is a tree of node objects </a:t>
+            </a:r>
+          </a:p>
+          <a:p>
+            <a:pPr lvl="1">
+              <a:lnSpc>
+                <a:spcPct val="150000"/>
+              </a:lnSpc>
+              <a:spcBef>
+                <a:spcPts val="0"/>
+              </a:spcBef>
+            </a:pPr>
+            <a:r>
+              <a:rPr lang="en-US" sz="2400" dirty="0">
+                <a:solidFill>
+                  <a:srgbClr val="434343"/>
+                </a:solidFill>
+                <a:latin typeface="Calibri" panose="020F0502020204030204" pitchFamily="34" charset="0"/>
+                <a:cs typeface="Calibri" panose="020F0502020204030204" pitchFamily="34" charset="0"/>
+              </a:rPr>
+              <a:t>Each Node object corresponds to the HTML elements on a page.</a:t>
+            </a:r>
+            <a:endParaRPr lang="en-US" sz="2400" dirty="0">
+              <a:latin typeface="Calibri" panose="020F0502020204030204" pitchFamily="34" charset="0"/>
+              <a:cs typeface="Calibri" panose="020F0502020204030204" pitchFamily="34" charset="0"/>
+            </a:endParaRPr>
+          </a:p>
+          <a:p>
+            <a:pPr lvl="1" fontAlgn="base">
+              <a:lnSpc>
+                <a:spcPct val="150000"/>
+              </a:lnSpc>
+              <a:spcBef>
+                <a:spcPts val="1000"/>
+              </a:spcBef>
+            </a:pPr>
+            <a:r>
+              <a:rPr lang="en-US" sz="2400" dirty="0">
+                <a:solidFill>
+                  <a:srgbClr val="434343"/>
+                </a:solidFill>
+                <a:latin typeface="Calibri" panose="020F0502020204030204" pitchFamily="34" charset="0"/>
+                <a:cs typeface="Calibri" panose="020F0502020204030204" pitchFamily="34" charset="0"/>
+              </a:rPr>
+              <a:t>JS code can </a:t>
+            </a:r>
+            <a:r>
+              <a:rPr lang="en-US" sz="2400" b="1" dirty="0">
+                <a:solidFill>
+                  <a:srgbClr val="434343"/>
+                </a:solidFill>
+                <a:latin typeface="Calibri" panose="020F0502020204030204" pitchFamily="34" charset="0"/>
+                <a:cs typeface="Calibri" panose="020F0502020204030204" pitchFamily="34" charset="0"/>
+              </a:rPr>
+              <a:t>examine</a:t>
+            </a:r>
+            <a:r>
+              <a:rPr lang="en-US" sz="2400" dirty="0">
+                <a:solidFill>
+                  <a:srgbClr val="434343"/>
+                </a:solidFill>
+                <a:latin typeface="Calibri" panose="020F0502020204030204" pitchFamily="34" charset="0"/>
+                <a:cs typeface="Calibri" panose="020F0502020204030204" pitchFamily="34" charset="0"/>
+              </a:rPr>
+              <a:t> these nodes to see the state of an element</a:t>
+            </a:r>
+          </a:p>
+          <a:p>
+            <a:pPr lvl="2" fontAlgn="base">
+              <a:lnSpc>
+                <a:spcPct val="150000"/>
+              </a:lnSpc>
+              <a:spcBef>
+                <a:spcPts val="1000"/>
+              </a:spcBef>
+            </a:pPr>
+            <a:r>
+              <a:rPr lang="en-US" sz="2400" dirty="0">
+                <a:solidFill>
+                  <a:srgbClr val="434343"/>
+                </a:solidFill>
+                <a:latin typeface="Calibri" panose="020F0502020204030204" pitchFamily="34" charset="0"/>
+                <a:cs typeface="Calibri" panose="020F0502020204030204" pitchFamily="34" charset="0"/>
+              </a:rPr>
+              <a:t>(e.g. to get what the user typed in a text box)</a:t>
+            </a:r>
+          </a:p>
+          <a:p>
+            <a:pPr>
+              <a:lnSpc>
+                <a:spcPct val="150000"/>
+              </a:lnSpc>
+            </a:pPr>
+            <a:endParaRPr lang="en-US" sz="2400" dirty="0">
+              <a:latin typeface="Calibri" panose="020F0502020204030204" pitchFamily="34" charset="0"/>
+              <a:cs typeface="Calibri" panose="020F0502020204030204" pitchFamily="34" charset="0"/>
+            </a:endParaRPr>
+          </a:p>
         </p:txBody>
       </p:sp>
     </p:spTree>
     <p:extLst>
       <p:ext uri="{BB962C8B-B14F-4D97-AF65-F5344CB8AC3E}">
-        <p14:creationId xmlns:p14="http://schemas.microsoft.com/office/powerpoint/2010/main" val="1232651606"/>
+        <p14:creationId xmlns:p14="http://schemas.microsoft.com/office/powerpoint/2010/main" val="3111414029"/>
       </p:ext>
     </p:extLst>
   </p:cSld>
@@ -7606,6 +7427,66 @@
             </a:r>
           </a:p>
           <a:p>
+            <a:pPr lvl="1" fontAlgn="base">
+              <a:lnSpc>
+                <a:spcPct val="150000"/>
+              </a:lnSpc>
+              <a:spcBef>
+                <a:spcPts val="1000"/>
+              </a:spcBef>
+            </a:pPr>
+            <a:r>
+              <a:rPr lang="en-US" sz="2400" dirty="0">
+                <a:solidFill>
+                  <a:srgbClr val="434343"/>
+                </a:solidFill>
+                <a:latin typeface="Calibri" panose="020F0502020204030204" pitchFamily="34" charset="0"/>
+                <a:cs typeface="Calibri" panose="020F0502020204030204" pitchFamily="34" charset="0"/>
+              </a:rPr>
+              <a:t>JS code can </a:t>
+            </a:r>
+            <a:r>
+              <a:rPr lang="en-US" sz="2400" b="1" dirty="0">
+                <a:solidFill>
+                  <a:srgbClr val="434343"/>
+                </a:solidFill>
+                <a:latin typeface="Calibri" panose="020F0502020204030204" pitchFamily="34" charset="0"/>
+                <a:cs typeface="Calibri" panose="020F0502020204030204" pitchFamily="34" charset="0"/>
+              </a:rPr>
+              <a:t>edit</a:t>
+            </a:r>
+            <a:r>
+              <a:rPr lang="en-US" sz="2400" dirty="0">
+                <a:solidFill>
+                  <a:srgbClr val="434343"/>
+                </a:solidFill>
+                <a:latin typeface="Calibri" panose="020F0502020204030204" pitchFamily="34" charset="0"/>
+                <a:cs typeface="Calibri" panose="020F0502020204030204" pitchFamily="34" charset="0"/>
+              </a:rPr>
+              <a:t> the attributes of these nodes to change the attributes of an element</a:t>
+            </a:r>
+          </a:p>
+          <a:p>
+            <a:pPr lvl="2" fontAlgn="base">
+              <a:lnSpc>
+                <a:spcPct val="150000"/>
+              </a:lnSpc>
+              <a:spcBef>
+                <a:spcPts val="1000"/>
+              </a:spcBef>
+            </a:pPr>
+            <a:r>
+              <a:rPr lang="en-US" sz="2400" dirty="0">
+                <a:solidFill>
+                  <a:srgbClr val="434343"/>
+                </a:solidFill>
+                <a:latin typeface="Calibri" panose="020F0502020204030204" pitchFamily="34" charset="0"/>
+                <a:cs typeface="Calibri" panose="020F0502020204030204" pitchFamily="34" charset="0"/>
+              </a:rPr>
+              <a:t>(e.g. to toggle a style or to change the contents of an &lt;h1&gt; tag)</a:t>
+            </a:r>
+          </a:p>
+          <a:p>
             <a:pPr>
               <a:lnSpc>
                 <a:spcPct val="150000"/>
@@ -7621,7 +7502,7 @@
     </p:spTree>
     <p:extLst>
       <p:ext uri="{BB962C8B-B14F-4D97-AF65-F5344CB8AC3E}">
-        <p14:creationId xmlns:p14="http://schemas.microsoft.com/office/powerpoint/2010/main" val="3111414029"/>
+        <p14:creationId xmlns:p14="http://schemas.microsoft.com/office/powerpoint/2010/main" val="3392186395"/>
       </p:ext>
     </p:extLst>
   </p:cSld>
@@ -7890,22 +7771,71 @@
             </a:r>
           </a:p>
           <a:p>
-            <a:pPr>
+            <a:pPr lvl="1" fontAlgn="base">
               <a:lnSpc>
                 <a:spcPct val="150000"/>
               </a:lnSpc>
-            </a:pPr>
-            <a:endParaRPr lang="en-US" sz="2400" dirty="0">
-              <a:latin typeface="Calibri" panose="020F0502020204030204" pitchFamily="34" charset="0"/>
-              <a:cs typeface="Calibri" panose="020F0502020204030204" pitchFamily="34" charset="0"/>
-            </a:endParaRPr>
+              <a:spcBef>
+                <a:spcPts val="1000"/>
+              </a:spcBef>
+            </a:pPr>
+            <a:r>
+              <a:rPr lang="en-US" sz="2400" dirty="0">
+                <a:solidFill>
+                  <a:srgbClr val="434343"/>
+                </a:solidFill>
+                <a:latin typeface="Calibri" panose="020F0502020204030204" pitchFamily="34" charset="0"/>
+                <a:cs typeface="Calibri" panose="020F0502020204030204" pitchFamily="34" charset="0"/>
+              </a:rPr>
+              <a:t>JS code can </a:t>
+            </a:r>
+            <a:r>
+              <a:rPr lang="en-US" sz="2400" b="1" dirty="0">
+                <a:solidFill>
+                  <a:srgbClr val="434343"/>
+                </a:solidFill>
+                <a:latin typeface="Calibri" panose="020F0502020204030204" pitchFamily="34" charset="0"/>
+                <a:cs typeface="Calibri" panose="020F0502020204030204" pitchFamily="34" charset="0"/>
+              </a:rPr>
+              <a:t>add elements</a:t>
+            </a:r>
+            <a:r>
+              <a:rPr lang="en-US" sz="2400" dirty="0">
+                <a:solidFill>
+                  <a:srgbClr val="434343"/>
+                </a:solidFill>
+                <a:latin typeface="Calibri" panose="020F0502020204030204" pitchFamily="34" charset="0"/>
+                <a:cs typeface="Calibri" panose="020F0502020204030204" pitchFamily="34" charset="0"/>
+              </a:rPr>
+              <a:t> to and </a:t>
+            </a:r>
+            <a:r>
+              <a:rPr lang="en-US" sz="2400" b="1" dirty="0">
+                <a:solidFill>
+                  <a:srgbClr val="434343"/>
+                </a:solidFill>
+                <a:latin typeface="Calibri" panose="020F0502020204030204" pitchFamily="34" charset="0"/>
+                <a:cs typeface="Calibri" panose="020F0502020204030204" pitchFamily="34" charset="0"/>
+              </a:rPr>
+              <a:t>remove elements</a:t>
+            </a:r>
+            <a:r>
+              <a:rPr lang="en-US" sz="2400" dirty="0">
+                <a:solidFill>
+                  <a:srgbClr val="434343"/>
+                </a:solidFill>
+                <a:latin typeface="Calibri" panose="020F0502020204030204" pitchFamily="34" charset="0"/>
+                <a:cs typeface="Calibri" panose="020F0502020204030204" pitchFamily="34" charset="0"/>
+              </a:rPr>
+              <a:t> from a web page by adding and removing nodes from the DOM</a:t>
+            </a:r>
           </a:p>
         </p:txBody>
       </p:sp>
     </p:spTree>
     <p:extLst>
       <p:ext uri="{BB962C8B-B14F-4D97-AF65-F5344CB8AC3E}">
-        <p14:creationId xmlns:p14="http://schemas.microsoft.com/office/powerpoint/2010/main" val="3392186395"/>
+        <p14:creationId xmlns:p14="http://schemas.microsoft.com/office/powerpoint/2010/main" val="1707334250"/>
       </p:ext>
     </p:extLst>
   </p:cSld>
@@ -7990,63 +7920,21 @@
           </a:bodyPr>
           <a:lstStyle/>
           <a:p>
-            <a:pPr>
-              <a:lnSpc>
-                <a:spcPct val="150000"/>
-              </a:lnSpc>
-              <a:spcBef>
-                <a:spcPts val="0"/>
-              </a:spcBef>
-            </a:pPr>
-            <a:r>
-              <a:rPr lang="en-US" sz="2400" dirty="0">
-                <a:solidFill>
-                  <a:srgbClr val="434343"/>
-                </a:solidFill>
-                <a:latin typeface="Calibri" panose="020F0502020204030204" pitchFamily="34" charset="0"/>
-                <a:cs typeface="Calibri" panose="020F0502020204030204" pitchFamily="34" charset="0"/>
-              </a:rPr>
-              <a:t>How does JavaScript perform a change to a DOM element?</a:t>
-            </a:r>
-          </a:p>
-          <a:p>
-            <a:pPr lvl="1">
-              <a:lnSpc>
-                <a:spcPct val="150000"/>
-              </a:lnSpc>
-              <a:spcBef>
-                <a:spcPts val="0"/>
-              </a:spcBef>
-            </a:pPr>
-            <a:r>
-              <a:rPr lang="en-US" sz="2400" dirty="0">
-                <a:solidFill>
-                  <a:srgbClr val="434343"/>
-                </a:solidFill>
-                <a:latin typeface="Calibri" panose="020F0502020204030204" pitchFamily="34" charset="0"/>
-                <a:cs typeface="Calibri" panose="020F0502020204030204" pitchFamily="34" charset="0"/>
-              </a:rPr>
-              <a:t>We know that the DOM is a tree of node objects </a:t>
-            </a:r>
-          </a:p>
-          <a:p>
-            <a:pPr lvl="1">
-              <a:lnSpc>
-                <a:spcPct val="150000"/>
-              </a:lnSpc>
-              <a:spcBef>
-                <a:spcPts val="0"/>
-              </a:spcBef>
-            </a:pPr>
-            <a:r>
-              <a:rPr lang="en-US" sz="2400" dirty="0">
-                <a:solidFill>
-                  <a:srgbClr val="434343"/>
-                </a:solidFill>
-                <a:latin typeface="Calibri" panose="020F0502020204030204" pitchFamily="34" charset="0"/>
-                <a:cs typeface="Calibri" panose="020F0502020204030204" pitchFamily="34" charset="0"/>
-              </a:rPr>
-              <a:t>Each Node object corresponds to the HTML elements on a page.</a:t>
+            <a:pPr marL="0" indent="0">
+              <a:spcBef>
+                <a:spcPts val="0"/>
+              </a:spcBef>
+              <a:buNone/>
+            </a:pPr>
+            <a:r>
+              <a:rPr lang="en-US" sz="2400" dirty="0">
+                <a:solidFill>
+                  <a:srgbClr val="38761D"/>
+                </a:solidFill>
+                <a:latin typeface="Calibri" panose="020F0502020204030204" pitchFamily="34" charset="0"/>
+                <a:cs typeface="Calibri" panose="020F0502020204030204" pitchFamily="34" charset="0"/>
+              </a:rPr>
+              <a:t>// Returns the DOM object for the HTML element</a:t>
             </a:r>
             <a:endParaRPr lang="en-US" sz="2400" dirty="0">
               <a:latin typeface="Calibri" panose="020F0502020204030204" pitchFamily="34" charset="0"/>
@@ -8054,14 +7942,45 @@
             </a:endParaRPr>
           </a:p>
           <a:p>
-            <a:pPr lvl="1" fontAlgn="base">
-              <a:lnSpc>
-                <a:spcPct val="150000"/>
-              </a:lnSpc>
-              <a:spcBef>
-                <a:spcPts val="1000"/>
-              </a:spcBef>
-            </a:pPr>
+            <a:pPr marL="0" indent="0">
+              <a:spcBef>
+                <a:spcPts val="0"/>
+              </a:spcBef>
+              <a:buNone/>
+            </a:pPr>
+            <a:r>
+              <a:rPr lang="en-US" sz="2400" dirty="0">
+                <a:solidFill>
+                  <a:srgbClr val="38761D"/>
+                </a:solidFill>
+                <a:latin typeface="Calibri" panose="020F0502020204030204" pitchFamily="34" charset="0"/>
+                <a:cs typeface="Calibri" panose="020F0502020204030204" pitchFamily="34" charset="0"/>
+              </a:rPr>
+              <a:t>// with id="button", or null if none exists.</a:t>
+            </a:r>
+            <a:endParaRPr lang="en-US" sz="2400" dirty="0">
+              <a:latin typeface="Calibri" panose="020F0502020204030204" pitchFamily="34" charset="0"/>
+              <a:cs typeface="Calibri" panose="020F0502020204030204" pitchFamily="34" charset="0"/>
+            </a:endParaRPr>
+          </a:p>
+          <a:p>
+            <a:pPr marL="0" indent="0">
+              <a:spcBef>
+                <a:spcPts val="0"/>
+              </a:spcBef>
+              <a:buNone/>
+            </a:pPr>
+            <a:r>
+              <a:rPr lang="en-US" sz="2400" dirty="0">
+                <a:solidFill>
+                  <a:srgbClr val="8959A8"/>
+                </a:solidFill>
+                <a:latin typeface="Calibri" panose="020F0502020204030204" pitchFamily="34" charset="0"/>
+                <a:ea typeface="Menlo"/>
+                <a:cs typeface="Calibri" panose="020F0502020204030204" pitchFamily="34" charset="0"/>
+              </a:rPr>
+              <a:t>let</a:t>
+            </a:r>
             <a:r>
               <a:rPr lang="en-US" sz="2400" dirty="0">
                 <a:solidFill>
@@ -8070,175 +7989,149 @@
                 <a:latin typeface="Calibri" panose="020F0502020204030204" pitchFamily="34" charset="0"/>
                 <a:cs typeface="Calibri" panose="020F0502020204030204" pitchFamily="34" charset="0"/>
               </a:rPr>
-              <a:t>JS code can </a:t>
-            </a:r>
-            <a:r>
-              <a:rPr lang="en-US" sz="2400" b="1" dirty="0">
-                <a:solidFill>
-                  <a:srgbClr val="434343"/>
-                </a:solidFill>
-                <a:latin typeface="Calibri" panose="020F0502020204030204" pitchFamily="34" charset="0"/>
-                <a:cs typeface="Calibri" panose="020F0502020204030204" pitchFamily="34" charset="0"/>
-              </a:rPr>
-              <a:t>examine</a:t>
-            </a:r>
-            <a:r>
-              <a:rPr lang="en-US" sz="2400" dirty="0">
-                <a:solidFill>
-                  <a:srgbClr val="434343"/>
-                </a:solidFill>
-                <a:latin typeface="Calibri" panose="020F0502020204030204" pitchFamily="34" charset="0"/>
-                <a:cs typeface="Calibri" panose="020F0502020204030204" pitchFamily="34" charset="0"/>
-              </a:rPr>
-              <a:t> these nodes to see the state of an element</a:t>
-            </a:r>
-          </a:p>
-          <a:p>
-            <a:pPr lvl="2" fontAlgn="base">
-              <a:lnSpc>
-                <a:spcPct val="150000"/>
-              </a:lnSpc>
-              <a:spcBef>
-                <a:spcPts val="1000"/>
-              </a:spcBef>
-            </a:pPr>
-            <a:r>
-              <a:rPr lang="en-US" sz="2400" dirty="0">
-                <a:solidFill>
-                  <a:srgbClr val="434343"/>
-                </a:solidFill>
-                <a:latin typeface="Calibri" panose="020F0502020204030204" pitchFamily="34" charset="0"/>
-                <a:cs typeface="Calibri" panose="020F0502020204030204" pitchFamily="34" charset="0"/>
-              </a:rPr>
-              <a:t>(e.g. to get what the user typed in a text box)</a:t>
-            </a:r>
-          </a:p>
-          <a:p>
-            <a:pPr lvl="1" fontAlgn="base">
-              <a:lnSpc>
-                <a:spcPct val="150000"/>
-              </a:lnSpc>
-              <a:spcBef>
-                <a:spcPts val="1000"/>
-              </a:spcBef>
-            </a:pPr>
-            <a:r>
-              <a:rPr lang="en-US" sz="2400" dirty="0">
-                <a:solidFill>
-                  <a:srgbClr val="434343"/>
-                </a:solidFill>
-                <a:latin typeface="Calibri" panose="020F0502020204030204" pitchFamily="34" charset="0"/>
-                <a:cs typeface="Calibri" panose="020F0502020204030204" pitchFamily="34" charset="0"/>
-              </a:rPr>
-              <a:t>JS code can </a:t>
-            </a:r>
-            <a:r>
-              <a:rPr lang="en-US" sz="2400" b="1" dirty="0">
-                <a:solidFill>
-                  <a:srgbClr val="434343"/>
-                </a:solidFill>
-                <a:latin typeface="Calibri" panose="020F0502020204030204" pitchFamily="34" charset="0"/>
-                <a:cs typeface="Calibri" panose="020F0502020204030204" pitchFamily="34" charset="0"/>
-              </a:rPr>
-              <a:t>edit</a:t>
-            </a:r>
-            <a:r>
-              <a:rPr lang="en-US" sz="2400" dirty="0">
-                <a:solidFill>
-                  <a:srgbClr val="434343"/>
-                </a:solidFill>
-                <a:latin typeface="Calibri" panose="020F0502020204030204" pitchFamily="34" charset="0"/>
-                <a:cs typeface="Calibri" panose="020F0502020204030204" pitchFamily="34" charset="0"/>
-              </a:rPr>
-              <a:t> the attributes of these nodes to change the attributes of an element</a:t>
-            </a:r>
-          </a:p>
-          <a:p>
-            <a:pPr lvl="2" fontAlgn="base">
-              <a:lnSpc>
-                <a:spcPct val="150000"/>
-              </a:lnSpc>
-              <a:spcBef>
-                <a:spcPts val="1000"/>
-              </a:spcBef>
-            </a:pPr>
-            <a:r>
-              <a:rPr lang="en-US" sz="2400" dirty="0">
-                <a:solidFill>
-                  <a:srgbClr val="434343"/>
-                </a:solidFill>
-                <a:latin typeface="Calibri" panose="020F0502020204030204" pitchFamily="34" charset="0"/>
-                <a:cs typeface="Calibri" panose="020F0502020204030204" pitchFamily="34" charset="0"/>
-              </a:rPr>
-              <a:t>(e.g. to toggle a style or to change the contents of an &lt;h1&gt; tag)</a:t>
-            </a:r>
-          </a:p>
-          <a:p>
-            <a:pPr lvl="1" fontAlgn="base">
-              <a:lnSpc>
-                <a:spcPct val="150000"/>
-              </a:lnSpc>
-              <a:spcBef>
-                <a:spcPts val="1000"/>
-              </a:spcBef>
-            </a:pPr>
-            <a:r>
-              <a:rPr lang="en-US" sz="2400" dirty="0">
-                <a:solidFill>
-                  <a:srgbClr val="434343"/>
-                </a:solidFill>
-                <a:latin typeface="Calibri" panose="020F0502020204030204" pitchFamily="34" charset="0"/>
-                <a:cs typeface="Calibri" panose="020F0502020204030204" pitchFamily="34" charset="0"/>
-              </a:rPr>
-              <a:t>JS code can </a:t>
-            </a:r>
-            <a:r>
-              <a:rPr lang="en-US" sz="2400" b="1" dirty="0">
-                <a:solidFill>
-                  <a:srgbClr val="434343"/>
-                </a:solidFill>
-                <a:latin typeface="Calibri" panose="020F0502020204030204" pitchFamily="34" charset="0"/>
-                <a:cs typeface="Calibri" panose="020F0502020204030204" pitchFamily="34" charset="0"/>
-              </a:rPr>
-              <a:t>add elements</a:t>
-            </a:r>
-            <a:r>
-              <a:rPr lang="en-US" sz="2400" dirty="0">
-                <a:solidFill>
-                  <a:srgbClr val="434343"/>
-                </a:solidFill>
-                <a:latin typeface="Calibri" panose="020F0502020204030204" pitchFamily="34" charset="0"/>
-                <a:cs typeface="Calibri" panose="020F0502020204030204" pitchFamily="34" charset="0"/>
-              </a:rPr>
-              <a:t> to and </a:t>
-            </a:r>
-            <a:r>
-              <a:rPr lang="en-US" sz="2400" b="1" dirty="0">
-                <a:solidFill>
-                  <a:srgbClr val="434343"/>
-                </a:solidFill>
-                <a:latin typeface="Calibri" panose="020F0502020204030204" pitchFamily="34" charset="0"/>
-                <a:cs typeface="Calibri" panose="020F0502020204030204" pitchFamily="34" charset="0"/>
-              </a:rPr>
-              <a:t>remove elements</a:t>
-            </a:r>
-            <a:r>
-              <a:rPr lang="en-US" sz="2400" dirty="0">
-                <a:solidFill>
-                  <a:srgbClr val="434343"/>
-                </a:solidFill>
-                <a:latin typeface="Calibri" panose="020F0502020204030204" pitchFamily="34" charset="0"/>
-                <a:cs typeface="Calibri" panose="020F0502020204030204" pitchFamily="34" charset="0"/>
-              </a:rPr>
-              <a:t> from a web page by adding and removing nodes from the DOM</a:t>
-            </a:r>
+              <a:t> element = </a:t>
+            </a:r>
+            <a:r>
+              <a:rPr lang="en-US" sz="2400" dirty="0" err="1">
+                <a:solidFill>
+                  <a:srgbClr val="0000FF"/>
+                </a:solidFill>
+                <a:latin typeface="Calibri" panose="020F0502020204030204" pitchFamily="34" charset="0"/>
+                <a:cs typeface="Calibri" panose="020F0502020204030204" pitchFamily="34" charset="0"/>
+              </a:rPr>
+              <a:t>document.querySelector</a:t>
+            </a:r>
+            <a:r>
+              <a:rPr lang="en-US" sz="2400" dirty="0">
+                <a:solidFill>
+                  <a:schemeClr val="accent3">
+                    <a:lumMod val="50000"/>
+                  </a:schemeClr>
+                </a:solidFill>
+                <a:latin typeface="Calibri" panose="020F0502020204030204" pitchFamily="34" charset="0"/>
+                <a:cs typeface="Calibri" panose="020F0502020204030204" pitchFamily="34" charset="0"/>
+              </a:rPr>
+              <a:t>( </a:t>
+            </a:r>
+            <a:r>
+              <a:rPr lang="en-US" sz="2400" dirty="0">
+                <a:solidFill>
+                  <a:srgbClr val="FFC000"/>
+                </a:solidFill>
+                <a:latin typeface="Calibri" panose="020F0502020204030204" pitchFamily="34" charset="0"/>
+                <a:cs typeface="Calibri" panose="020F0502020204030204" pitchFamily="34" charset="0"/>
+              </a:rPr>
+              <a:t>‘#button’ </a:t>
+            </a:r>
+            <a:r>
+              <a:rPr lang="en-US" sz="2400" dirty="0">
+                <a:solidFill>
+                  <a:schemeClr val="accent3">
+                    <a:lumMod val="50000"/>
+                  </a:schemeClr>
+                </a:solidFill>
+                <a:latin typeface="Calibri" panose="020F0502020204030204" pitchFamily="34" charset="0"/>
+                <a:cs typeface="Calibri" panose="020F0502020204030204" pitchFamily="34" charset="0"/>
+              </a:rPr>
+              <a:t>);</a:t>
+            </a:r>
+          </a:p>
+          <a:p>
+            <a:pPr marL="0" indent="0">
+              <a:spcBef>
+                <a:spcPts val="0"/>
+              </a:spcBef>
+              <a:buNone/>
+            </a:pPr>
+            <a:endParaRPr lang="en-US" sz="2400" dirty="0">
+              <a:solidFill>
+                <a:schemeClr val="accent3">
+                  <a:lumMod val="50000"/>
+                </a:schemeClr>
+              </a:solidFill>
+              <a:latin typeface="Calibri" panose="020F0502020204030204" pitchFamily="34" charset="0"/>
+              <a:cs typeface="Calibri" panose="020F0502020204030204" pitchFamily="34" charset="0"/>
+            </a:endParaRPr>
+          </a:p>
+          <a:p>
+            <a:pPr marL="0" indent="0">
+              <a:spcBef>
+                <a:spcPts val="0"/>
+              </a:spcBef>
+              <a:buNone/>
+            </a:pPr>
+            <a:r>
+              <a:rPr lang="en-US" sz="2400" dirty="0">
+                <a:solidFill>
+                  <a:srgbClr val="7030A0"/>
+                </a:solidFill>
+                <a:latin typeface="Calibri" panose="020F0502020204030204" pitchFamily="34" charset="0"/>
+                <a:cs typeface="Calibri" panose="020F0502020204030204" pitchFamily="34" charset="0"/>
+              </a:rPr>
+              <a:t>&lt;button id= </a:t>
+            </a:r>
+            <a:r>
+              <a:rPr lang="en-US" sz="2400" dirty="0">
+                <a:solidFill>
+                  <a:srgbClr val="FFC000"/>
+                </a:solidFill>
+                <a:latin typeface="Calibri" panose="020F0502020204030204" pitchFamily="34" charset="0"/>
+                <a:cs typeface="Calibri" panose="020F0502020204030204" pitchFamily="34" charset="0"/>
+              </a:rPr>
+              <a:t>“button”</a:t>
+            </a:r>
+            <a:r>
+              <a:rPr lang="en-US" sz="2400" dirty="0">
+                <a:solidFill>
+                  <a:srgbClr val="7030A0"/>
+                </a:solidFill>
+                <a:latin typeface="Calibri" panose="020F0502020204030204" pitchFamily="34" charset="0"/>
+                <a:cs typeface="Calibri" panose="020F0502020204030204" pitchFamily="34" charset="0"/>
+              </a:rPr>
+              <a:t> &gt;</a:t>
+            </a:r>
+            <a:r>
+              <a:rPr lang="en-US" sz="2400" dirty="0">
+                <a:solidFill>
+                  <a:schemeClr val="tx1"/>
+                </a:solidFill>
+                <a:latin typeface="Calibri" panose="020F0502020204030204" pitchFamily="34" charset="0"/>
+                <a:cs typeface="Calibri" panose="020F0502020204030204" pitchFamily="34" charset="0"/>
+              </a:rPr>
+              <a:t>Send</a:t>
+            </a:r>
+            <a:r>
+              <a:rPr lang="en-US" sz="2400" dirty="0">
+                <a:solidFill>
+                  <a:srgbClr val="7030A0"/>
+                </a:solidFill>
+                <a:latin typeface="Calibri" panose="020F0502020204030204" pitchFamily="34" charset="0"/>
+                <a:cs typeface="Calibri" panose="020F0502020204030204" pitchFamily="34" charset="0"/>
+              </a:rPr>
+              <a:t>&lt;/button&gt;</a:t>
+            </a:r>
+          </a:p>
+          <a:p>
+            <a:pPr marL="0" indent="0">
+              <a:spcBef>
+                <a:spcPts val="0"/>
+              </a:spcBef>
+              <a:buNone/>
+            </a:pPr>
+            <a:endParaRPr lang="en-US" sz="2400" dirty="0">
+              <a:solidFill>
+                <a:srgbClr val="434343"/>
+              </a:solidFill>
+              <a:latin typeface="Calibri" panose="020F0502020204030204" pitchFamily="34" charset="0"/>
+              <a:cs typeface="Calibri" panose="020F0502020204030204" pitchFamily="34" charset="0"/>
+            </a:endParaRPr>
           </a:p>
         </p:txBody>
       </p:sp>
     </p:spTree>
     <p:extLst>
       <p:ext uri="{BB962C8B-B14F-4D97-AF65-F5344CB8AC3E}">
-        <p14:creationId xmlns:p14="http://schemas.microsoft.com/office/powerpoint/2010/main" val="1707334250"/>
+        <p14:creationId xmlns:p14="http://schemas.microsoft.com/office/powerpoint/2010/main" val="624604603"/>
       </p:ext>
     </p:extLst>
   </p:cSld>
@@ -8376,6 +8269,72 @@
             <a:r>
               <a:rPr lang="en-US" sz="2400" dirty="0">
                 <a:solidFill>
+                  <a:srgbClr val="7030A0"/>
+                </a:solidFill>
+                <a:latin typeface="Calibri" panose="020F0502020204030204" pitchFamily="34" charset="0"/>
+                <a:cs typeface="Calibri" panose="020F0502020204030204" pitchFamily="34" charset="0"/>
+              </a:rPr>
+              <a:t>&lt;button id= </a:t>
+            </a:r>
+            <a:r>
+              <a:rPr lang="en-US" sz="2400" dirty="0">
+                <a:solidFill>
+                  <a:srgbClr val="FFC000"/>
+                </a:solidFill>
+                <a:latin typeface="Calibri" panose="020F0502020204030204" pitchFamily="34" charset="0"/>
+                <a:cs typeface="Calibri" panose="020F0502020204030204" pitchFamily="34" charset="0"/>
+              </a:rPr>
+              <a:t>“button”</a:t>
+            </a:r>
+            <a:r>
+              <a:rPr lang="en-US" sz="2400" dirty="0">
+                <a:solidFill>
+                  <a:srgbClr val="7030A0"/>
+                </a:solidFill>
+                <a:latin typeface="Calibri" panose="020F0502020204030204" pitchFamily="34" charset="0"/>
+                <a:cs typeface="Calibri" panose="020F0502020204030204" pitchFamily="34" charset="0"/>
+              </a:rPr>
+              <a:t> &gt;</a:t>
+            </a:r>
+            <a:r>
+              <a:rPr lang="en-US" sz="2400" dirty="0">
+                <a:solidFill>
+                  <a:schemeClr val="tx1"/>
+                </a:solidFill>
+                <a:latin typeface="Calibri" panose="020F0502020204030204" pitchFamily="34" charset="0"/>
+                <a:cs typeface="Calibri" panose="020F0502020204030204" pitchFamily="34" charset="0"/>
+              </a:rPr>
+              <a:t>Send</a:t>
+            </a:r>
+            <a:r>
+              <a:rPr lang="en-US" sz="2400" dirty="0">
+                <a:solidFill>
+                  <a:srgbClr val="7030A0"/>
+                </a:solidFill>
+                <a:latin typeface="Calibri" panose="020F0502020204030204" pitchFamily="34" charset="0"/>
+                <a:cs typeface="Calibri" panose="020F0502020204030204" pitchFamily="34" charset="0"/>
+              </a:rPr>
+              <a:t>&lt;/button&gt;</a:t>
+            </a:r>
+            <a:endParaRPr lang="en-US" sz="2400" dirty="0">
+              <a:solidFill>
+                <a:srgbClr val="8959A8"/>
+              </a:solidFill>
+              <a:latin typeface="Calibri" panose="020F0502020204030204" pitchFamily="34" charset="0"/>
+              <a:ea typeface="Menlo"/>
+              <a:cs typeface="Calibri" panose="020F0502020204030204" pitchFamily="34" charset="0"/>
+            </a:endParaRPr>
+          </a:p>
+          <a:p>
+            <a:pPr marL="0" indent="0">
+              <a:spcBef>
+                <a:spcPts val="0"/>
+              </a:spcBef>
+              <a:buNone/>
+            </a:pPr>
+            <a:r>
+              <a:rPr lang="en-US" sz="2400" dirty="0">
+                <a:solidFill>
                   <a:srgbClr val="8959A8"/>
                 </a:solidFill>
                 <a:latin typeface="Calibri" panose="020F0502020204030204" pitchFamily="34" charset="0"/>
@@ -8446,12 +8405,23 @@
               </a:spcBef>
               <a:buNone/>
             </a:pPr>
+            <a:br>
+              <a:rPr lang="en-US" sz="2400" dirty="0">
+                <a:latin typeface="Calibri" panose="020F0502020204030204" pitchFamily="34" charset="0"/>
+                <a:cs typeface="Calibri" panose="020F0502020204030204" pitchFamily="34" charset="0"/>
+              </a:rPr>
+            </a:br>
+            <a:r>
+              <a:rPr lang="en-US" sz="2400" dirty="0">
+                <a:solidFill>
+                  <a:srgbClr val="38761D"/>
+                </a:solidFill>
+                <a:latin typeface="Calibri" panose="020F0502020204030204" pitchFamily="34" charset="0"/>
+                <a:cs typeface="Calibri" panose="020F0502020204030204" pitchFamily="34" charset="0"/>
+              </a:rPr>
+              <a:t>// Returns a list of DOM objects containing all </a:t>
+            </a:r>
             <a:endParaRPr lang="en-US" sz="2400" dirty="0">
-              <a:solidFill>
-                <a:schemeClr val="accent3">
-                  <a:lumMod val="50000"/>
-                </a:schemeClr>
-              </a:solidFill>
               <a:latin typeface="Calibri" panose="020F0502020204030204" pitchFamily="34" charset="0"/>
               <a:cs typeface="Calibri" panose="020F0502020204030204" pitchFamily="34" charset="0"/>
             </a:endParaRPr>
@@ -8466,12 +8436,56 @@
             <a:r>
               <a:rPr lang="en-US" sz="2400" dirty="0">
                 <a:solidFill>
+                  <a:srgbClr val="38761D"/>
+                </a:solidFill>
+                <a:latin typeface="Calibri" panose="020F0502020204030204" pitchFamily="34" charset="0"/>
+                <a:cs typeface="Calibri" panose="020F0502020204030204" pitchFamily="34" charset="0"/>
+              </a:rPr>
+              <a:t>// elements that have a "quote" class AND all</a:t>
+            </a:r>
+            <a:endParaRPr lang="en-US" sz="2400" dirty="0">
+              <a:latin typeface="Calibri" panose="020F0502020204030204" pitchFamily="34" charset="0"/>
+              <a:cs typeface="Calibri" panose="020F0502020204030204" pitchFamily="34" charset="0"/>
+            </a:endParaRPr>
+          </a:p>
+          <a:p>
+            <a:pPr marL="0" indent="0">
+              <a:spcBef>
+                <a:spcPts val="0"/>
+              </a:spcBef>
+              <a:buNone/>
+            </a:pPr>
+            <a:r>
+              <a:rPr lang="en-US" sz="2400" dirty="0">
+                <a:solidFill>
+                  <a:srgbClr val="38761D"/>
+                </a:solidFill>
+                <a:latin typeface="Calibri" panose="020F0502020204030204" pitchFamily="34" charset="0"/>
+                <a:cs typeface="Calibri" panose="020F0502020204030204" pitchFamily="34" charset="0"/>
+              </a:rPr>
+              <a:t>// elements that have a ”button" class.</a:t>
+            </a:r>
+            <a:endParaRPr lang="en-US" sz="2400" dirty="0">
+              <a:latin typeface="Calibri" panose="020F0502020204030204" pitchFamily="34" charset="0"/>
+              <a:cs typeface="Calibri" panose="020F0502020204030204" pitchFamily="34" charset="0"/>
+            </a:endParaRPr>
+          </a:p>
+          <a:p>
+            <a:pPr marL="0" indent="0">
+              <a:spcBef>
+                <a:spcPts val="0"/>
+              </a:spcBef>
+              <a:buNone/>
+            </a:pPr>
+            <a:r>
+              <a:rPr lang="en-US" sz="2400" dirty="0">
+                <a:solidFill>
                   <a:srgbClr val="7030A0"/>
                 </a:solidFill>
                 <a:latin typeface="Calibri" panose="020F0502020204030204" pitchFamily="34" charset="0"/>
                 <a:cs typeface="Calibri" panose="020F0502020204030204" pitchFamily="34" charset="0"/>
               </a:rPr>
-              <a:t>&lt;button id= </a:t>
+              <a:t>&lt;button class= </a:t>
             </a:r>
             <a:r>
               <a:rPr lang="en-US" sz="2400" dirty="0">
@@ -8521,6 +8535,189 @@
               </a:spcBef>
               <a:buNone/>
             </a:pPr>
+            <a:r>
+              <a:rPr lang="en-US" sz="2400" dirty="0">
+                <a:solidFill>
+                  <a:srgbClr val="7030A0"/>
+                </a:solidFill>
+                <a:latin typeface="Calibri" panose="020F0502020204030204" pitchFamily="34" charset="0"/>
+                <a:cs typeface="Calibri" panose="020F0502020204030204" pitchFamily="34" charset="0"/>
+              </a:rPr>
+              <a:t>&lt;button class= </a:t>
+            </a:r>
+            <a:r>
+              <a:rPr lang="en-US" sz="2400" dirty="0">
+                <a:solidFill>
+                  <a:srgbClr val="FFC000"/>
+                </a:solidFill>
+                <a:latin typeface="Calibri" panose="020F0502020204030204" pitchFamily="34" charset="0"/>
+                <a:cs typeface="Calibri" panose="020F0502020204030204" pitchFamily="34" charset="0"/>
+              </a:rPr>
+              <a:t>“button”</a:t>
+            </a:r>
+            <a:r>
+              <a:rPr lang="en-US" sz="2400" dirty="0">
+                <a:solidFill>
+                  <a:srgbClr val="7030A0"/>
+                </a:solidFill>
+                <a:latin typeface="Calibri" panose="020F0502020204030204" pitchFamily="34" charset="0"/>
+                <a:cs typeface="Calibri" panose="020F0502020204030204" pitchFamily="34" charset="0"/>
+              </a:rPr>
+              <a:t> &gt;</a:t>
+            </a:r>
+            <a:r>
+              <a:rPr lang="en-US" sz="2400" dirty="0">
+                <a:solidFill>
+                  <a:schemeClr val="tx1"/>
+                </a:solidFill>
+                <a:latin typeface="Calibri" panose="020F0502020204030204" pitchFamily="34" charset="0"/>
+                <a:cs typeface="Calibri" panose="020F0502020204030204" pitchFamily="34" charset="0"/>
+              </a:rPr>
+              <a:t>Send</a:t>
+            </a:r>
+            <a:r>
+              <a:rPr lang="en-US" sz="2400" dirty="0">
+                <a:solidFill>
+                  <a:srgbClr val="7030A0"/>
+                </a:solidFill>
+                <a:latin typeface="Calibri" panose="020F0502020204030204" pitchFamily="34" charset="0"/>
+                <a:cs typeface="Calibri" panose="020F0502020204030204" pitchFamily="34" charset="0"/>
+              </a:rPr>
+              <a:t>&lt;/button&gt;</a:t>
+            </a:r>
+          </a:p>
+          <a:p>
+            <a:pPr marL="0" indent="0">
+              <a:spcBef>
+                <a:spcPts val="0"/>
+              </a:spcBef>
+              <a:buNone/>
+            </a:pPr>
+            <a:endParaRPr lang="en-US" sz="2400" dirty="0">
+              <a:solidFill>
+                <a:srgbClr val="8959A8"/>
+              </a:solidFill>
+              <a:latin typeface="Calibri" panose="020F0502020204030204" pitchFamily="34" charset="0"/>
+              <a:ea typeface="Menlo"/>
+              <a:cs typeface="Calibri" panose="020F0502020204030204" pitchFamily="34" charset="0"/>
+            </a:endParaRPr>
+          </a:p>
+          <a:p>
+            <a:pPr marL="0" indent="0">
+              <a:spcBef>
+                <a:spcPts val="0"/>
+              </a:spcBef>
+              <a:buNone/>
+            </a:pPr>
+            <a:r>
+              <a:rPr lang="en-US" sz="2400" dirty="0">
+                <a:solidFill>
+                  <a:srgbClr val="8959A8"/>
+                </a:solidFill>
+                <a:latin typeface="Calibri" panose="020F0502020204030204" pitchFamily="34" charset="0"/>
+                <a:ea typeface="Menlo"/>
+                <a:cs typeface="Calibri" panose="020F0502020204030204" pitchFamily="34" charset="0"/>
+              </a:rPr>
+              <a:t>let</a:t>
+            </a:r>
+            <a:r>
+              <a:rPr lang="en-US" sz="2400" dirty="0">
+                <a:solidFill>
+                  <a:srgbClr val="434343"/>
+                </a:solidFill>
+                <a:latin typeface="Calibri" panose="020F0502020204030204" pitchFamily="34" charset="0"/>
+                <a:cs typeface="Calibri" panose="020F0502020204030204" pitchFamily="34" charset="0"/>
+              </a:rPr>
+              <a:t> </a:t>
+            </a:r>
+            <a:r>
+              <a:rPr lang="en-US" sz="2400" dirty="0" err="1">
+                <a:solidFill>
+                  <a:srgbClr val="434343"/>
+                </a:solidFill>
+                <a:latin typeface="Calibri" panose="020F0502020204030204" pitchFamily="34" charset="0"/>
+                <a:cs typeface="Calibri" panose="020F0502020204030204" pitchFamily="34" charset="0"/>
+              </a:rPr>
+              <a:t>elementList</a:t>
+            </a:r>
+            <a:r>
+              <a:rPr lang="en-US" sz="2400" dirty="0">
+                <a:solidFill>
+                  <a:srgbClr val="434343"/>
+                </a:solidFill>
+                <a:latin typeface="Calibri" panose="020F0502020204030204" pitchFamily="34" charset="0"/>
+                <a:cs typeface="Calibri" panose="020F0502020204030204" pitchFamily="34" charset="0"/>
+              </a:rPr>
+              <a:t> </a:t>
+            </a:r>
+            <a:r>
+              <a:rPr lang="en-US" sz="2400" dirty="0">
+                <a:solidFill>
+                  <a:srgbClr val="0000FF"/>
+                </a:solidFill>
+                <a:latin typeface="Calibri" panose="020F0502020204030204" pitchFamily="34" charset="0"/>
+                <a:cs typeface="Calibri" panose="020F0502020204030204" pitchFamily="34" charset="0"/>
+              </a:rPr>
+              <a:t>=  </a:t>
+            </a:r>
+            <a:r>
+              <a:rPr lang="en-US" sz="2400" dirty="0" err="1">
+                <a:solidFill>
+                  <a:srgbClr val="0000FF"/>
+                </a:solidFill>
+                <a:latin typeface="Calibri" panose="020F0502020204030204" pitchFamily="34" charset="0"/>
+                <a:cs typeface="Calibri" panose="020F0502020204030204" pitchFamily="34" charset="0"/>
+              </a:rPr>
+              <a:t>document.querySelectorAll</a:t>
+            </a:r>
+            <a:r>
+              <a:rPr lang="en-US" sz="2400" dirty="0">
+                <a:solidFill>
+                  <a:srgbClr val="434343"/>
+                </a:solidFill>
+                <a:latin typeface="Calibri" panose="020F0502020204030204" pitchFamily="34" charset="0"/>
+                <a:cs typeface="Calibri" panose="020F0502020204030204" pitchFamily="34" charset="0"/>
+              </a:rPr>
+              <a:t>( </a:t>
+            </a:r>
+            <a:r>
+              <a:rPr lang="en-US" sz="2400" dirty="0">
+                <a:solidFill>
+                  <a:srgbClr val="FFC000"/>
+                </a:solidFill>
+                <a:latin typeface="Calibri" panose="020F0502020204030204" pitchFamily="34" charset="0"/>
+                <a:cs typeface="Calibri" panose="020F0502020204030204" pitchFamily="34" charset="0"/>
+              </a:rPr>
+              <a:t>'.quote, .button’ </a:t>
+            </a:r>
+            <a:r>
+              <a:rPr lang="en-US" sz="2400" dirty="0">
+                <a:solidFill>
+                  <a:srgbClr val="434343"/>
+                </a:solidFill>
+                <a:latin typeface="Calibri" panose="020F0502020204030204" pitchFamily="34" charset="0"/>
+                <a:cs typeface="Calibri" panose="020F0502020204030204" pitchFamily="34" charset="0"/>
+              </a:rPr>
+              <a:t>);</a:t>
+            </a:r>
+            <a:br>
+              <a:rPr lang="en-US" sz="2400" dirty="0">
+                <a:latin typeface="Calibri" panose="020F0502020204030204" pitchFamily="34" charset="0"/>
+                <a:cs typeface="Calibri" panose="020F0502020204030204" pitchFamily="34" charset="0"/>
+              </a:rPr>
+            </a:br>
+            <a:br>
+              <a:rPr lang="en-US" sz="2400" dirty="0">
+                <a:latin typeface="Calibri" panose="020F0502020204030204" pitchFamily="34" charset="0"/>
+                <a:cs typeface="Calibri" panose="020F0502020204030204" pitchFamily="34" charset="0"/>
+              </a:rPr>
+            </a:br>
+            <a:br>
+              <a:rPr lang="en-US" sz="2400" dirty="0">
+                <a:latin typeface="Calibri" panose="020F0502020204030204" pitchFamily="34" charset="0"/>
+                <a:cs typeface="Calibri" panose="020F0502020204030204" pitchFamily="34" charset="0"/>
+              </a:rPr>
+            </a:br>
             <a:endParaRPr lang="en-US" sz="2400" dirty="0">
               <a:solidFill>
                 <a:srgbClr val="434343"/>
@@ -8534,7 +8731,7 @@
     </p:spTree>
     <p:extLst>
       <p:ext uri="{BB962C8B-B14F-4D97-AF65-F5344CB8AC3E}">
-        <p14:creationId xmlns:p14="http://schemas.microsoft.com/office/powerpoint/2010/main" val="624604603"/>
+        <p14:creationId xmlns:p14="http://schemas.microsoft.com/office/powerpoint/2010/main" val="2247797859"/>
       </p:ext>
     </p:extLst>
   </p:cSld>
@@ -8590,7 +8787,7 @@
                 <a:latin typeface="Calibri" panose="020F0502020204030204" pitchFamily="34" charset="0"/>
                 <a:cs typeface="Calibri" panose="020F0502020204030204" pitchFamily="34" charset="0"/>
               </a:rPr>
-              <a:t>Document Object Model (DOM)……</a:t>
+              <a:t>JavaScript</a:t>
             </a:r>
             <a:endParaRPr lang="en-US" sz="4000" dirty="0"/>
           </a:p>
@@ -8619,605 +8816,6 @@
           </a:bodyPr>
           <a:lstStyle/>
           <a:p>
-            <a:pPr marL="0" indent="0">
-              <a:spcBef>
-                <a:spcPts val="0"/>
-              </a:spcBef>
-              <a:buNone/>
-            </a:pPr>
-            <a:r>
-              <a:rPr lang="en-US" sz="2400" dirty="0">
-                <a:solidFill>
-                  <a:srgbClr val="38761D"/>
-                </a:solidFill>
-                <a:latin typeface="Calibri" panose="020F0502020204030204" pitchFamily="34" charset="0"/>
-                <a:cs typeface="Calibri" panose="020F0502020204030204" pitchFamily="34" charset="0"/>
-              </a:rPr>
-              <a:t>// Returns the DOM object for the HTML element</a:t>
-            </a:r>
-            <a:endParaRPr lang="en-US" sz="2400" dirty="0">
-              <a:latin typeface="Calibri" panose="020F0502020204030204" pitchFamily="34" charset="0"/>
-              <a:cs typeface="Calibri" panose="020F0502020204030204" pitchFamily="34" charset="0"/>
-            </a:endParaRPr>
-          </a:p>
-          <a:p>
-            <a:pPr marL="0" indent="0">
-              <a:spcBef>
-                <a:spcPts val="0"/>
-              </a:spcBef>
-              <a:buNone/>
-            </a:pPr>
-            <a:r>
-              <a:rPr lang="en-US" sz="2400" dirty="0">
-                <a:solidFill>
-                  <a:srgbClr val="38761D"/>
-                </a:solidFill>
-                <a:latin typeface="Calibri" panose="020F0502020204030204" pitchFamily="34" charset="0"/>
-                <a:cs typeface="Calibri" panose="020F0502020204030204" pitchFamily="34" charset="0"/>
-              </a:rPr>
-              <a:t>// with id="button", or null if none exists.</a:t>
-            </a:r>
-            <a:endParaRPr lang="en-US" sz="2400" dirty="0">
-              <a:latin typeface="Calibri" panose="020F0502020204030204" pitchFamily="34" charset="0"/>
-              <a:cs typeface="Calibri" panose="020F0502020204030204" pitchFamily="34" charset="0"/>
-            </a:endParaRPr>
-          </a:p>
-          <a:p>
-            <a:pPr marL="0" indent="0">
-              <a:spcBef>
-                <a:spcPts val="0"/>
-              </a:spcBef>
-              <a:buNone/>
-            </a:pPr>
-            <a:r>
-              <a:rPr lang="en-US" sz="2400" dirty="0">
-                <a:solidFill>
-                  <a:srgbClr val="8959A8"/>
-                </a:solidFill>
-                <a:latin typeface="Calibri" panose="020F0502020204030204" pitchFamily="34" charset="0"/>
-                <a:ea typeface="Menlo"/>
-                <a:cs typeface="Calibri" panose="020F0502020204030204" pitchFamily="34" charset="0"/>
-              </a:rPr>
-              <a:t>let</a:t>
-            </a:r>
-            <a:r>
-              <a:rPr lang="en-US" sz="2400" dirty="0">
-                <a:solidFill>
-                  <a:srgbClr val="434343"/>
-                </a:solidFill>
-                <a:latin typeface="Calibri" panose="020F0502020204030204" pitchFamily="34" charset="0"/>
-                <a:cs typeface="Calibri" panose="020F0502020204030204" pitchFamily="34" charset="0"/>
-              </a:rPr>
-              <a:t> element = </a:t>
-            </a:r>
-            <a:r>
-              <a:rPr lang="en-US" sz="2400" dirty="0" err="1">
-                <a:solidFill>
-                  <a:srgbClr val="0000FF"/>
-                </a:solidFill>
-                <a:latin typeface="Calibri" panose="020F0502020204030204" pitchFamily="34" charset="0"/>
-                <a:cs typeface="Calibri" panose="020F0502020204030204" pitchFamily="34" charset="0"/>
-              </a:rPr>
-              <a:t>document.querySelector</a:t>
-            </a:r>
-            <a:r>
-              <a:rPr lang="en-US" sz="2400" dirty="0">
-                <a:solidFill>
-                  <a:schemeClr val="accent3">
-                    <a:lumMod val="50000"/>
-                  </a:schemeClr>
-                </a:solidFill>
-                <a:latin typeface="Calibri" panose="020F0502020204030204" pitchFamily="34" charset="0"/>
-                <a:cs typeface="Calibri" panose="020F0502020204030204" pitchFamily="34" charset="0"/>
-              </a:rPr>
-              <a:t>( </a:t>
-            </a:r>
-            <a:r>
-              <a:rPr lang="en-US" sz="2400" dirty="0">
-                <a:solidFill>
-                  <a:srgbClr val="FFC000"/>
-                </a:solidFill>
-                <a:latin typeface="Calibri" panose="020F0502020204030204" pitchFamily="34" charset="0"/>
-                <a:cs typeface="Calibri" panose="020F0502020204030204" pitchFamily="34" charset="0"/>
-              </a:rPr>
-              <a:t>‘#button’ </a:t>
-            </a:r>
-            <a:r>
-              <a:rPr lang="en-US" sz="2400" dirty="0">
-                <a:solidFill>
-                  <a:schemeClr val="accent3">
-                    <a:lumMod val="50000"/>
-                  </a:schemeClr>
-                </a:solidFill>
-                <a:latin typeface="Calibri" panose="020F0502020204030204" pitchFamily="34" charset="0"/>
-                <a:cs typeface="Calibri" panose="020F0502020204030204" pitchFamily="34" charset="0"/>
-              </a:rPr>
-              <a:t>);</a:t>
-            </a:r>
-          </a:p>
-          <a:p>
-            <a:pPr marL="0" indent="0">
-              <a:spcBef>
-                <a:spcPts val="0"/>
-              </a:spcBef>
-              <a:buNone/>
-            </a:pPr>
-            <a:endParaRPr lang="en-US" sz="2400" dirty="0">
-              <a:solidFill>
-                <a:schemeClr val="accent3">
-                  <a:lumMod val="50000"/>
-                </a:schemeClr>
-              </a:solidFill>
-              <a:latin typeface="Calibri" panose="020F0502020204030204" pitchFamily="34" charset="0"/>
-              <a:cs typeface="Calibri" panose="020F0502020204030204" pitchFamily="34" charset="0"/>
-            </a:endParaRPr>
-          </a:p>
-          <a:p>
-            <a:pPr marL="0" indent="0">
-              <a:spcBef>
-                <a:spcPts val="0"/>
-              </a:spcBef>
-              <a:buNone/>
-            </a:pPr>
-            <a:r>
-              <a:rPr lang="en-US" sz="2400" dirty="0">
-                <a:solidFill>
-                  <a:srgbClr val="7030A0"/>
-                </a:solidFill>
-                <a:latin typeface="Calibri" panose="020F0502020204030204" pitchFamily="34" charset="0"/>
-                <a:cs typeface="Calibri" panose="020F0502020204030204" pitchFamily="34" charset="0"/>
-              </a:rPr>
-              <a:t>&lt;button id= </a:t>
-            </a:r>
-            <a:r>
-              <a:rPr lang="en-US" sz="2400" dirty="0">
-                <a:solidFill>
-                  <a:srgbClr val="FFC000"/>
-                </a:solidFill>
-                <a:latin typeface="Calibri" panose="020F0502020204030204" pitchFamily="34" charset="0"/>
-                <a:cs typeface="Calibri" panose="020F0502020204030204" pitchFamily="34" charset="0"/>
-              </a:rPr>
-              <a:t>“button”</a:t>
-            </a:r>
-            <a:r>
-              <a:rPr lang="en-US" sz="2400" dirty="0">
-                <a:solidFill>
-                  <a:srgbClr val="7030A0"/>
-                </a:solidFill>
-                <a:latin typeface="Calibri" panose="020F0502020204030204" pitchFamily="34" charset="0"/>
-                <a:cs typeface="Calibri" panose="020F0502020204030204" pitchFamily="34" charset="0"/>
-              </a:rPr>
-              <a:t> &gt;</a:t>
-            </a:r>
-            <a:r>
-              <a:rPr lang="en-US" sz="2400" dirty="0">
-                <a:solidFill>
-                  <a:schemeClr val="tx1"/>
-                </a:solidFill>
-                <a:latin typeface="Calibri" panose="020F0502020204030204" pitchFamily="34" charset="0"/>
-                <a:cs typeface="Calibri" panose="020F0502020204030204" pitchFamily="34" charset="0"/>
-              </a:rPr>
-              <a:t>Send</a:t>
-            </a:r>
-            <a:r>
-              <a:rPr lang="en-US" sz="2400" dirty="0">
-                <a:solidFill>
-                  <a:srgbClr val="7030A0"/>
-                </a:solidFill>
-                <a:latin typeface="Calibri" panose="020F0502020204030204" pitchFamily="34" charset="0"/>
-                <a:cs typeface="Calibri" panose="020F0502020204030204" pitchFamily="34" charset="0"/>
-              </a:rPr>
-              <a:t>&lt;/button&gt;</a:t>
-            </a:r>
-          </a:p>
-          <a:p>
-            <a:pPr marL="0" indent="0">
-              <a:spcBef>
-                <a:spcPts val="0"/>
-              </a:spcBef>
-              <a:buNone/>
-            </a:pPr>
-            <a:br>
-              <a:rPr lang="en-US" sz="2400" dirty="0">
-                <a:latin typeface="Calibri" panose="020F0502020204030204" pitchFamily="34" charset="0"/>
-                <a:cs typeface="Calibri" panose="020F0502020204030204" pitchFamily="34" charset="0"/>
-              </a:rPr>
-            </a:br>
-            <a:br>
-              <a:rPr lang="en-US" sz="2400" dirty="0">
-                <a:latin typeface="Calibri" panose="020F0502020204030204" pitchFamily="34" charset="0"/>
-                <a:cs typeface="Calibri" panose="020F0502020204030204" pitchFamily="34" charset="0"/>
-              </a:rPr>
-            </a:br>
-            <a:r>
-              <a:rPr lang="en-US" sz="2400" dirty="0">
-                <a:solidFill>
-                  <a:srgbClr val="38761D"/>
-                </a:solidFill>
-                <a:latin typeface="Calibri" panose="020F0502020204030204" pitchFamily="34" charset="0"/>
-                <a:cs typeface="Calibri" panose="020F0502020204030204" pitchFamily="34" charset="0"/>
-              </a:rPr>
-              <a:t>// Returns a list of DOM objects containing all </a:t>
-            </a:r>
-            <a:endParaRPr lang="en-US" sz="2400" dirty="0">
-              <a:latin typeface="Calibri" panose="020F0502020204030204" pitchFamily="34" charset="0"/>
-              <a:cs typeface="Calibri" panose="020F0502020204030204" pitchFamily="34" charset="0"/>
-            </a:endParaRPr>
-          </a:p>
-          <a:p>
-            <a:pPr marL="0" indent="0">
-              <a:spcBef>
-                <a:spcPts val="0"/>
-              </a:spcBef>
-              <a:buNone/>
-            </a:pPr>
-            <a:r>
-              <a:rPr lang="en-US" sz="2400" dirty="0">
-                <a:solidFill>
-                  <a:srgbClr val="38761D"/>
-                </a:solidFill>
-                <a:latin typeface="Calibri" panose="020F0502020204030204" pitchFamily="34" charset="0"/>
-                <a:cs typeface="Calibri" panose="020F0502020204030204" pitchFamily="34" charset="0"/>
-              </a:rPr>
-              <a:t>// elements that have a "quote" class AND all</a:t>
-            </a:r>
-            <a:endParaRPr lang="en-US" sz="2400" dirty="0">
-              <a:latin typeface="Calibri" panose="020F0502020204030204" pitchFamily="34" charset="0"/>
-              <a:cs typeface="Calibri" panose="020F0502020204030204" pitchFamily="34" charset="0"/>
-            </a:endParaRPr>
-          </a:p>
-          <a:p>
-            <a:pPr marL="0" indent="0">
-              <a:spcBef>
-                <a:spcPts val="0"/>
-              </a:spcBef>
-              <a:buNone/>
-            </a:pPr>
-            <a:r>
-              <a:rPr lang="en-US" sz="2400" dirty="0">
-                <a:solidFill>
-                  <a:srgbClr val="38761D"/>
-                </a:solidFill>
-                <a:latin typeface="Calibri" panose="020F0502020204030204" pitchFamily="34" charset="0"/>
-                <a:cs typeface="Calibri" panose="020F0502020204030204" pitchFamily="34" charset="0"/>
-              </a:rPr>
-              <a:t>// elements that have a "comment" class.</a:t>
-            </a:r>
-            <a:endParaRPr lang="en-US" sz="2400" dirty="0">
-              <a:latin typeface="Calibri" panose="020F0502020204030204" pitchFamily="34" charset="0"/>
-              <a:cs typeface="Calibri" panose="020F0502020204030204" pitchFamily="34" charset="0"/>
-            </a:endParaRPr>
-          </a:p>
-          <a:p>
-            <a:pPr marL="0" indent="0">
-              <a:spcBef>
-                <a:spcPts val="0"/>
-              </a:spcBef>
-              <a:buNone/>
-            </a:pPr>
-            <a:r>
-              <a:rPr lang="en-US" sz="2400" dirty="0">
-                <a:solidFill>
-                  <a:srgbClr val="8959A8"/>
-                </a:solidFill>
-                <a:latin typeface="Calibri" panose="020F0502020204030204" pitchFamily="34" charset="0"/>
-                <a:ea typeface="Menlo"/>
-                <a:cs typeface="Calibri" panose="020F0502020204030204" pitchFamily="34" charset="0"/>
-              </a:rPr>
-              <a:t>let</a:t>
-            </a:r>
-            <a:r>
-              <a:rPr lang="en-US" sz="2400" dirty="0">
-                <a:solidFill>
-                  <a:srgbClr val="434343"/>
-                </a:solidFill>
-                <a:latin typeface="Calibri" panose="020F0502020204030204" pitchFamily="34" charset="0"/>
-                <a:cs typeface="Calibri" panose="020F0502020204030204" pitchFamily="34" charset="0"/>
-              </a:rPr>
-              <a:t> </a:t>
-            </a:r>
-            <a:r>
-              <a:rPr lang="en-US" sz="2400" dirty="0" err="1">
-                <a:solidFill>
-                  <a:srgbClr val="434343"/>
-                </a:solidFill>
-                <a:latin typeface="Calibri" panose="020F0502020204030204" pitchFamily="34" charset="0"/>
-                <a:cs typeface="Calibri" panose="020F0502020204030204" pitchFamily="34" charset="0"/>
-              </a:rPr>
-              <a:t>elementList</a:t>
-            </a:r>
-            <a:r>
-              <a:rPr lang="en-US" sz="2400" dirty="0">
-                <a:solidFill>
-                  <a:srgbClr val="434343"/>
-                </a:solidFill>
-                <a:latin typeface="Calibri" panose="020F0502020204030204" pitchFamily="34" charset="0"/>
-                <a:cs typeface="Calibri" panose="020F0502020204030204" pitchFamily="34" charset="0"/>
-              </a:rPr>
-              <a:t> </a:t>
-            </a:r>
-            <a:r>
-              <a:rPr lang="en-US" sz="2400" dirty="0">
-                <a:solidFill>
-                  <a:srgbClr val="0000FF"/>
-                </a:solidFill>
-                <a:latin typeface="Calibri" panose="020F0502020204030204" pitchFamily="34" charset="0"/>
-                <a:cs typeface="Calibri" panose="020F0502020204030204" pitchFamily="34" charset="0"/>
-              </a:rPr>
-              <a:t>=  </a:t>
-            </a:r>
-            <a:r>
-              <a:rPr lang="en-US" sz="2400" dirty="0" err="1">
-                <a:solidFill>
-                  <a:srgbClr val="0000FF"/>
-                </a:solidFill>
-                <a:latin typeface="Calibri" panose="020F0502020204030204" pitchFamily="34" charset="0"/>
-                <a:cs typeface="Calibri" panose="020F0502020204030204" pitchFamily="34" charset="0"/>
-              </a:rPr>
-              <a:t>document.querySelectorAll</a:t>
-            </a:r>
-            <a:r>
-              <a:rPr lang="en-US" sz="2400" dirty="0">
-                <a:solidFill>
-                  <a:srgbClr val="434343"/>
-                </a:solidFill>
-                <a:latin typeface="Calibri" panose="020F0502020204030204" pitchFamily="34" charset="0"/>
-                <a:cs typeface="Calibri" panose="020F0502020204030204" pitchFamily="34" charset="0"/>
-              </a:rPr>
-              <a:t>( </a:t>
-            </a:r>
-            <a:r>
-              <a:rPr lang="en-US" sz="2400" dirty="0">
-                <a:solidFill>
-                  <a:srgbClr val="FFC000"/>
-                </a:solidFill>
-                <a:latin typeface="Calibri" panose="020F0502020204030204" pitchFamily="34" charset="0"/>
-                <a:cs typeface="Calibri" panose="020F0502020204030204" pitchFamily="34" charset="0"/>
-              </a:rPr>
-              <a:t>'.quote, .comment’ </a:t>
-            </a:r>
-            <a:r>
-              <a:rPr lang="en-US" sz="2400" dirty="0">
-                <a:solidFill>
-                  <a:srgbClr val="434343"/>
-                </a:solidFill>
-                <a:latin typeface="Calibri" panose="020F0502020204030204" pitchFamily="34" charset="0"/>
-                <a:cs typeface="Calibri" panose="020F0502020204030204" pitchFamily="34" charset="0"/>
-              </a:rPr>
-              <a:t>);</a:t>
-            </a:r>
-            <a:br>
-              <a:rPr lang="en-US" sz="2400" dirty="0">
-                <a:latin typeface="Calibri" panose="020F0502020204030204" pitchFamily="34" charset="0"/>
-                <a:cs typeface="Calibri" panose="020F0502020204030204" pitchFamily="34" charset="0"/>
-              </a:rPr>
-            </a:br>
-            <a:br>
-              <a:rPr lang="en-US" sz="2400" dirty="0">
-                <a:latin typeface="Calibri" panose="020F0502020204030204" pitchFamily="34" charset="0"/>
-                <a:cs typeface="Calibri" panose="020F0502020204030204" pitchFamily="34" charset="0"/>
-              </a:rPr>
-            </a:br>
-            <a:br>
-              <a:rPr lang="en-US" sz="2400" dirty="0">
-                <a:latin typeface="Calibri" panose="020F0502020204030204" pitchFamily="34" charset="0"/>
-                <a:cs typeface="Calibri" panose="020F0502020204030204" pitchFamily="34" charset="0"/>
-              </a:rPr>
-            </a:br>
-            <a:r>
-              <a:rPr lang="en-US" sz="2400" dirty="0">
-                <a:solidFill>
-                  <a:srgbClr val="7030A0"/>
-                </a:solidFill>
-                <a:latin typeface="Calibri" panose="020F0502020204030204" pitchFamily="34" charset="0"/>
-                <a:cs typeface="Calibri" panose="020F0502020204030204" pitchFamily="34" charset="0"/>
-              </a:rPr>
-              <a:t>&lt;button class= </a:t>
-            </a:r>
-            <a:r>
-              <a:rPr lang="en-US" sz="2400" dirty="0">
-                <a:solidFill>
-                  <a:srgbClr val="FFC000"/>
-                </a:solidFill>
-                <a:latin typeface="Calibri" panose="020F0502020204030204" pitchFamily="34" charset="0"/>
-                <a:cs typeface="Calibri" panose="020F0502020204030204" pitchFamily="34" charset="0"/>
-              </a:rPr>
-              <a:t>“button”</a:t>
-            </a:r>
-            <a:r>
-              <a:rPr lang="en-US" sz="2400" dirty="0">
-                <a:solidFill>
-                  <a:srgbClr val="7030A0"/>
-                </a:solidFill>
-                <a:latin typeface="Calibri" panose="020F0502020204030204" pitchFamily="34" charset="0"/>
-                <a:cs typeface="Calibri" panose="020F0502020204030204" pitchFamily="34" charset="0"/>
-              </a:rPr>
-              <a:t> &gt;</a:t>
-            </a:r>
-            <a:r>
-              <a:rPr lang="en-US" sz="2400" dirty="0">
-                <a:solidFill>
-                  <a:schemeClr val="tx1"/>
-                </a:solidFill>
-                <a:latin typeface="Calibri" panose="020F0502020204030204" pitchFamily="34" charset="0"/>
-                <a:cs typeface="Calibri" panose="020F0502020204030204" pitchFamily="34" charset="0"/>
-              </a:rPr>
-              <a:t>Send</a:t>
-            </a:r>
-            <a:r>
-              <a:rPr lang="en-US" sz="2400" dirty="0">
-                <a:solidFill>
-                  <a:srgbClr val="7030A0"/>
-                </a:solidFill>
-                <a:latin typeface="Calibri" panose="020F0502020204030204" pitchFamily="34" charset="0"/>
-                <a:cs typeface="Calibri" panose="020F0502020204030204" pitchFamily="34" charset="0"/>
-              </a:rPr>
-              <a:t>&lt;/button&gt;</a:t>
-            </a:r>
-          </a:p>
-          <a:p>
-            <a:pPr marL="0" indent="0">
-              <a:spcBef>
-                <a:spcPts val="0"/>
-              </a:spcBef>
-              <a:buNone/>
-            </a:pPr>
-            <a:r>
-              <a:rPr lang="en-US" sz="2400" dirty="0">
-                <a:solidFill>
-                  <a:srgbClr val="7030A0"/>
-                </a:solidFill>
-                <a:latin typeface="Calibri" panose="020F0502020204030204" pitchFamily="34" charset="0"/>
-                <a:cs typeface="Calibri" panose="020F0502020204030204" pitchFamily="34" charset="0"/>
-              </a:rPr>
-              <a:t>&lt;button class= </a:t>
-            </a:r>
-            <a:r>
-              <a:rPr lang="en-US" sz="2400" dirty="0">
-                <a:solidFill>
-                  <a:srgbClr val="FFC000"/>
-                </a:solidFill>
-                <a:latin typeface="Calibri" panose="020F0502020204030204" pitchFamily="34" charset="0"/>
-                <a:cs typeface="Calibri" panose="020F0502020204030204" pitchFamily="34" charset="0"/>
-              </a:rPr>
-              <a:t>“button”</a:t>
-            </a:r>
-            <a:r>
-              <a:rPr lang="en-US" sz="2400" dirty="0">
-                <a:solidFill>
-                  <a:srgbClr val="7030A0"/>
-                </a:solidFill>
-                <a:latin typeface="Calibri" panose="020F0502020204030204" pitchFamily="34" charset="0"/>
-                <a:cs typeface="Calibri" panose="020F0502020204030204" pitchFamily="34" charset="0"/>
-              </a:rPr>
-              <a:t> &gt;</a:t>
-            </a:r>
-            <a:r>
-              <a:rPr lang="en-US" sz="2400" dirty="0">
-                <a:solidFill>
-                  <a:schemeClr val="tx1"/>
-                </a:solidFill>
-                <a:latin typeface="Calibri" panose="020F0502020204030204" pitchFamily="34" charset="0"/>
-                <a:cs typeface="Calibri" panose="020F0502020204030204" pitchFamily="34" charset="0"/>
-              </a:rPr>
-              <a:t>Send</a:t>
-            </a:r>
-            <a:r>
-              <a:rPr lang="en-US" sz="2400" dirty="0">
-                <a:solidFill>
-                  <a:srgbClr val="7030A0"/>
-                </a:solidFill>
-                <a:latin typeface="Calibri" panose="020F0502020204030204" pitchFamily="34" charset="0"/>
-                <a:cs typeface="Calibri" panose="020F0502020204030204" pitchFamily="34" charset="0"/>
-              </a:rPr>
-              <a:t>&lt;/button&gt;</a:t>
-            </a:r>
-          </a:p>
-          <a:p>
-            <a:pPr marL="0" indent="0">
-              <a:spcBef>
-                <a:spcPts val="0"/>
-              </a:spcBef>
-              <a:buNone/>
-            </a:pPr>
-            <a:endParaRPr lang="en-US" sz="2400" dirty="0">
-              <a:solidFill>
-                <a:srgbClr val="434343"/>
-              </a:solidFill>
-              <a:latin typeface="Calibri" panose="020F0502020204030204" pitchFamily="34" charset="0"/>
-              <a:cs typeface="Calibri" panose="020F0502020204030204" pitchFamily="34" charset="0"/>
-            </a:endParaRPr>
-          </a:p>
-        </p:txBody>
-      </p:sp>
-    </p:spTree>
-    <p:extLst>
-      <p:ext uri="{BB962C8B-B14F-4D97-AF65-F5344CB8AC3E}">
-        <p14:creationId xmlns:p14="http://schemas.microsoft.com/office/powerpoint/2010/main" val="2247797859"/>
-      </p:ext>
-    </p:extLst>
-  </p:cSld>
-  <p:clrMapOvr>
-    <a:masterClrMapping/>
-  </p:clrMapOvr>
-  <p:transition spd="med"/>
-</p:sld>
-</file>
-
-<file path=ppt/slides/slide27.xml><?xml version="1.0" encoding="utf-8"?>
-<p:sld xmlns:a="http://schemas.openxmlformats.org/drawingml/2006/main" xmlns:r="http://schemas.openxmlformats.org/officeDocument/2006/relationships" xmlns:p="http://schemas.openxmlformats.org/presentationml/2006/main">
-  <p:cSld>
-    <p:spTree>
-      <p:nvGrpSpPr>
-        <p:cNvPr id="1" name=""/>
-        <p:cNvGrpSpPr/>
-        <p:nvPr/>
-      </p:nvGrpSpPr>
-      <p:grpSpPr>
-        <a:xfrm>
-          <a:off x="0" y="0"/>
-          <a:ext cx="0" cy="0"/>
-          <a:chOff x="0" y="0"/>
-          <a:chExt cx="0" cy="0"/>
-        </a:xfrm>
-      </p:grpSpPr>
-      <p:sp>
-        <p:nvSpPr>
-          <p:cNvPr id="5" name="Title 4">
-            <a:extLst>
-              <a:ext uri="{FF2B5EF4-FFF2-40B4-BE49-F238E27FC236}">
-                <a16:creationId xmlns:a16="http://schemas.microsoft.com/office/drawing/2014/main" id="{B5B47666-51E4-6F4E-8E54-4C44DA8215C4}"/>
-              </a:ext>
-            </a:extLst>
-          </p:cNvPr>
-          <p:cNvSpPr>
-            <a:spLocks noGrp="1"/>
-          </p:cNvSpPr>
-          <p:nvPr>
-            <p:ph type="title"/>
-          </p:nvPr>
-        </p:nvSpPr>
-        <p:spPr/>
-        <p:txBody>
-          <a:bodyPr>
-            <a:normAutofit/>
-          </a:bodyPr>
-          <a:lstStyle/>
-          <a:p>
-            <a:r>
-              <a:rPr lang="en-US" sz="4000" dirty="0">
-                <a:latin typeface="Calibri" panose="020F0502020204030204" pitchFamily="34" charset="0"/>
-                <a:cs typeface="Calibri" panose="020F0502020204030204" pitchFamily="34" charset="0"/>
-              </a:rPr>
-              <a:t>JavaScript</a:t>
-            </a:r>
-            <a:endParaRPr lang="en-US" sz="4000" dirty="0"/>
-          </a:p>
-        </p:txBody>
-      </p:sp>
-      <p:sp>
-        <p:nvSpPr>
-          <p:cNvPr id="6" name="Text Placeholder 5">
-            <a:extLst>
-              <a:ext uri="{FF2B5EF4-FFF2-40B4-BE49-F238E27FC236}">
-                <a16:creationId xmlns:a16="http://schemas.microsoft.com/office/drawing/2014/main" id="{810C8F93-16F5-AA46-88E2-15A98C7B6706}"/>
-              </a:ext>
-            </a:extLst>
-          </p:cNvPr>
-          <p:cNvSpPr>
-            <a:spLocks noGrp="1"/>
-          </p:cNvSpPr>
-          <p:nvPr>
-            <p:ph type="body" idx="1"/>
-          </p:nvPr>
-        </p:nvSpPr>
-        <p:spPr/>
-        <p:txBody>
-          <a:bodyPr anchor="t">
-            <a:normAutofit/>
-          </a:bodyPr>
-          <a:lstStyle/>
-          <a:p>
             <a:pPr>
               <a:lnSpc>
                 <a:spcPct val="150000"/>
@@ -9480,7 +9078,7 @@
 </p:sld>
 </file>
 
-<file path=ppt/slides/slide28.xml><?xml version="1.0" encoding="utf-8"?>
+<file path=ppt/slides/slide27.xml><?xml version="1.0" encoding="utf-8"?>
 <p:sld xmlns:a="http://schemas.openxmlformats.org/drawingml/2006/main" xmlns:r="http://schemas.openxmlformats.org/officeDocument/2006/relationships" xmlns:p="http://schemas.openxmlformats.org/presentationml/2006/main">
   <p:cSld>
     <p:spTree>
@@ -9639,7 +9237,7 @@
                 <a:latin typeface="Calibri" panose="020F0502020204030204" pitchFamily="34" charset="0"/>
                 <a:cs typeface="Calibri" panose="020F0502020204030204" pitchFamily="34" charset="0"/>
               </a:rPr>
-              <a:t>JavaScript is what you are actually going to execute (either in the browser or on the server)</a:t>
+              <a:t>JavaScript is what you are going to execute (either in the browser or on the server)</a:t>
             </a:r>
           </a:p>
           <a:p>
@@ -9663,7 +9261,7 @@
                 <a:latin typeface="Calibri" panose="020F0502020204030204" pitchFamily="34" charset="0"/>
                 <a:cs typeface="Calibri" panose="020F0502020204030204" pitchFamily="34" charset="0"/>
               </a:rPr>
-              <a:t>There are two main goals of TypeScript:</a:t>
+              <a:t>The advantages of using TypeScript are:</a:t>
             </a:r>
           </a:p>
           <a:p>
@@ -9747,7 +9345,7 @@
 </p:sld>
 </file>
 
-<file path=ppt/slides/slide29.xml><?xml version="1.0" encoding="utf-8"?>
+<file path=ppt/slides/slide28.xml><?xml version="1.0" encoding="utf-8"?>
 <p:sld xmlns:a="http://schemas.openxmlformats.org/drawingml/2006/main" xmlns:r="http://schemas.openxmlformats.org/officeDocument/2006/relationships" xmlns:p="http://schemas.openxmlformats.org/presentationml/2006/main">
   <p:cSld>
     <p:spTree>
@@ -9872,7 +9470,7 @@
                 <a:latin typeface="Calibri" panose="020F0502020204030204" pitchFamily="34" charset="0"/>
                 <a:cs typeface="Calibri" panose="020F0502020204030204" pitchFamily="34" charset="0"/>
               </a:rPr>
-              <a:t>when doing refactoring. </a:t>
+              <a:t>when doing refactoring</a:t>
             </a:r>
             <a:endParaRPr lang="en-US" sz="2400" i="0" dirty="0">
               <a:latin typeface="Calibri" panose="020F0502020204030204" pitchFamily="34" charset="0"/>
@@ -9913,13 +9511,10 @@
               </a:rPr>
               <a:t>It's better for the compiler to catch errors than to have things fail at runtime</a:t>
             </a:r>
-            <a:r>
-              <a:rPr sz="2400" i="0" dirty="0">
-                <a:latin typeface="Calibri" panose="020F0502020204030204" pitchFamily="34" charset="0"/>
-                <a:cs typeface="Calibri" panose="020F0502020204030204" pitchFamily="34" charset="0"/>
-              </a:rPr>
-              <a:t>.</a:t>
-            </a:r>
+            <a:endParaRPr sz="2400" i="0" dirty="0">
+              <a:latin typeface="Calibri" panose="020F0502020204030204" pitchFamily="34" charset="0"/>
+              <a:cs typeface="Calibri" panose="020F0502020204030204" pitchFamily="34" charset="0"/>
+            </a:endParaRPr>
           </a:p>
           <a:p>
             <a:pPr marL="457200" indent="-457200" defTabSz="457200">
@@ -9946,7 +9541,21 @@
                 <a:latin typeface="Calibri" panose="020F0502020204030204" pitchFamily="34" charset="0"/>
                 <a:cs typeface="Calibri" panose="020F0502020204030204" pitchFamily="34" charset="0"/>
               </a:rPr>
-              <a:t>	•	Types are one of the best forms of documentation you can have. </a:t>
+              <a:t>	•	Types are </a:t>
+            </a:r>
+            <a:r>
+              <a:rPr lang="en-US" sz="2400" i="0" dirty="0">
+                <a:latin typeface="Calibri" panose="020F0502020204030204" pitchFamily="34" charset="0"/>
+                <a:cs typeface="Calibri" panose="020F0502020204030204" pitchFamily="34" charset="0"/>
+              </a:rPr>
+              <a:t>a </a:t>
+            </a:r>
+            <a:r>
+              <a:rPr sz="2400" i="0" dirty="0">
+                <a:latin typeface="Calibri" panose="020F0502020204030204" pitchFamily="34" charset="0"/>
+                <a:cs typeface="Calibri" panose="020F0502020204030204" pitchFamily="34" charset="0"/>
+              </a:rPr>
+              <a:t>form of documentation </a:t>
             </a:r>
             <a:endParaRPr lang="en-US" sz="2400" i="0" dirty="0">
               <a:latin typeface="Calibri" panose="020F0502020204030204" pitchFamily="34" charset="0"/>
@@ -9987,13 +9596,269 @@
               </a:rPr>
               <a:t>The function signature is a theorem and the function body is the proof</a:t>
             </a:r>
-            <a:r>
-              <a:rPr sz="2400" i="0" dirty="0">
-                <a:latin typeface="Calibri" panose="020F0502020204030204" pitchFamily="34" charset="0"/>
-                <a:cs typeface="Calibri" panose="020F0502020204030204" pitchFamily="34" charset="0"/>
-              </a:rPr>
-              <a:t>.</a:t>
-            </a:r>
+            <a:endParaRPr sz="2400" i="0" dirty="0">
+              <a:latin typeface="Calibri" panose="020F0502020204030204" pitchFamily="34" charset="0"/>
+              <a:cs typeface="Calibri" panose="020F0502020204030204" pitchFamily="34" charset="0"/>
+            </a:endParaRPr>
+          </a:p>
+        </p:txBody>
+      </p:sp>
+    </p:spTree>
+  </p:cSld>
+  <p:clrMapOvr>
+    <a:masterClrMapping/>
+  </p:clrMapOvr>
+  <p:transition spd="med"/>
+</p:sld>
+</file>
+
+<file path=ppt/slides/slide29.xml><?xml version="1.0" encoding="utf-8"?>
+<p:sld xmlns:a="http://schemas.openxmlformats.org/drawingml/2006/main" xmlns:r="http://schemas.openxmlformats.org/officeDocument/2006/relationships" xmlns:p="http://schemas.openxmlformats.org/presentationml/2006/main">
+  <p:cSld>
+    <p:spTree>
+      <p:nvGrpSpPr>
+        <p:cNvPr id="1" name=""/>
+        <p:cNvGrpSpPr/>
+        <p:nvPr/>
+      </p:nvGrpSpPr>
+      <p:grpSpPr>
+        <a:xfrm>
+          <a:off x="0" y="0"/>
+          <a:ext cx="0" cy="0"/>
+          <a:chOff x="0" y="0"/>
+          <a:chExt cx="0" cy="0"/>
+        </a:xfrm>
+      </p:grpSpPr>
+      <p:sp>
+        <p:nvSpPr>
+          <p:cNvPr id="141" name="Types in Typescript"/>
+          <p:cNvSpPr txBox="1">
+            <a:spLocks noGrp="1"/>
+          </p:cNvSpPr>
+          <p:nvPr>
+            <p:ph type="title"/>
+          </p:nvPr>
+        </p:nvSpPr>
+        <p:spPr>
+          <a:prstGeom prst="rect">
+            <a:avLst/>
+          </a:prstGeom>
+        </p:spPr>
+        <p:txBody>
+          <a:bodyPr>
+            <a:normAutofit/>
+          </a:bodyPr>
+          <a:lstStyle/>
+          <a:p>
+            <a:r>
+              <a:rPr sz="4000" dirty="0">
+                <a:latin typeface="Calibri" panose="020F0502020204030204" pitchFamily="34" charset="0"/>
+                <a:cs typeface="Calibri" panose="020F0502020204030204" pitchFamily="34" charset="0"/>
+              </a:rPr>
+              <a:t>Types in Typescript</a:t>
+            </a:r>
+          </a:p>
+        </p:txBody>
+      </p:sp>
+      <p:sp>
+        <p:nvSpPr>
+          <p:cNvPr id="142" name="Types can be Implicit…"/>
+          <p:cNvSpPr txBox="1">
+            <a:spLocks noGrp="1"/>
+          </p:cNvSpPr>
+          <p:nvPr>
+            <p:ph type="body" idx="1"/>
+          </p:nvPr>
+        </p:nvSpPr>
+        <p:spPr>
+          <a:prstGeom prst="rect">
+            <a:avLst/>
+          </a:prstGeom>
+        </p:spPr>
+        <p:txBody>
+          <a:bodyPr anchor="t">
+            <a:noAutofit/>
+          </a:bodyPr>
+          <a:lstStyle/>
+          <a:p>
+            <a:pPr marL="250031" indent="-250031" defTabSz="457200">
+              <a:lnSpc>
+                <a:spcPct val="150000"/>
+              </a:lnSpc>
+              <a:spcBef>
+                <a:spcPts val="1500"/>
+              </a:spcBef>
+              <a:defRPr b="1">
+                <a:solidFill>
+                  <a:srgbClr val="333333"/>
+                </a:solidFill>
+              </a:defRPr>
+            </a:pPr>
+            <a:r>
+              <a:rPr sz="2400" dirty="0">
+                <a:latin typeface="Calibri" panose="020F0502020204030204" pitchFamily="34" charset="0"/>
+                <a:cs typeface="Calibri" panose="020F0502020204030204" pitchFamily="34" charset="0"/>
+              </a:rPr>
+              <a:t>Types can be Implicit</a:t>
+            </a:r>
+          </a:p>
+          <a:p>
+            <a:pPr marL="0" indent="0" defTabSz="457200">
+              <a:lnSpc>
+                <a:spcPct val="150000"/>
+              </a:lnSpc>
+              <a:spcBef>
+                <a:spcPts val="0"/>
+              </a:spcBef>
+              <a:buSzTx/>
+              <a:buNone/>
+              <a:defRPr>
+                <a:solidFill>
+                  <a:srgbClr val="333333"/>
+                </a:solidFill>
+                <a:latin typeface="Menlo"/>
+                <a:ea typeface="Menlo"/>
+                <a:cs typeface="Menlo"/>
+                <a:sym typeface="Menlo"/>
+              </a:defRPr>
+            </a:pPr>
+            <a:r>
+              <a:rPr sz="2400" dirty="0" err="1">
+                <a:solidFill>
+                  <a:srgbClr val="8959A8"/>
+                </a:solidFill>
+                <a:latin typeface="Calibri" panose="020F0502020204030204" pitchFamily="34" charset="0"/>
+                <a:cs typeface="Calibri" panose="020F0502020204030204" pitchFamily="34" charset="0"/>
+              </a:rPr>
+              <a:t>var</a:t>
+            </a:r>
+            <a:r>
+              <a:rPr sz="2400" dirty="0">
+                <a:latin typeface="Calibri" panose="020F0502020204030204" pitchFamily="34" charset="0"/>
+                <a:cs typeface="Calibri" panose="020F0502020204030204" pitchFamily="34" charset="0"/>
+              </a:rPr>
+              <a:t> foo = </a:t>
+            </a:r>
+            <a:r>
+              <a:rPr lang="en-US" sz="2400" dirty="0">
+                <a:solidFill>
+                  <a:schemeClr val="tx1"/>
+                </a:solidFill>
+                <a:latin typeface="Calibri" panose="020F0502020204030204" pitchFamily="34" charset="0"/>
+                <a:cs typeface="Calibri" panose="020F0502020204030204" pitchFamily="34" charset="0"/>
+              </a:rPr>
+              <a:t>123</a:t>
+            </a:r>
+            <a:r>
+              <a:rPr sz="2400" dirty="0">
+                <a:latin typeface="Calibri" panose="020F0502020204030204" pitchFamily="34" charset="0"/>
+                <a:cs typeface="Calibri" panose="020F0502020204030204" pitchFamily="34" charset="0"/>
+              </a:rPr>
+              <a:t>;</a:t>
+            </a:r>
+          </a:p>
+          <a:p>
+            <a:pPr marL="0" indent="0" defTabSz="457200">
+              <a:lnSpc>
+                <a:spcPct val="150000"/>
+              </a:lnSpc>
+              <a:spcBef>
+                <a:spcPts val="0"/>
+              </a:spcBef>
+              <a:buSzTx/>
+              <a:buNone/>
+              <a:defRPr>
+                <a:solidFill>
+                  <a:srgbClr val="8E908C"/>
+                </a:solidFill>
+                <a:latin typeface="Menlo"/>
+                <a:ea typeface="Menlo"/>
+                <a:cs typeface="Menlo"/>
+                <a:sym typeface="Menlo"/>
+              </a:defRPr>
+            </a:pPr>
+            <a:r>
+              <a:rPr sz="2400" dirty="0">
+                <a:solidFill>
+                  <a:srgbClr val="333333"/>
+                </a:solidFill>
+                <a:latin typeface="Calibri" panose="020F0502020204030204" pitchFamily="34" charset="0"/>
+                <a:cs typeface="Calibri" panose="020F0502020204030204" pitchFamily="34" charset="0"/>
+              </a:rPr>
+              <a:t>foo = </a:t>
+            </a:r>
+            <a:r>
+              <a:rPr sz="2400" dirty="0">
+                <a:solidFill>
+                  <a:srgbClr val="FFC000"/>
+                </a:solidFill>
+                <a:latin typeface="Calibri" panose="020F0502020204030204" pitchFamily="34" charset="0"/>
+                <a:cs typeface="Calibri" panose="020F0502020204030204" pitchFamily="34" charset="0"/>
+              </a:rPr>
+              <a:t>'456'</a:t>
+            </a:r>
+            <a:r>
+              <a:rPr sz="2400" dirty="0">
+                <a:solidFill>
+                  <a:srgbClr val="333333"/>
+                </a:solidFill>
+                <a:latin typeface="Calibri" panose="020F0502020204030204" pitchFamily="34" charset="0"/>
+                <a:cs typeface="Calibri" panose="020F0502020204030204" pitchFamily="34" charset="0"/>
+              </a:rPr>
+              <a:t>; </a:t>
+            </a:r>
+            <a:r>
+              <a:rPr lang="en-US" sz="2400" dirty="0">
+                <a:solidFill>
+                  <a:srgbClr val="333333"/>
+                </a:solidFill>
+                <a:latin typeface="Calibri" panose="020F0502020204030204" pitchFamily="34" charset="0"/>
+                <a:cs typeface="Calibri" panose="020F0502020204030204" pitchFamily="34" charset="0"/>
+              </a:rPr>
+              <a:t> </a:t>
+            </a:r>
+            <a:r>
+              <a:rPr sz="2400" dirty="0">
+                <a:latin typeface="Calibri" panose="020F0502020204030204" pitchFamily="34" charset="0"/>
+                <a:cs typeface="Calibri" panose="020F0502020204030204" pitchFamily="34" charset="0"/>
+              </a:rPr>
+              <a:t>// Error: cannot assign `string` to `number</a:t>
+            </a:r>
+            <a:endParaRPr sz="2400" dirty="0">
+              <a:solidFill>
+                <a:srgbClr val="333333"/>
+              </a:solidFill>
+              <a:latin typeface="Calibri" panose="020F0502020204030204" pitchFamily="34" charset="0"/>
+              <a:cs typeface="Calibri" panose="020F0502020204030204" pitchFamily="34" charset="0"/>
+            </a:endParaRPr>
+          </a:p>
+          <a:p>
+            <a:pPr marL="0" indent="0" defTabSz="457200">
+              <a:lnSpc>
+                <a:spcPct val="150000"/>
+              </a:lnSpc>
+              <a:spcBef>
+                <a:spcPts val="0"/>
+              </a:spcBef>
+              <a:buSzTx/>
+              <a:buNone/>
+              <a:defRPr>
+                <a:solidFill>
+                  <a:srgbClr val="8E908C"/>
+                </a:solidFill>
+                <a:latin typeface="Menlo"/>
+                <a:ea typeface="Menlo"/>
+                <a:cs typeface="Menlo"/>
+                <a:sym typeface="Menlo"/>
+              </a:defRPr>
+            </a:pPr>
+            <a:endParaRPr sz="2400" dirty="0">
+              <a:solidFill>
+                <a:srgbClr val="333333"/>
+              </a:solidFill>
+              <a:latin typeface="Calibri" panose="020F0502020204030204" pitchFamily="34" charset="0"/>
+              <a:cs typeface="Calibri" panose="020F0502020204030204" pitchFamily="34" charset="0"/>
+            </a:endParaRPr>
           </a:p>
         </p:txBody>
       </p:sp>
@@ -10265,9 +10130,9 @@
               <a:t> foo = </a:t>
             </a:r>
             <a:r>
-              <a:rPr lang="en-US" sz="2400" dirty="0">
-                <a:solidFill>
-                  <a:schemeClr val="tx1"/>
+              <a:rPr sz="2400" dirty="0">
+                <a:solidFill>
+                  <a:srgbClr val="F5871F"/>
                 </a:solidFill>
                 <a:latin typeface="Calibri" panose="020F0502020204030204" pitchFamily="34" charset="0"/>
                 <a:cs typeface="Calibri" panose="020F0502020204030204" pitchFamily="34" charset="0"/>
@@ -10315,7 +10180,7 @@
             <a:r>
               <a:rPr sz="2400" dirty="0">
                 <a:solidFill>
-                  <a:srgbClr val="FFC000"/>
+                  <a:srgbClr val="718C00"/>
                 </a:solidFill>
                 <a:latin typeface="Calibri" panose="020F0502020204030204" pitchFamily="34" charset="0"/>
                 <a:cs typeface="Calibri" panose="020F0502020204030204" pitchFamily="34" charset="0"/>
@@ -10333,22 +10198,229 @@
               <a:t>; </a:t>
             </a:r>
             <a:r>
-              <a:rPr lang="en-US" sz="2400" dirty="0">
+              <a:rPr sz="2400" dirty="0">
+                <a:latin typeface="Calibri" panose="020F0502020204030204" pitchFamily="34" charset="0"/>
+                <a:cs typeface="Calibri" panose="020F0502020204030204" pitchFamily="34" charset="0"/>
+              </a:rPr>
+              <a:t>// Error: cannot assign `string` to `number</a:t>
+            </a:r>
+            <a:endParaRPr lang="en-US" sz="2400" dirty="0">
+              <a:solidFill>
+                <a:srgbClr val="333333"/>
+              </a:solidFill>
+              <a:latin typeface="Calibri" panose="020F0502020204030204" pitchFamily="34" charset="0"/>
+              <a:cs typeface="Calibri" panose="020F0502020204030204" pitchFamily="34" charset="0"/>
+            </a:endParaRPr>
+          </a:p>
+          <a:p>
+            <a:pPr marL="250031" indent="-250031" defTabSz="457200">
+              <a:lnSpc>
+                <a:spcPct val="150000"/>
+              </a:lnSpc>
+              <a:spcBef>
+                <a:spcPts val="1500"/>
+              </a:spcBef>
+              <a:defRPr b="1">
                 <a:solidFill>
                   <a:srgbClr val="333333"/>
                 </a:solidFill>
-                <a:latin typeface="Calibri" panose="020F0502020204030204" pitchFamily="34" charset="0"/>
-                <a:cs typeface="Calibri" panose="020F0502020204030204" pitchFamily="34" charset="0"/>
-              </a:rPr>
-              <a:t> </a:t>
-            </a:r>
-            <a:r>
-              <a:rPr sz="2400" dirty="0">
-                <a:latin typeface="Calibri" panose="020F0502020204030204" pitchFamily="34" charset="0"/>
-                <a:cs typeface="Calibri" panose="020F0502020204030204" pitchFamily="34" charset="0"/>
-              </a:rPr>
-              <a:t>// Error: cannot assign `string` to `number</a:t>
-            </a:r>
+              </a:defRPr>
+            </a:pPr>
+            <a:r>
+              <a:rPr lang="en-US" sz="2400" dirty="0">
+                <a:latin typeface="Calibri" panose="020F0502020204030204" pitchFamily="34" charset="0"/>
+                <a:cs typeface="Calibri" panose="020F0502020204030204" pitchFamily="34" charset="0"/>
+              </a:rPr>
+              <a:t>Types can be Explicit</a:t>
+            </a:r>
+          </a:p>
+          <a:p>
+            <a:pPr marL="0" indent="0" defTabSz="457200">
+              <a:lnSpc>
+                <a:spcPct val="150000"/>
+              </a:lnSpc>
+              <a:spcBef>
+                <a:spcPts val="0"/>
+              </a:spcBef>
+              <a:buSzTx/>
+              <a:buNone/>
+              <a:defRPr>
+                <a:solidFill>
+                  <a:srgbClr val="333333"/>
+                </a:solidFill>
+                <a:latin typeface="Menlo"/>
+                <a:ea typeface="Menlo"/>
+                <a:cs typeface="Menlo"/>
+                <a:sym typeface="Menlo"/>
+              </a:defRPr>
+            </a:pPr>
+            <a:r>
+              <a:rPr lang="en-US" sz="2400" dirty="0" err="1">
+                <a:solidFill>
+                  <a:srgbClr val="8959A8"/>
+                </a:solidFill>
+                <a:latin typeface="Calibri" panose="020F0502020204030204" pitchFamily="34" charset="0"/>
+                <a:cs typeface="Calibri" panose="020F0502020204030204" pitchFamily="34" charset="0"/>
+              </a:rPr>
+              <a:t>var</a:t>
+            </a:r>
+            <a:r>
+              <a:rPr lang="en-US" sz="2400" dirty="0">
+                <a:latin typeface="Calibri" panose="020F0502020204030204" pitchFamily="34" charset="0"/>
+                <a:cs typeface="Calibri" panose="020F0502020204030204" pitchFamily="34" charset="0"/>
+              </a:rPr>
+              <a:t> foo: </a:t>
+            </a:r>
+            <a:r>
+              <a:rPr lang="en-US" sz="2400" dirty="0">
+                <a:solidFill>
+                  <a:srgbClr val="F5871F"/>
+                </a:solidFill>
+                <a:latin typeface="Calibri" panose="020F0502020204030204" pitchFamily="34" charset="0"/>
+                <a:cs typeface="Calibri" panose="020F0502020204030204" pitchFamily="34" charset="0"/>
+              </a:rPr>
+              <a:t>number</a:t>
+            </a:r>
+            <a:r>
+              <a:rPr lang="en-US" sz="2400" dirty="0">
+                <a:latin typeface="Calibri" panose="020F0502020204030204" pitchFamily="34" charset="0"/>
+                <a:cs typeface="Calibri" panose="020F0502020204030204" pitchFamily="34" charset="0"/>
+              </a:rPr>
+              <a:t> = </a:t>
+            </a:r>
+            <a:r>
+              <a:rPr lang="en-US" sz="2400" dirty="0">
+                <a:solidFill>
+                  <a:srgbClr val="F5871F"/>
+                </a:solidFill>
+                <a:latin typeface="Calibri" panose="020F0502020204030204" pitchFamily="34" charset="0"/>
+                <a:cs typeface="Calibri" panose="020F0502020204030204" pitchFamily="34" charset="0"/>
+              </a:rPr>
+              <a:t>123</a:t>
+            </a:r>
+            <a:r>
+              <a:rPr lang="en-US" sz="2400" dirty="0">
+                <a:latin typeface="Calibri" panose="020F0502020204030204" pitchFamily="34" charset="0"/>
+                <a:cs typeface="Calibri" panose="020F0502020204030204" pitchFamily="34" charset="0"/>
+              </a:rPr>
+              <a:t>;</a:t>
+            </a:r>
+          </a:p>
+          <a:p>
+            <a:pPr marL="0" indent="0" defTabSz="457200">
+              <a:lnSpc>
+                <a:spcPct val="150000"/>
+              </a:lnSpc>
+              <a:spcBef>
+                <a:spcPts val="0"/>
+              </a:spcBef>
+              <a:buSzTx/>
+              <a:buNone/>
+              <a:defRPr>
+                <a:solidFill>
+                  <a:srgbClr val="8E908C"/>
+                </a:solidFill>
+                <a:latin typeface="Menlo"/>
+                <a:ea typeface="Menlo"/>
+                <a:cs typeface="Menlo"/>
+                <a:sym typeface="Menlo"/>
+              </a:defRPr>
+            </a:pPr>
+            <a:r>
+              <a:rPr lang="en-US" sz="2400" dirty="0" err="1">
+                <a:solidFill>
+                  <a:srgbClr val="8959A8"/>
+                </a:solidFill>
+                <a:latin typeface="Calibri" panose="020F0502020204030204" pitchFamily="34" charset="0"/>
+                <a:cs typeface="Calibri" panose="020F0502020204030204" pitchFamily="34" charset="0"/>
+              </a:rPr>
+              <a:t>var</a:t>
+            </a:r>
+            <a:r>
+              <a:rPr lang="en-US" sz="2400" dirty="0">
+                <a:solidFill>
+                  <a:srgbClr val="333333"/>
+                </a:solidFill>
+                <a:latin typeface="Calibri" panose="020F0502020204030204" pitchFamily="34" charset="0"/>
+                <a:cs typeface="Calibri" panose="020F0502020204030204" pitchFamily="34" charset="0"/>
+              </a:rPr>
+              <a:t> foo: </a:t>
+            </a:r>
+            <a:r>
+              <a:rPr lang="en-US" sz="2400" dirty="0">
+                <a:solidFill>
+                  <a:srgbClr val="F5871F"/>
+                </a:solidFill>
+                <a:latin typeface="Calibri" panose="020F0502020204030204" pitchFamily="34" charset="0"/>
+                <a:cs typeface="Calibri" panose="020F0502020204030204" pitchFamily="34" charset="0"/>
+              </a:rPr>
+              <a:t>number</a:t>
+            </a:r>
+            <a:r>
+              <a:rPr lang="en-US" sz="2400" dirty="0">
+                <a:solidFill>
+                  <a:srgbClr val="333333"/>
+                </a:solidFill>
+                <a:latin typeface="Calibri" panose="020F0502020204030204" pitchFamily="34" charset="0"/>
+                <a:cs typeface="Calibri" panose="020F0502020204030204" pitchFamily="34" charset="0"/>
+              </a:rPr>
+              <a:t> = </a:t>
+            </a:r>
+            <a:r>
+              <a:rPr lang="en-US" sz="2400" dirty="0">
+                <a:solidFill>
+                  <a:srgbClr val="718C00"/>
+                </a:solidFill>
+                <a:latin typeface="Calibri" panose="020F0502020204030204" pitchFamily="34" charset="0"/>
+                <a:cs typeface="Calibri" panose="020F0502020204030204" pitchFamily="34" charset="0"/>
+              </a:rPr>
+              <a:t>'123'</a:t>
+            </a:r>
+            <a:r>
+              <a:rPr lang="en-US" sz="2400" dirty="0">
+                <a:solidFill>
+                  <a:srgbClr val="333333"/>
+                </a:solidFill>
+                <a:latin typeface="Calibri" panose="020F0502020204030204" pitchFamily="34" charset="0"/>
+                <a:cs typeface="Calibri" panose="020F0502020204030204" pitchFamily="34" charset="0"/>
+              </a:rPr>
+              <a:t>; </a:t>
+            </a:r>
+            <a:r>
+              <a:rPr lang="en-US" sz="2400" dirty="0">
+                <a:latin typeface="Calibri" panose="020F0502020204030204" pitchFamily="34" charset="0"/>
+                <a:cs typeface="Calibri" panose="020F0502020204030204" pitchFamily="34" charset="0"/>
+              </a:rPr>
+              <a:t>// Error: cannot assign a `string` to a `number`</a:t>
+            </a:r>
+            <a:endParaRPr lang="en-US" sz="2400" dirty="0">
+              <a:solidFill>
+                <a:srgbClr val="333333"/>
+              </a:solidFill>
+              <a:latin typeface="Calibri" panose="020F0502020204030204" pitchFamily="34" charset="0"/>
+              <a:cs typeface="Calibri" panose="020F0502020204030204" pitchFamily="34" charset="0"/>
+            </a:endParaRPr>
+          </a:p>
+          <a:p>
+            <a:pPr marL="0" indent="0" defTabSz="457200">
+              <a:lnSpc>
+                <a:spcPct val="150000"/>
+              </a:lnSpc>
+              <a:spcBef>
+                <a:spcPts val="0"/>
+              </a:spcBef>
+              <a:buSzTx/>
+              <a:buNone/>
+              <a:defRPr>
+                <a:solidFill>
+                  <a:srgbClr val="8E908C"/>
+                </a:solidFill>
+                <a:latin typeface="Menlo"/>
+                <a:ea typeface="Menlo"/>
+                <a:cs typeface="Menlo"/>
+                <a:sym typeface="Menlo"/>
+              </a:defRPr>
+            </a:pPr>
             <a:endParaRPr sz="2400" dirty="0">
               <a:solidFill>
                 <a:srgbClr val="333333"/>
@@ -10357,37 +10429,14 @@
               <a:cs typeface="Calibri" panose="020F0502020204030204" pitchFamily="34" charset="0"/>
             </a:endParaRPr>
           </a:p>
-          <a:p>
-            <a:pPr marL="0" indent="0" defTabSz="457200">
-              <a:lnSpc>
-                <a:spcPct val="150000"/>
-              </a:lnSpc>
-              <a:spcBef>
-                <a:spcPts val="0"/>
-              </a:spcBef>
-              <a:buSzTx/>
-              <a:buNone/>
-              <a:defRPr>
-                <a:solidFill>
-                  <a:srgbClr val="8E908C"/>
-                </a:solidFill>
-                <a:latin typeface="Menlo"/>
-                <a:ea typeface="Menlo"/>
-                <a:cs typeface="Menlo"/>
-                <a:sym typeface="Menlo"/>
-              </a:defRPr>
-            </a:pPr>
-            <a:endParaRPr sz="2400" dirty="0">
-              <a:solidFill>
-                <a:srgbClr val="333333"/>
-              </a:solidFill>
-              <a:latin typeface="Calibri" panose="020F0502020204030204" pitchFamily="34" charset="0"/>
-              <a:cs typeface="Calibri" panose="020F0502020204030204" pitchFamily="34" charset="0"/>
-            </a:endParaRPr>
-          </a:p>
         </p:txBody>
       </p:sp>
     </p:spTree>
+    <p:extLst>
+      <p:ext uri="{BB962C8B-B14F-4D97-AF65-F5344CB8AC3E}">
+        <p14:creationId xmlns:p14="http://schemas.microsoft.com/office/powerpoint/2010/main" val="1984492712"/>
+      </p:ext>
+    </p:extLst>
   </p:cSld>
   <p:clrMapOvr>
     <a:masterClrMapping/>
@@ -10435,12 +10484,16 @@
           <a:lstStyle/>
           <a:p>
             <a:r>
-              <a:rPr sz="4000" dirty="0">
-                <a:latin typeface="Calibri" panose="020F0502020204030204" pitchFamily="34" charset="0"/>
-                <a:cs typeface="Calibri" panose="020F0502020204030204" pitchFamily="34" charset="0"/>
-              </a:rPr>
-              <a:t>Types in Typescript</a:t>
-            </a:r>
+              <a:rPr lang="en-US" sz="4000" dirty="0">
+                <a:latin typeface="Calibri" panose="020F0502020204030204" pitchFamily="34" charset="0"/>
+                <a:cs typeface="Calibri" panose="020F0502020204030204" pitchFamily="34" charset="0"/>
+              </a:rPr>
+              <a:t>Example</a:t>
+            </a:r>
+            <a:endParaRPr sz="4000" dirty="0">
+              <a:latin typeface="Calibri" panose="020F0502020204030204" pitchFamily="34" charset="0"/>
+              <a:cs typeface="Calibri" panose="020F0502020204030204" pitchFamily="34" charset="0"/>
+            </a:endParaRPr>
           </a:p>
         </p:txBody>
       </p:sp>
@@ -10479,342 +10532,12 @@
               </a:defRPr>
             </a:pPr>
             <a:r>
-              <a:rPr sz="2400" dirty="0">
-                <a:latin typeface="Calibri" panose="020F0502020204030204" pitchFamily="34" charset="0"/>
-                <a:cs typeface="Calibri" panose="020F0502020204030204" pitchFamily="34" charset="0"/>
-              </a:rPr>
-              <a:t>Types can be Implicit</a:t>
-            </a:r>
-          </a:p>
-          <a:p>
-            <a:pPr marL="0" indent="0" defTabSz="457200">
-              <a:lnSpc>
-                <a:spcPct val="150000"/>
-              </a:lnSpc>
-              <a:spcBef>
-                <a:spcPts val="0"/>
-              </a:spcBef>
-              <a:buSzTx/>
-              <a:buNone/>
-              <a:defRPr>
-                <a:solidFill>
-                  <a:srgbClr val="333333"/>
-                </a:solidFill>
-                <a:latin typeface="Menlo"/>
-                <a:ea typeface="Menlo"/>
-                <a:cs typeface="Menlo"/>
-                <a:sym typeface="Menlo"/>
-              </a:defRPr>
-            </a:pPr>
-            <a:r>
-              <a:rPr sz="2400" dirty="0" err="1">
-                <a:solidFill>
-                  <a:srgbClr val="8959A8"/>
-                </a:solidFill>
-                <a:latin typeface="Calibri" panose="020F0502020204030204" pitchFamily="34" charset="0"/>
-                <a:cs typeface="Calibri" panose="020F0502020204030204" pitchFamily="34" charset="0"/>
-              </a:rPr>
-              <a:t>var</a:t>
-            </a:r>
-            <a:r>
-              <a:rPr sz="2400" dirty="0">
-                <a:latin typeface="Calibri" panose="020F0502020204030204" pitchFamily="34" charset="0"/>
-                <a:cs typeface="Calibri" panose="020F0502020204030204" pitchFamily="34" charset="0"/>
-              </a:rPr>
-              <a:t> foo = </a:t>
-            </a:r>
-            <a:r>
-              <a:rPr sz="2400" dirty="0">
-                <a:solidFill>
-                  <a:srgbClr val="F5871F"/>
-                </a:solidFill>
-                <a:latin typeface="Calibri" panose="020F0502020204030204" pitchFamily="34" charset="0"/>
-                <a:cs typeface="Calibri" panose="020F0502020204030204" pitchFamily="34" charset="0"/>
-              </a:rPr>
-              <a:t>123</a:t>
-            </a:r>
-            <a:r>
-              <a:rPr sz="2400" dirty="0">
-                <a:latin typeface="Calibri" panose="020F0502020204030204" pitchFamily="34" charset="0"/>
-                <a:cs typeface="Calibri" panose="020F0502020204030204" pitchFamily="34" charset="0"/>
-              </a:rPr>
-              <a:t>;</a:t>
-            </a:r>
-          </a:p>
-          <a:p>
-            <a:pPr marL="0" indent="0" defTabSz="457200">
-              <a:lnSpc>
-                <a:spcPct val="150000"/>
-              </a:lnSpc>
-              <a:spcBef>
-                <a:spcPts val="0"/>
-              </a:spcBef>
-              <a:buSzTx/>
-              <a:buNone/>
-              <a:defRPr>
-                <a:solidFill>
-                  <a:srgbClr val="8E908C"/>
-                </a:solidFill>
-                <a:latin typeface="Menlo"/>
-                <a:ea typeface="Menlo"/>
-                <a:cs typeface="Menlo"/>
-                <a:sym typeface="Menlo"/>
-              </a:defRPr>
-            </a:pPr>
-            <a:r>
-              <a:rPr sz="2400" dirty="0">
-                <a:solidFill>
-                  <a:srgbClr val="333333"/>
-                </a:solidFill>
-                <a:latin typeface="Calibri" panose="020F0502020204030204" pitchFamily="34" charset="0"/>
-                <a:cs typeface="Calibri" panose="020F0502020204030204" pitchFamily="34" charset="0"/>
-              </a:rPr>
-              <a:t>foo = </a:t>
-            </a:r>
-            <a:r>
-              <a:rPr sz="2400" dirty="0">
-                <a:solidFill>
-                  <a:srgbClr val="718C00"/>
-                </a:solidFill>
-                <a:latin typeface="Calibri" panose="020F0502020204030204" pitchFamily="34" charset="0"/>
-                <a:cs typeface="Calibri" panose="020F0502020204030204" pitchFamily="34" charset="0"/>
-              </a:rPr>
-              <a:t>'456'</a:t>
-            </a:r>
-            <a:r>
-              <a:rPr sz="2400" dirty="0">
-                <a:solidFill>
-                  <a:srgbClr val="333333"/>
-                </a:solidFill>
-                <a:latin typeface="Calibri" panose="020F0502020204030204" pitchFamily="34" charset="0"/>
-                <a:cs typeface="Calibri" panose="020F0502020204030204" pitchFamily="34" charset="0"/>
-              </a:rPr>
-              <a:t>; </a:t>
-            </a:r>
-            <a:r>
-              <a:rPr sz="2400" dirty="0">
-                <a:latin typeface="Calibri" panose="020F0502020204030204" pitchFamily="34" charset="0"/>
-                <a:cs typeface="Calibri" panose="020F0502020204030204" pitchFamily="34" charset="0"/>
-              </a:rPr>
-              <a:t>// Error: cannot assign `string` to `number</a:t>
-            </a:r>
-            <a:endParaRPr lang="en-US" sz="2400" dirty="0">
-              <a:solidFill>
-                <a:srgbClr val="333333"/>
-              </a:solidFill>
-              <a:latin typeface="Calibri" panose="020F0502020204030204" pitchFamily="34" charset="0"/>
-              <a:cs typeface="Calibri" panose="020F0502020204030204" pitchFamily="34" charset="0"/>
-            </a:endParaRPr>
-          </a:p>
-          <a:p>
-            <a:pPr marL="250031" indent="-250031" defTabSz="457200">
-              <a:lnSpc>
-                <a:spcPct val="150000"/>
-              </a:lnSpc>
-              <a:spcBef>
-                <a:spcPts val="1500"/>
-              </a:spcBef>
-              <a:defRPr b="1">
-                <a:solidFill>
-                  <a:srgbClr val="333333"/>
-                </a:solidFill>
-              </a:defRPr>
-            </a:pPr>
-            <a:r>
-              <a:rPr lang="en-US" sz="2400" dirty="0">
-                <a:latin typeface="Calibri" panose="020F0502020204030204" pitchFamily="34" charset="0"/>
-                <a:cs typeface="Calibri" panose="020F0502020204030204" pitchFamily="34" charset="0"/>
-              </a:rPr>
-              <a:t>Types can be Explicit</a:t>
-            </a:r>
-          </a:p>
-          <a:p>
-            <a:pPr marL="0" indent="0" defTabSz="457200">
-              <a:lnSpc>
-                <a:spcPct val="150000"/>
-              </a:lnSpc>
-              <a:spcBef>
-                <a:spcPts val="0"/>
-              </a:spcBef>
-              <a:buSzTx/>
-              <a:buNone/>
-              <a:defRPr>
-                <a:solidFill>
-                  <a:srgbClr val="333333"/>
-                </a:solidFill>
-                <a:latin typeface="Menlo"/>
-                <a:ea typeface="Menlo"/>
-                <a:cs typeface="Menlo"/>
-                <a:sym typeface="Menlo"/>
-              </a:defRPr>
-            </a:pPr>
-            <a:r>
-              <a:rPr lang="en-US" sz="2400" dirty="0" err="1">
-                <a:solidFill>
-                  <a:srgbClr val="8959A8"/>
-                </a:solidFill>
-                <a:latin typeface="Calibri" panose="020F0502020204030204" pitchFamily="34" charset="0"/>
-                <a:cs typeface="Calibri" panose="020F0502020204030204" pitchFamily="34" charset="0"/>
-              </a:rPr>
-              <a:t>var</a:t>
-            </a:r>
-            <a:r>
-              <a:rPr lang="en-US" sz="2400" dirty="0">
-                <a:latin typeface="Calibri" panose="020F0502020204030204" pitchFamily="34" charset="0"/>
-                <a:cs typeface="Calibri" panose="020F0502020204030204" pitchFamily="34" charset="0"/>
-              </a:rPr>
-              <a:t> foo: </a:t>
-            </a:r>
-            <a:r>
-              <a:rPr lang="en-US" sz="2400" dirty="0">
-                <a:solidFill>
-                  <a:srgbClr val="F5871F"/>
-                </a:solidFill>
-                <a:latin typeface="Calibri" panose="020F0502020204030204" pitchFamily="34" charset="0"/>
-                <a:cs typeface="Calibri" panose="020F0502020204030204" pitchFamily="34" charset="0"/>
-              </a:rPr>
-              <a:t>number</a:t>
-            </a:r>
-            <a:r>
-              <a:rPr lang="en-US" sz="2400" dirty="0">
-                <a:latin typeface="Calibri" panose="020F0502020204030204" pitchFamily="34" charset="0"/>
-                <a:cs typeface="Calibri" panose="020F0502020204030204" pitchFamily="34" charset="0"/>
-              </a:rPr>
-              <a:t> = </a:t>
-            </a:r>
-            <a:r>
-              <a:rPr lang="en-US" sz="2400" dirty="0">
-                <a:solidFill>
-                  <a:srgbClr val="F5871F"/>
-                </a:solidFill>
-                <a:latin typeface="Calibri" panose="020F0502020204030204" pitchFamily="34" charset="0"/>
-                <a:cs typeface="Calibri" panose="020F0502020204030204" pitchFamily="34" charset="0"/>
-              </a:rPr>
-              <a:t>123</a:t>
-            </a:r>
-            <a:r>
-              <a:rPr lang="en-US" sz="2400" dirty="0">
-                <a:latin typeface="Calibri" panose="020F0502020204030204" pitchFamily="34" charset="0"/>
-                <a:cs typeface="Calibri" panose="020F0502020204030204" pitchFamily="34" charset="0"/>
-              </a:rPr>
-              <a:t>;</a:t>
-            </a:r>
-          </a:p>
-          <a:p>
-            <a:pPr marL="0" indent="0" defTabSz="457200">
-              <a:lnSpc>
-                <a:spcPct val="150000"/>
-              </a:lnSpc>
-              <a:spcBef>
-                <a:spcPts val="0"/>
-              </a:spcBef>
-              <a:buSzTx/>
-              <a:buNone/>
-              <a:defRPr>
-                <a:solidFill>
-                  <a:srgbClr val="8E908C"/>
-                </a:solidFill>
-                <a:latin typeface="Menlo"/>
-                <a:ea typeface="Menlo"/>
-                <a:cs typeface="Menlo"/>
-                <a:sym typeface="Menlo"/>
-              </a:defRPr>
-            </a:pPr>
-            <a:r>
-              <a:rPr lang="en-US" sz="2400" dirty="0" err="1">
-                <a:solidFill>
-                  <a:srgbClr val="8959A8"/>
-                </a:solidFill>
-                <a:latin typeface="Calibri" panose="020F0502020204030204" pitchFamily="34" charset="0"/>
-                <a:cs typeface="Calibri" panose="020F0502020204030204" pitchFamily="34" charset="0"/>
-              </a:rPr>
-              <a:t>var</a:t>
-            </a:r>
-            <a:r>
-              <a:rPr lang="en-US" sz="2400" dirty="0">
-                <a:solidFill>
-                  <a:srgbClr val="333333"/>
-                </a:solidFill>
-                <a:latin typeface="Calibri" panose="020F0502020204030204" pitchFamily="34" charset="0"/>
-                <a:cs typeface="Calibri" panose="020F0502020204030204" pitchFamily="34" charset="0"/>
-              </a:rPr>
-              <a:t> foo: </a:t>
-            </a:r>
-            <a:r>
-              <a:rPr lang="en-US" sz="2400" dirty="0">
-                <a:solidFill>
-                  <a:srgbClr val="F5871F"/>
-                </a:solidFill>
-                <a:latin typeface="Calibri" panose="020F0502020204030204" pitchFamily="34" charset="0"/>
-                <a:cs typeface="Calibri" panose="020F0502020204030204" pitchFamily="34" charset="0"/>
-              </a:rPr>
-              <a:t>number</a:t>
-            </a:r>
-            <a:r>
-              <a:rPr lang="en-US" sz="2400" dirty="0">
-                <a:solidFill>
-                  <a:srgbClr val="333333"/>
-                </a:solidFill>
-                <a:latin typeface="Calibri" panose="020F0502020204030204" pitchFamily="34" charset="0"/>
-                <a:cs typeface="Calibri" panose="020F0502020204030204" pitchFamily="34" charset="0"/>
-              </a:rPr>
-              <a:t> = </a:t>
-            </a:r>
-            <a:r>
-              <a:rPr lang="en-US" sz="2400" dirty="0">
-                <a:solidFill>
-                  <a:srgbClr val="718C00"/>
-                </a:solidFill>
-                <a:latin typeface="Calibri" panose="020F0502020204030204" pitchFamily="34" charset="0"/>
-                <a:cs typeface="Calibri" panose="020F0502020204030204" pitchFamily="34" charset="0"/>
-              </a:rPr>
-              <a:t>'123'</a:t>
-            </a:r>
-            <a:r>
-              <a:rPr lang="en-US" sz="2400" dirty="0">
-                <a:solidFill>
-                  <a:srgbClr val="333333"/>
-                </a:solidFill>
-                <a:latin typeface="Calibri" panose="020F0502020204030204" pitchFamily="34" charset="0"/>
-                <a:cs typeface="Calibri" panose="020F0502020204030204" pitchFamily="34" charset="0"/>
-              </a:rPr>
-              <a:t>; </a:t>
-            </a:r>
-            <a:r>
-              <a:rPr lang="en-US" sz="2400" dirty="0">
-                <a:latin typeface="Calibri" panose="020F0502020204030204" pitchFamily="34" charset="0"/>
-                <a:cs typeface="Calibri" panose="020F0502020204030204" pitchFamily="34" charset="0"/>
-              </a:rPr>
-              <a:t>// Error: cannot assign a `string` to a `number`</a:t>
-            </a:r>
-            <a:endParaRPr lang="en-US" sz="2400" dirty="0">
-              <a:solidFill>
-                <a:srgbClr val="333333"/>
-              </a:solidFill>
-              <a:latin typeface="Calibri" panose="020F0502020204030204" pitchFamily="34" charset="0"/>
-              <a:cs typeface="Calibri" panose="020F0502020204030204" pitchFamily="34" charset="0"/>
-            </a:endParaRPr>
-          </a:p>
-          <a:p>
-            <a:pPr marL="0" indent="0" defTabSz="457200">
-              <a:lnSpc>
-                <a:spcPct val="150000"/>
-              </a:lnSpc>
-              <a:spcBef>
-                <a:spcPts val="0"/>
-              </a:spcBef>
-              <a:buSzTx/>
-              <a:buNone/>
-              <a:defRPr>
-                <a:solidFill>
-                  <a:srgbClr val="8E908C"/>
-                </a:solidFill>
-                <a:latin typeface="Menlo"/>
-                <a:ea typeface="Menlo"/>
-                <a:cs typeface="Menlo"/>
-                <a:sym typeface="Menlo"/>
-              </a:defRPr>
-            </a:pPr>
+              <a:rPr lang="en-US" sz="2400" dirty="0">
+                <a:latin typeface="Calibri" panose="020F0502020204030204" pitchFamily="34" charset="0"/>
+                <a:cs typeface="Calibri" panose="020F0502020204030204" pitchFamily="34" charset="0"/>
+              </a:rPr>
+              <a:t>Demo</a:t>
+            </a:r>
             <a:endParaRPr sz="2400" dirty="0">
               <a:solidFill>
                 <a:srgbClr val="333333"/>
@@ -10828,7 +10551,7 @@
     </p:spTree>
     <p:extLst>
       <p:ext uri="{BB962C8B-B14F-4D97-AF65-F5344CB8AC3E}">
-        <p14:creationId xmlns:p14="http://schemas.microsoft.com/office/powerpoint/2010/main" val="1984492712"/>
+        <p14:creationId xmlns:p14="http://schemas.microsoft.com/office/powerpoint/2010/main" val="2383841777"/>
       </p:ext>
     </p:extLst>
   </p:cSld>
@@ -10858,7 +10581,7 @@
       </p:grpSpPr>
       <p:sp>
         <p:nvSpPr>
-          <p:cNvPr id="141" name="Types in Typescript"/>
+          <p:cNvPr id="144" name="Types in Typescript"/>
           <p:cNvSpPr txBox="1">
             <a:spLocks noGrp="1"/>
           </p:cNvSpPr>
@@ -10878,11 +10601,18 @@
           <a:lstStyle/>
           <a:p>
             <a:r>
+              <a:rPr sz="4000" dirty="0">
+                <a:latin typeface="Calibri" panose="020F0502020204030204" pitchFamily="34" charset="0"/>
+                <a:cs typeface="Calibri" panose="020F0502020204030204" pitchFamily="34" charset="0"/>
+              </a:rPr>
+              <a:t>Types in Typescript</a:t>
+            </a:r>
+            <a:r>
               <a:rPr lang="en-US" sz="4000" dirty="0">
                 <a:latin typeface="Calibri" panose="020F0502020204030204" pitchFamily="34" charset="0"/>
                 <a:cs typeface="Calibri" panose="020F0502020204030204" pitchFamily="34" charset="0"/>
               </a:rPr>
-              <a:t>Example</a:t>
+              <a:t>.</a:t>
             </a:r>
             <a:endParaRPr sz="4000" dirty="0">
               <a:latin typeface="Calibri" panose="020F0502020204030204" pitchFamily="34" charset="0"/>
@@ -10893,7 +10623,7 @@
       </p:sp>
       <p:sp>
         <p:nvSpPr>
-          <p:cNvPr id="142" name="Types can be Implicit…"/>
+          <p:cNvPr id="145" name="There are additional types that we don’t have in  languages such as Java and C#…"/>
           <p:cNvSpPr txBox="1">
             <a:spLocks noGrp="1"/>
           </p:cNvSpPr>
@@ -10908,46 +10638,147 @@
         </p:spPr>
         <p:txBody>
           <a:bodyPr anchor="t">
-            <a:noAutofit/>
+            <a:normAutofit/>
           </a:bodyPr>
           <a:lstStyle/>
           <a:p>
-            <a:pPr marL="250031" indent="-250031" defTabSz="457200">
-              <a:lnSpc>
-                <a:spcPct val="150000"/>
-              </a:lnSpc>
-              <a:spcBef>
-                <a:spcPts val="1500"/>
-              </a:spcBef>
-              <a:defRPr b="1">
-                <a:solidFill>
-                  <a:srgbClr val="333333"/>
-                </a:solidFill>
+            <a:pPr marL="324485" indent="-324485" defTabSz="426466">
+              <a:spcBef>
+                <a:spcPts val="3000"/>
+              </a:spcBef>
+              <a:defRPr sz="2336">
+                <a:latin typeface="Helvetica"/>
+                <a:ea typeface="Helvetica"/>
+                <a:cs typeface="Helvetica"/>
+                <a:sym typeface="Helvetica"/>
               </a:defRPr>
             </a:pPr>
             <a:r>
-              <a:rPr lang="en-US" sz="2400" dirty="0">
-                <a:latin typeface="Calibri" panose="020F0502020204030204" pitchFamily="34" charset="0"/>
-                <a:cs typeface="Calibri" panose="020F0502020204030204" pitchFamily="34" charset="0"/>
-              </a:rPr>
-              <a:t>Demo</a:t>
-            </a:r>
-            <a:endParaRPr sz="2400" dirty="0">
-              <a:solidFill>
-                <a:srgbClr val="333333"/>
-              </a:solidFill>
-              <a:latin typeface="Calibri" panose="020F0502020204030204" pitchFamily="34" charset="0"/>
-              <a:cs typeface="Calibri" panose="020F0502020204030204" pitchFamily="34" charset="0"/>
-            </a:endParaRPr>
+              <a:rPr sz="2400" dirty="0">
+                <a:latin typeface="Calibri" panose="020F0502020204030204" pitchFamily="34" charset="0"/>
+                <a:cs typeface="Calibri" panose="020F0502020204030204" pitchFamily="34" charset="0"/>
+              </a:rPr>
+              <a:t>There are additional types that we don’t have in  languages such as Java and C#</a:t>
+            </a:r>
+          </a:p>
+          <a:p>
+            <a:pPr marL="324485" indent="-324485" defTabSz="426466">
+              <a:spcBef>
+                <a:spcPts val="3000"/>
+              </a:spcBef>
+              <a:defRPr sz="2336" u="sng">
+                <a:latin typeface="Helvetica"/>
+                <a:ea typeface="Helvetica"/>
+                <a:cs typeface="Helvetica"/>
+                <a:sym typeface="Helvetica"/>
+              </a:defRPr>
+            </a:pPr>
+            <a:r>
+              <a:rPr sz="2400" dirty="0">
+                <a:latin typeface="Calibri" panose="020F0502020204030204" pitchFamily="34" charset="0"/>
+                <a:cs typeface="Calibri" panose="020F0502020204030204" pitchFamily="34" charset="0"/>
+              </a:rPr>
+              <a:t>Union types</a:t>
+            </a:r>
+          </a:p>
+          <a:p>
+            <a:pPr marL="648970" lvl="1" indent="-324485" defTabSz="426466">
+              <a:spcBef>
+                <a:spcPts val="3000"/>
+              </a:spcBef>
+              <a:defRPr sz="2336"/>
+            </a:pPr>
+            <a:r>
+              <a:rPr sz="2400" dirty="0">
+                <a:latin typeface="Calibri" panose="020F0502020204030204" pitchFamily="34" charset="0"/>
+                <a:cs typeface="Calibri" panose="020F0502020204030204" pitchFamily="34" charset="0"/>
+              </a:rPr>
+              <a:t>we can join types together, obtaining all values of both types:</a:t>
+            </a:r>
+          </a:p>
+          <a:p>
+            <a:pPr marL="0" lvl="5" indent="834390" defTabSz="426466">
+              <a:spcBef>
+                <a:spcPts val="3000"/>
+              </a:spcBef>
+              <a:buSzTx/>
+              <a:buNone/>
+              <a:defRPr sz="2336"/>
+            </a:pPr>
+            <a:r>
+              <a:rPr sz="2400" dirty="0">
+                <a:solidFill>
+                  <a:schemeClr val="accent1">
+                    <a:hueOff val="114395"/>
+                    <a:lumOff val="-24975"/>
+                  </a:schemeClr>
+                </a:solidFill>
+                <a:latin typeface="Calibri" panose="020F0502020204030204" pitchFamily="34" charset="0"/>
+                <a:cs typeface="Calibri" panose="020F0502020204030204" pitchFamily="34" charset="0"/>
+              </a:rPr>
+              <a:t>let</a:t>
+            </a:r>
+            <a:r>
+              <a:rPr sz="2400" dirty="0">
+                <a:latin typeface="Calibri" panose="020F0502020204030204" pitchFamily="34" charset="0"/>
+                <a:cs typeface="Calibri" panose="020F0502020204030204" pitchFamily="34" charset="0"/>
+              </a:rPr>
+              <a:t> x1: number | </a:t>
+            </a:r>
+            <a:r>
+              <a:rPr sz="2400" dirty="0">
+                <a:solidFill>
+                  <a:schemeClr val="accent5">
+                    <a:lumOff val="-29866"/>
+                  </a:schemeClr>
+                </a:solidFill>
+                <a:latin typeface="Calibri" panose="020F0502020204030204" pitchFamily="34" charset="0"/>
+                <a:cs typeface="Calibri" panose="020F0502020204030204" pitchFamily="34" charset="0"/>
+              </a:rPr>
+              <a:t>"loading"</a:t>
+            </a:r>
+            <a:r>
+              <a:rPr sz="2400" dirty="0">
+                <a:latin typeface="Calibri" panose="020F0502020204030204" pitchFamily="34" charset="0"/>
+                <a:cs typeface="Calibri" panose="020F0502020204030204" pitchFamily="34" charset="0"/>
+              </a:rPr>
+              <a:t> | </a:t>
+            </a:r>
+            <a:r>
+              <a:rPr sz="2400" dirty="0">
+                <a:solidFill>
+                  <a:schemeClr val="accent5">
+                    <a:lumOff val="-29866"/>
+                  </a:schemeClr>
+                </a:solidFill>
+                <a:latin typeface="Calibri" panose="020F0502020204030204" pitchFamily="34" charset="0"/>
+                <a:cs typeface="Calibri" panose="020F0502020204030204" pitchFamily="34" charset="0"/>
+              </a:rPr>
+              <a:t>"error" </a:t>
+            </a:r>
+            <a:r>
+              <a:rPr sz="2400" dirty="0">
+                <a:latin typeface="Calibri" panose="020F0502020204030204" pitchFamily="34" charset="0"/>
+                <a:cs typeface="Calibri" panose="020F0502020204030204" pitchFamily="34" charset="0"/>
+              </a:rPr>
+              <a:t>= </a:t>
+            </a:r>
+            <a:r>
+              <a:rPr sz="2400" dirty="0">
+                <a:solidFill>
+                  <a:schemeClr val="accent5">
+                    <a:lumOff val="-29866"/>
+                  </a:schemeClr>
+                </a:solidFill>
+                <a:latin typeface="Calibri" panose="020F0502020204030204" pitchFamily="34" charset="0"/>
+                <a:cs typeface="Calibri" panose="020F0502020204030204" pitchFamily="34" charset="0"/>
+              </a:rPr>
+              <a:t>"loading"</a:t>
+            </a:r>
           </a:p>
         </p:txBody>
       </p:sp>
     </p:spTree>
-    <p:extLst>
-      <p:ext uri="{BB962C8B-B14F-4D97-AF65-F5344CB8AC3E}">
-        <p14:creationId xmlns:p14="http://schemas.microsoft.com/office/powerpoint/2010/main" val="2383841777"/>
-      </p:ext>
-    </p:extLst>
   </p:cSld>
   <p:clrMapOvr>
     <a:masterClrMapping/>
@@ -11169,10 +11000,69 @@
               </a:rPr>
               <a:t>"loading"</a:t>
             </a:r>
+            <a:endParaRPr lang="en-US" sz="2400" dirty="0">
+              <a:solidFill>
+                <a:schemeClr val="accent5">
+                  <a:lumOff val="-29866"/>
+                </a:schemeClr>
+              </a:solidFill>
+              <a:latin typeface="Calibri" panose="020F0502020204030204" pitchFamily="34" charset="0"/>
+              <a:cs typeface="Calibri" panose="020F0502020204030204" pitchFamily="34" charset="0"/>
+            </a:endParaRPr>
+          </a:p>
+          <a:p>
+            <a:pPr marL="648970" lvl="1" indent="-324485" defTabSz="426466">
+              <a:spcBef>
+                <a:spcPts val="3000"/>
+              </a:spcBef>
+              <a:defRPr sz="2336"/>
+            </a:pPr>
+            <a:r>
+              <a:rPr lang="en-US" sz="2400" dirty="0">
+                <a:latin typeface="Calibri" panose="020F0502020204030204" pitchFamily="34" charset="0"/>
+                <a:cs typeface="Calibri" panose="020F0502020204030204" pitchFamily="34" charset="0"/>
+              </a:rPr>
+              <a:t>we can also join more complex types together</a:t>
+            </a:r>
+          </a:p>
+          <a:p>
+            <a:pPr marL="0" lvl="5" indent="834390" defTabSz="426466">
+              <a:spcBef>
+                <a:spcPts val="3000"/>
+              </a:spcBef>
+              <a:buSzTx/>
+              <a:buNone/>
+              <a:defRPr sz="2336"/>
+            </a:pPr>
+            <a:r>
+              <a:rPr lang="en-US" sz="2400" dirty="0">
+                <a:solidFill>
+                  <a:schemeClr val="accent1">
+                    <a:hueOff val="114395"/>
+                    <a:lumOff val="-24975"/>
+                  </a:schemeClr>
+                </a:solidFill>
+                <a:latin typeface="Calibri" panose="020F0502020204030204" pitchFamily="34" charset="0"/>
+                <a:cs typeface="Calibri" panose="020F0502020204030204" pitchFamily="34" charset="0"/>
+              </a:rPr>
+              <a:t>type</a:t>
+            </a:r>
+            <a:r>
+              <a:rPr lang="en-US" sz="2400" dirty="0">
+                <a:latin typeface="Calibri" panose="020F0502020204030204" pitchFamily="34" charset="0"/>
+                <a:cs typeface="Calibri" panose="020F0502020204030204" pitchFamily="34" charset="0"/>
+              </a:rPr>
+              <a:t> Record = Movie | Actor</a:t>
+            </a:r>
           </a:p>
         </p:txBody>
       </p:sp>
     </p:spTree>
+    <p:extLst>
+      <p:ext uri="{BB962C8B-B14F-4D97-AF65-F5344CB8AC3E}">
+        <p14:creationId xmlns:p14="http://schemas.microsoft.com/office/powerpoint/2010/main" val="1661145459"/>
+      </p:ext>
+    </p:extLst>
   </p:cSld>
   <p:clrMapOvr>
     <a:masterClrMapping/>
@@ -11257,7 +11147,7 @@
         </p:spPr>
         <p:txBody>
           <a:bodyPr anchor="t">
-            <a:normAutofit/>
+            <a:normAutofit fontScale="92500" lnSpcReduction="20000"/>
           </a:bodyPr>
           <a:lstStyle/>
           <a:p>
@@ -11446,25 +11336,11 @@
                 <a:latin typeface="Calibri" panose="020F0502020204030204" pitchFamily="34" charset="0"/>
                 <a:cs typeface="Calibri" panose="020F0502020204030204" pitchFamily="34" charset="0"/>
               </a:rPr>
-              <a:t> </a:t>
-            </a:r>
-            <a:r>
-              <a:rPr lang="en-US" sz="2400" dirty="0" err="1">
-                <a:latin typeface="Calibri" panose="020F0502020204030204" pitchFamily="34" charset="0"/>
-                <a:cs typeface="Calibri" panose="020F0502020204030204" pitchFamily="34" charset="0"/>
-              </a:rPr>
-              <a:t>Recor</a:t>
-            </a:r>
-            <a:r>
-              <a:rPr lang="en-US" sz="2400" dirty="0">
-                <a:latin typeface="Calibri" panose="020F0502020204030204" pitchFamily="34" charset="0"/>
-                <a:cs typeface="Calibri" panose="020F0502020204030204" pitchFamily="34" charset="0"/>
-              </a:rPr>
-              <a:t> = Movie | Actor</a:t>
-            </a:r>
-          </a:p>
-          <a:p>
-            <a:pPr marL="648970" lvl="1" indent="-324485" defTabSz="426466">
+              <a:t> Record = Movie | Actor</a:t>
+            </a:r>
+          </a:p>
+          <a:p>
+            <a:pPr marL="204470" indent="-324485" defTabSz="426466">
               <a:spcBef>
                 <a:spcPts val="3000"/>
               </a:spcBef>
@@ -11475,348 +11351,142 @@
                 <a:latin typeface="Calibri" panose="020F0502020204030204" pitchFamily="34" charset="0"/>
                 <a:cs typeface="Calibri" panose="020F0502020204030204" pitchFamily="34" charset="0"/>
               </a:rPr>
-              <a:t>to recover the original type information, we can use a discriminated union</a:t>
-            </a:r>
-          </a:p>
-          <a:p>
-            <a:pPr marL="0" lvl="5" indent="834390" defTabSz="426466">
+              <a:t>To recover the original type information, we can use a discriminated union</a:t>
+            </a:r>
+          </a:p>
+          <a:p>
+            <a:pPr marL="324485" lvl="0" indent="-324485" defTabSz="426466">
               <a:spcBef>
                 <a:spcPts val="3000"/>
               </a:spcBef>
-              <a:buSzTx/>
+              <a:defRPr sz="2336"/>
+            </a:pPr>
+            <a:r>
+              <a:rPr lang="en-US" sz="2400" u="sng" dirty="0">
+                <a:latin typeface="Calibri" panose="020F0502020204030204" pitchFamily="34" charset="0"/>
+                <a:cs typeface="Calibri" panose="020F0502020204030204" pitchFamily="34" charset="0"/>
+              </a:rPr>
+              <a:t>Discriminated union:</a:t>
+            </a:r>
+            <a:r>
+              <a:rPr lang="en-US" sz="2400" dirty="0">
+                <a:latin typeface="Calibri" panose="020F0502020204030204" pitchFamily="34" charset="0"/>
+                <a:cs typeface="Calibri" panose="020F0502020204030204" pitchFamily="34" charset="0"/>
+              </a:rPr>
+              <a:t> an element allows us to discriminate the specific case of a value</a:t>
+            </a:r>
+          </a:p>
+          <a:p>
+            <a:pPr marL="444500" lvl="1" indent="0" defTabSz="426466">
+              <a:spcBef>
+                <a:spcPts val="3000"/>
+              </a:spcBef>
               <a:buNone/>
               <a:defRPr sz="2336"/>
             </a:pPr>
-            <a:endParaRPr sz="2400" dirty="0">
-              <a:solidFill>
-                <a:schemeClr val="accent5">
-                  <a:lumOff val="-29866"/>
-                </a:schemeClr>
-              </a:solidFill>
+            <a:r>
+              <a:rPr lang="en-US" sz="2400" dirty="0">
+                <a:latin typeface="Calibri" panose="020F0502020204030204" pitchFamily="34" charset="0"/>
+                <a:cs typeface="Calibri" panose="020F0502020204030204" pitchFamily="34" charset="0"/>
+              </a:rPr>
+              <a:t>	</a:t>
+            </a:r>
+            <a:r>
+              <a:rPr lang="en-US" sz="2400" dirty="0">
+                <a:solidFill>
+                  <a:srgbClr val="0070C0"/>
+                </a:solidFill>
+                <a:latin typeface="Calibri" panose="020F0502020204030204" pitchFamily="34" charset="0"/>
+                <a:cs typeface="Calibri" panose="020F0502020204030204" pitchFamily="34" charset="0"/>
+              </a:rPr>
+              <a:t>type</a:t>
+            </a:r>
+            <a:r>
+              <a:rPr lang="en-US" sz="2400" dirty="0">
+                <a:latin typeface="Calibri" panose="020F0502020204030204" pitchFamily="34" charset="0"/>
+                <a:cs typeface="Calibri" panose="020F0502020204030204" pitchFamily="34" charset="0"/>
+              </a:rPr>
+              <a:t> Movie = {Kind: </a:t>
+            </a:r>
+            <a:r>
+              <a:rPr lang="en-US" sz="2400" dirty="0">
+                <a:solidFill>
+                  <a:srgbClr val="C00000"/>
+                </a:solidFill>
+                <a:latin typeface="Calibri" panose="020F0502020204030204" pitchFamily="34" charset="0"/>
+                <a:cs typeface="Calibri" panose="020F0502020204030204" pitchFamily="34" charset="0"/>
+              </a:rPr>
+              <a:t>“Movie”, </a:t>
+            </a:r>
+            <a:r>
+              <a:rPr lang="en-US" sz="2400" dirty="0">
+                <a:latin typeface="Calibri" panose="020F0502020204030204" pitchFamily="34" charset="0"/>
+                <a:cs typeface="Calibri" panose="020F0502020204030204" pitchFamily="34" charset="0"/>
+              </a:rPr>
+              <a:t>…} </a:t>
+            </a:r>
+          </a:p>
+          <a:p>
+            <a:pPr marL="444500" lvl="1" indent="0" defTabSz="426466">
+              <a:spcBef>
+                <a:spcPts val="3000"/>
+              </a:spcBef>
+              <a:buNone/>
+              <a:defRPr sz="2336"/>
+            </a:pPr>
+            <a:r>
+              <a:rPr lang="en-US" sz="2400" dirty="0">
+                <a:latin typeface="Calibri" panose="020F0502020204030204" pitchFamily="34" charset="0"/>
+                <a:cs typeface="Calibri" panose="020F0502020204030204" pitchFamily="34" charset="0"/>
+              </a:rPr>
+              <a:t>	</a:t>
+            </a:r>
+            <a:r>
+              <a:rPr lang="en-US" sz="2400" dirty="0">
+                <a:solidFill>
+                  <a:srgbClr val="0070C0"/>
+                </a:solidFill>
+                <a:latin typeface="Calibri" panose="020F0502020204030204" pitchFamily="34" charset="0"/>
+                <a:cs typeface="Calibri" panose="020F0502020204030204" pitchFamily="34" charset="0"/>
+              </a:rPr>
+              <a:t>type</a:t>
+            </a:r>
+            <a:r>
+              <a:rPr lang="en-US" sz="2400" dirty="0">
+                <a:latin typeface="Calibri" panose="020F0502020204030204" pitchFamily="34" charset="0"/>
+                <a:cs typeface="Calibri" panose="020F0502020204030204" pitchFamily="34" charset="0"/>
+              </a:rPr>
+              <a:t> Actor = {Kind: </a:t>
+            </a:r>
+            <a:r>
+              <a:rPr lang="en-US" sz="2400" dirty="0">
+                <a:solidFill>
+                  <a:srgbClr val="C00000"/>
+                </a:solidFill>
+                <a:latin typeface="Calibri" panose="020F0502020204030204" pitchFamily="34" charset="0"/>
+                <a:cs typeface="Calibri" panose="020F0502020204030204" pitchFamily="34" charset="0"/>
+              </a:rPr>
+              <a:t>“Actor”, </a:t>
+            </a:r>
+            <a:r>
+              <a:rPr lang="en-US" sz="2400" dirty="0">
+                <a:latin typeface="Calibri" panose="020F0502020204030204" pitchFamily="34" charset="0"/>
+                <a:cs typeface="Calibri" panose="020F0502020204030204" pitchFamily="34" charset="0"/>
+              </a:rPr>
+              <a:t>...}</a:t>
+            </a:r>
+          </a:p>
+          <a:p>
+            <a:pPr marL="768985" lvl="1" indent="-324485" defTabSz="426466">
+              <a:spcBef>
+                <a:spcPts val="3000"/>
+              </a:spcBef>
+              <a:defRPr sz="2336"/>
+            </a:pPr>
+            <a:endParaRPr lang="en-US" sz="2400" dirty="0">
               <a:latin typeface="Calibri" panose="020F0502020204030204" pitchFamily="34" charset="0"/>
               <a:cs typeface="Calibri" panose="020F0502020204030204" pitchFamily="34" charset="0"/>
             </a:endParaRPr>
-          </a:p>
-        </p:txBody>
-      </p:sp>
-    </p:spTree>
-    <p:extLst>
-      <p:ext uri="{BB962C8B-B14F-4D97-AF65-F5344CB8AC3E}">
-        <p14:creationId xmlns:p14="http://schemas.microsoft.com/office/powerpoint/2010/main" val="1661145459"/>
-      </p:ext>
-    </p:extLst>
-  </p:cSld>
-  <p:clrMapOvr>
-    <a:masterClrMapping/>
-  </p:clrMapOvr>
-  <p:transition spd="med"/>
-</p:sld>
-</file>
-
-<file path=ppt/slides/slide35.xml><?xml version="1.0" encoding="utf-8"?>
-<p:sld xmlns:a="http://schemas.openxmlformats.org/drawingml/2006/main" xmlns:r="http://schemas.openxmlformats.org/officeDocument/2006/relationships" xmlns:p="http://schemas.openxmlformats.org/presentationml/2006/main">
-  <p:cSld>
-    <p:spTree>
-      <p:nvGrpSpPr>
-        <p:cNvPr id="1" name=""/>
-        <p:cNvGrpSpPr/>
-        <p:nvPr/>
-      </p:nvGrpSpPr>
-      <p:grpSpPr>
-        <a:xfrm>
-          <a:off x="0" y="0"/>
-          <a:ext cx="0" cy="0"/>
-          <a:chOff x="0" y="0"/>
-          <a:chExt cx="0" cy="0"/>
-        </a:xfrm>
-      </p:grpSpPr>
-      <p:sp>
-        <p:nvSpPr>
-          <p:cNvPr id="144" name="Types in Typescript"/>
-          <p:cNvSpPr txBox="1">
-            <a:spLocks noGrp="1"/>
-          </p:cNvSpPr>
-          <p:nvPr>
-            <p:ph type="title"/>
-          </p:nvPr>
-        </p:nvSpPr>
-        <p:spPr>
-          <a:prstGeom prst="rect">
-            <a:avLst/>
-          </a:prstGeom>
-        </p:spPr>
-        <p:txBody>
-          <a:bodyPr>
-            <a:normAutofit/>
-          </a:bodyPr>
-          <a:lstStyle/>
-          <a:p>
-            <a:r>
-              <a:rPr sz="4000" dirty="0">
-                <a:latin typeface="Calibri" panose="020F0502020204030204" pitchFamily="34" charset="0"/>
-                <a:cs typeface="Calibri" panose="020F0502020204030204" pitchFamily="34" charset="0"/>
-              </a:rPr>
-              <a:t>Types in Typescript</a:t>
-            </a:r>
-            <a:r>
-              <a:rPr lang="en-US" sz="4000" dirty="0">
-                <a:latin typeface="Calibri" panose="020F0502020204030204" pitchFamily="34" charset="0"/>
-                <a:cs typeface="Calibri" panose="020F0502020204030204" pitchFamily="34" charset="0"/>
-              </a:rPr>
-              <a:t>.</a:t>
-            </a:r>
-            <a:endParaRPr sz="4000" dirty="0">
-              <a:latin typeface="Calibri" panose="020F0502020204030204" pitchFamily="34" charset="0"/>
-              <a:cs typeface="Calibri" panose="020F0502020204030204" pitchFamily="34" charset="0"/>
-            </a:endParaRPr>
-          </a:p>
-        </p:txBody>
-      </p:sp>
-      <p:sp>
-        <p:nvSpPr>
-          <p:cNvPr id="145" name="There are additional types that we don’t have in  languages such as Java and C#…"/>
-          <p:cNvSpPr txBox="1">
-            <a:spLocks noGrp="1"/>
-          </p:cNvSpPr>
-          <p:nvPr>
-            <p:ph type="body" idx="1"/>
-          </p:nvPr>
-        </p:nvSpPr>
-        <p:spPr>
-          <a:prstGeom prst="rect">
-            <a:avLst/>
-          </a:prstGeom>
-        </p:spPr>
-        <p:txBody>
-          <a:bodyPr anchor="t">
-            <a:normAutofit/>
-          </a:bodyPr>
-          <a:lstStyle/>
-          <a:p>
-            <a:pPr marL="324485" indent="-324485" defTabSz="426466">
-              <a:spcBef>
-                <a:spcPts val="3000"/>
-              </a:spcBef>
-              <a:defRPr sz="2336">
-                <a:latin typeface="Helvetica"/>
-                <a:ea typeface="Helvetica"/>
-                <a:cs typeface="Helvetica"/>
-                <a:sym typeface="Helvetica"/>
-              </a:defRPr>
-            </a:pPr>
-            <a:r>
-              <a:rPr sz="2400" dirty="0">
-                <a:latin typeface="Calibri" panose="020F0502020204030204" pitchFamily="34" charset="0"/>
-                <a:cs typeface="Calibri" panose="020F0502020204030204" pitchFamily="34" charset="0"/>
-              </a:rPr>
-              <a:t>There are additional types that we don’t have in  languages such as Java and C#</a:t>
-            </a:r>
-          </a:p>
-          <a:p>
-            <a:pPr marL="324485" indent="-324485" defTabSz="426466">
-              <a:spcBef>
-                <a:spcPts val="3000"/>
-              </a:spcBef>
-              <a:defRPr sz="2336" u="sng">
-                <a:latin typeface="Helvetica"/>
-                <a:ea typeface="Helvetica"/>
-                <a:cs typeface="Helvetica"/>
-                <a:sym typeface="Helvetica"/>
-              </a:defRPr>
-            </a:pPr>
-            <a:r>
-              <a:rPr sz="2400" dirty="0">
-                <a:latin typeface="Calibri" panose="020F0502020204030204" pitchFamily="34" charset="0"/>
-                <a:cs typeface="Calibri" panose="020F0502020204030204" pitchFamily="34" charset="0"/>
-              </a:rPr>
-              <a:t>Union types</a:t>
-            </a:r>
-          </a:p>
-          <a:p>
-            <a:pPr marL="648970" lvl="1" indent="-324485" defTabSz="426466">
-              <a:spcBef>
-                <a:spcPts val="3000"/>
-              </a:spcBef>
-              <a:defRPr sz="2336"/>
-            </a:pPr>
-            <a:r>
-              <a:rPr sz="2400" dirty="0">
-                <a:latin typeface="Calibri" panose="020F0502020204030204" pitchFamily="34" charset="0"/>
-                <a:cs typeface="Calibri" panose="020F0502020204030204" pitchFamily="34" charset="0"/>
-              </a:rPr>
-              <a:t>we can join types together, obtaining all values of both types:</a:t>
-            </a:r>
-          </a:p>
-          <a:p>
-            <a:pPr marL="0" lvl="5" indent="834390" defTabSz="426466">
-              <a:spcBef>
-                <a:spcPts val="3000"/>
-              </a:spcBef>
-              <a:buSzTx/>
-              <a:buNone/>
-              <a:defRPr sz="2336"/>
-            </a:pPr>
-            <a:r>
-              <a:rPr sz="2400" dirty="0">
-                <a:solidFill>
-                  <a:schemeClr val="accent1">
-                    <a:hueOff val="114395"/>
-                    <a:lumOff val="-24975"/>
-                  </a:schemeClr>
-                </a:solidFill>
-                <a:latin typeface="Calibri" panose="020F0502020204030204" pitchFamily="34" charset="0"/>
-                <a:cs typeface="Calibri" panose="020F0502020204030204" pitchFamily="34" charset="0"/>
-              </a:rPr>
-              <a:t>let</a:t>
-            </a:r>
-            <a:r>
-              <a:rPr sz="2400" dirty="0">
-                <a:latin typeface="Calibri" panose="020F0502020204030204" pitchFamily="34" charset="0"/>
-                <a:cs typeface="Calibri" panose="020F0502020204030204" pitchFamily="34" charset="0"/>
-              </a:rPr>
-              <a:t> x1: number | </a:t>
-            </a:r>
-            <a:r>
-              <a:rPr sz="2400" dirty="0">
-                <a:solidFill>
-                  <a:schemeClr val="accent5">
-                    <a:lumOff val="-29866"/>
-                  </a:schemeClr>
-                </a:solidFill>
-                <a:latin typeface="Calibri" panose="020F0502020204030204" pitchFamily="34" charset="0"/>
-                <a:cs typeface="Calibri" panose="020F0502020204030204" pitchFamily="34" charset="0"/>
-              </a:rPr>
-              <a:t>"loading"</a:t>
-            </a:r>
-            <a:r>
-              <a:rPr sz="2400" dirty="0">
-                <a:latin typeface="Calibri" panose="020F0502020204030204" pitchFamily="34" charset="0"/>
-                <a:cs typeface="Calibri" panose="020F0502020204030204" pitchFamily="34" charset="0"/>
-              </a:rPr>
-              <a:t> | </a:t>
-            </a:r>
-            <a:r>
-              <a:rPr sz="2400" dirty="0">
-                <a:solidFill>
-                  <a:schemeClr val="accent5">
-                    <a:lumOff val="-29866"/>
-                  </a:schemeClr>
-                </a:solidFill>
-                <a:latin typeface="Calibri" panose="020F0502020204030204" pitchFamily="34" charset="0"/>
-                <a:cs typeface="Calibri" panose="020F0502020204030204" pitchFamily="34" charset="0"/>
-              </a:rPr>
-              <a:t>"error" </a:t>
-            </a:r>
-            <a:r>
-              <a:rPr sz="2400" dirty="0">
-                <a:latin typeface="Calibri" panose="020F0502020204030204" pitchFamily="34" charset="0"/>
-                <a:cs typeface="Calibri" panose="020F0502020204030204" pitchFamily="34" charset="0"/>
-              </a:rPr>
-              <a:t>= </a:t>
-            </a:r>
-            <a:r>
-              <a:rPr sz="2400" dirty="0">
-                <a:solidFill>
-                  <a:schemeClr val="accent5">
-                    <a:lumOff val="-29866"/>
-                  </a:schemeClr>
-                </a:solidFill>
-                <a:latin typeface="Calibri" panose="020F0502020204030204" pitchFamily="34" charset="0"/>
-                <a:cs typeface="Calibri" panose="020F0502020204030204" pitchFamily="34" charset="0"/>
-              </a:rPr>
-              <a:t>"loading"</a:t>
-            </a:r>
-            <a:endParaRPr lang="en-US" sz="2400" dirty="0">
-              <a:solidFill>
-                <a:schemeClr val="accent5">
-                  <a:lumOff val="-29866"/>
-                </a:schemeClr>
-              </a:solidFill>
-              <a:latin typeface="Calibri" panose="020F0502020204030204" pitchFamily="34" charset="0"/>
-              <a:cs typeface="Calibri" panose="020F0502020204030204" pitchFamily="34" charset="0"/>
-            </a:endParaRPr>
-          </a:p>
-          <a:p>
-            <a:pPr marL="648970" lvl="1" indent="-324485" defTabSz="426466">
-              <a:spcBef>
-                <a:spcPts val="3000"/>
-              </a:spcBef>
-              <a:defRPr sz="2336"/>
-            </a:pPr>
-            <a:r>
-              <a:rPr lang="en-US" sz="2400" dirty="0">
-                <a:latin typeface="Calibri" panose="020F0502020204030204" pitchFamily="34" charset="0"/>
-                <a:cs typeface="Calibri" panose="020F0502020204030204" pitchFamily="34" charset="0"/>
-              </a:rPr>
-              <a:t>we can also join more complex types together</a:t>
-            </a:r>
-          </a:p>
-          <a:p>
-            <a:pPr marL="0" lvl="5" indent="834390" defTabSz="426466">
-              <a:spcBef>
-                <a:spcPts val="3000"/>
-              </a:spcBef>
-              <a:buSzTx/>
-              <a:buNone/>
-              <a:defRPr sz="2336"/>
-            </a:pPr>
-            <a:r>
-              <a:rPr lang="en-US" sz="2400" dirty="0">
-                <a:solidFill>
-                  <a:schemeClr val="accent1">
-                    <a:hueOff val="114395"/>
-                    <a:lumOff val="-24975"/>
-                  </a:schemeClr>
-                </a:solidFill>
-                <a:latin typeface="Calibri" panose="020F0502020204030204" pitchFamily="34" charset="0"/>
-                <a:cs typeface="Calibri" panose="020F0502020204030204" pitchFamily="34" charset="0"/>
-              </a:rPr>
-              <a:t>type</a:t>
-            </a:r>
-            <a:r>
-              <a:rPr lang="en-US" sz="2400" dirty="0">
-                <a:latin typeface="Calibri" panose="020F0502020204030204" pitchFamily="34" charset="0"/>
-                <a:cs typeface="Calibri" panose="020F0502020204030204" pitchFamily="34" charset="0"/>
-              </a:rPr>
-              <a:t> Record = Movie | Actor</a:t>
-            </a:r>
-          </a:p>
-          <a:p>
-            <a:pPr marL="648970" lvl="1" indent="-324485" defTabSz="426466">
-              <a:spcBef>
-                <a:spcPts val="3000"/>
-              </a:spcBef>
-              <a:defRPr sz="2336"/>
-            </a:pPr>
-            <a:r>
-              <a:rPr lang="en-US" sz="2400" dirty="0">
-                <a:latin typeface="Calibri" panose="020F0502020204030204" pitchFamily="34" charset="0"/>
-                <a:cs typeface="Calibri" panose="020F0502020204030204" pitchFamily="34" charset="0"/>
-              </a:rPr>
-              <a:t>to recover the original type information, we can use a discriminated union</a:t>
-            </a:r>
-          </a:p>
-          <a:p>
-            <a:pPr marL="324485" lvl="0" indent="-324485" defTabSz="426466">
-              <a:spcBef>
-                <a:spcPts val="3000"/>
-              </a:spcBef>
-              <a:defRPr sz="2336"/>
-            </a:pPr>
-            <a:r>
-              <a:rPr lang="en-US" sz="2400" u="sng" dirty="0">
-                <a:latin typeface="Calibri" panose="020F0502020204030204" pitchFamily="34" charset="0"/>
-                <a:cs typeface="Calibri" panose="020F0502020204030204" pitchFamily="34" charset="0"/>
-              </a:rPr>
-              <a:t>Discriminated union:</a:t>
-            </a:r>
-            <a:r>
-              <a:rPr lang="en-US" sz="2400" dirty="0">
-                <a:latin typeface="Calibri" panose="020F0502020204030204" pitchFamily="34" charset="0"/>
-                <a:cs typeface="Calibri" panose="020F0502020204030204" pitchFamily="34" charset="0"/>
-              </a:rPr>
-              <a:t> an element allows us to discriminate the specific case of a value</a:t>
-            </a:r>
           </a:p>
           <a:p>
             <a:pPr marL="0" lvl="5" indent="834390" defTabSz="426466">
@@ -11853,7 +11523,7 @@
 </p:sld>
 </file>
 
-<file path=ppt/slides/slide36.xml><?xml version="1.0" encoding="utf-8"?>
+<file path=ppt/slides/slide35.xml><?xml version="1.0" encoding="utf-8"?>
 <p:sld xmlns:a="http://schemas.openxmlformats.org/drawingml/2006/main" xmlns:r="http://schemas.openxmlformats.org/officeDocument/2006/relationships" xmlns:p="http://schemas.openxmlformats.org/presentationml/2006/main">
   <p:cSld>
     <p:spTree>
@@ -12083,6 +11753,427 @@
                 <a:cs typeface="Calibri" panose="020F0502020204030204" pitchFamily="34" charset="0"/>
               </a:rPr>
               <a:t>}</a:t>
+            </a:r>
+            <a:endParaRPr sz="2400" dirty="0">
+              <a:latin typeface="Calibri" panose="020F0502020204030204" pitchFamily="34" charset="0"/>
+              <a:cs typeface="Calibri" panose="020F0502020204030204" pitchFamily="34" charset="0"/>
+            </a:endParaRPr>
+          </a:p>
+        </p:txBody>
+      </p:sp>
+    </p:spTree>
+  </p:cSld>
+  <p:clrMapOvr>
+    <a:masterClrMapping/>
+  </p:clrMapOvr>
+  <p:transition spd="med"/>
+</p:sld>
+</file>
+
+<file path=ppt/slides/slide36.xml><?xml version="1.0" encoding="utf-8"?>
+<p:sld xmlns:a="http://schemas.openxmlformats.org/drawingml/2006/main" xmlns:r="http://schemas.openxmlformats.org/officeDocument/2006/relationships" xmlns:p="http://schemas.openxmlformats.org/presentationml/2006/main">
+  <p:cSld>
+    <p:spTree>
+      <p:nvGrpSpPr>
+        <p:cNvPr id="1" name=""/>
+        <p:cNvGrpSpPr/>
+        <p:nvPr/>
+      </p:nvGrpSpPr>
+      <p:grpSpPr>
+        <a:xfrm>
+          <a:off x="0" y="0"/>
+          <a:ext cx="0" cy="0"/>
+          <a:chOff x="0" y="0"/>
+          <a:chExt cx="0" cy="0"/>
+        </a:xfrm>
+      </p:grpSpPr>
+      <p:sp>
+        <p:nvSpPr>
+          <p:cNvPr id="150" name="Types in Typescript"/>
+          <p:cNvSpPr txBox="1">
+            <a:spLocks noGrp="1"/>
+          </p:cNvSpPr>
+          <p:nvPr>
+            <p:ph type="title"/>
+          </p:nvPr>
+        </p:nvSpPr>
+        <p:spPr>
+          <a:prstGeom prst="rect">
+            <a:avLst/>
+          </a:prstGeom>
+        </p:spPr>
+        <p:txBody>
+          <a:bodyPr>
+            <a:normAutofit/>
+          </a:bodyPr>
+          <a:lstStyle/>
+          <a:p>
+            <a:r>
+              <a:rPr sz="4000" dirty="0">
+                <a:latin typeface="Calibri" panose="020F0502020204030204" pitchFamily="34" charset="0"/>
+                <a:cs typeface="Calibri" panose="020F0502020204030204" pitchFamily="34" charset="0"/>
+              </a:rPr>
+              <a:t>Types </a:t>
+            </a:r>
+            <a:r>
+              <a:rPr sz="4000">
+                <a:latin typeface="Calibri" panose="020F0502020204030204" pitchFamily="34" charset="0"/>
+                <a:cs typeface="Calibri" panose="020F0502020204030204" pitchFamily="34" charset="0"/>
+              </a:rPr>
+              <a:t>in Typescript</a:t>
+            </a:r>
+            <a:r>
+              <a:rPr lang="en-US" sz="4000">
+                <a:latin typeface="Calibri" panose="020F0502020204030204" pitchFamily="34" charset="0"/>
+                <a:cs typeface="Calibri" panose="020F0502020204030204" pitchFamily="34" charset="0"/>
+              </a:rPr>
+              <a:t>..</a:t>
+            </a:r>
+            <a:endParaRPr sz="4000" dirty="0">
+              <a:latin typeface="Calibri" panose="020F0502020204030204" pitchFamily="34" charset="0"/>
+              <a:cs typeface="Calibri" panose="020F0502020204030204" pitchFamily="34" charset="0"/>
+            </a:endParaRPr>
+          </a:p>
+        </p:txBody>
+      </p:sp>
+      <p:sp>
+        <p:nvSpPr>
+          <p:cNvPr id="151" name="Union is a sort of sum, or set union:…"/>
+          <p:cNvSpPr txBox="1">
+            <a:spLocks noGrp="1"/>
+          </p:cNvSpPr>
+          <p:nvPr>
+            <p:ph type="body" idx="1"/>
+          </p:nvPr>
+        </p:nvSpPr>
+        <p:spPr>
+          <a:prstGeom prst="rect">
+            <a:avLst/>
+          </a:prstGeom>
+        </p:spPr>
+        <p:txBody>
+          <a:bodyPr anchor="t">
+            <a:noAutofit/>
+          </a:bodyPr>
+          <a:lstStyle/>
+          <a:p>
+            <a:pPr marL="284479" indent="-284479" defTabSz="292607">
+              <a:lnSpc>
+                <a:spcPts val="3700"/>
+              </a:lnSpc>
+              <a:spcBef>
+                <a:spcPts val="0"/>
+              </a:spcBef>
+              <a:tabLst>
+                <a:tab pos="88900" algn="l"/>
+                <a:tab pos="292100" algn="l"/>
+              </a:tabLst>
+              <a:defRPr sz="2048">
+                <a:latin typeface="Helvetica"/>
+                <a:ea typeface="Helvetica"/>
+                <a:cs typeface="Helvetica"/>
+                <a:sym typeface="Helvetica"/>
+              </a:defRPr>
+            </a:pPr>
+            <a:r>
+              <a:rPr sz="2400" dirty="0">
+                <a:latin typeface="Calibri" panose="020F0502020204030204" pitchFamily="34" charset="0"/>
+                <a:cs typeface="Calibri" panose="020F0502020204030204" pitchFamily="34" charset="0"/>
+              </a:rPr>
+              <a:t>U</a:t>
+            </a:r>
+            <a:r>
+              <a:rPr sz="2400" u="sng" dirty="0">
+                <a:latin typeface="Calibri" panose="020F0502020204030204" pitchFamily="34" charset="0"/>
+                <a:cs typeface="Calibri" panose="020F0502020204030204" pitchFamily="34" charset="0"/>
+              </a:rPr>
+              <a:t>nion</a:t>
+            </a:r>
+            <a:r>
+              <a:rPr sz="2400" dirty="0">
+                <a:latin typeface="Calibri" panose="020F0502020204030204" pitchFamily="34" charset="0"/>
+                <a:cs typeface="Calibri" panose="020F0502020204030204" pitchFamily="34" charset="0"/>
+              </a:rPr>
+              <a:t> is a sort of sum, or set union: </a:t>
+            </a:r>
+          </a:p>
+          <a:p>
+            <a:pPr marL="568959" lvl="1" indent="-284479" defTabSz="292607">
+              <a:lnSpc>
+                <a:spcPts val="3700"/>
+              </a:lnSpc>
+              <a:spcBef>
+                <a:spcPts val="0"/>
+              </a:spcBef>
+              <a:tabLst>
+                <a:tab pos="88900" algn="l"/>
+                <a:tab pos="292100" algn="l"/>
+              </a:tabLst>
+              <a:defRPr sz="2048">
+                <a:latin typeface="Helvetica"/>
+                <a:ea typeface="Helvetica"/>
+                <a:cs typeface="Helvetica"/>
+                <a:sym typeface="Helvetica"/>
+              </a:defRPr>
+            </a:pPr>
+            <a:r>
+              <a:rPr sz="2400" dirty="0">
+                <a:latin typeface="Calibri" panose="020F0502020204030204" pitchFamily="34" charset="0"/>
+                <a:cs typeface="Calibri" panose="020F0502020204030204" pitchFamily="34" charset="0"/>
+              </a:rPr>
+              <a:t>A | B is a type that contains:</a:t>
+            </a:r>
+          </a:p>
+          <a:p>
+            <a:pPr marL="853439" lvl="2" indent="-284479" defTabSz="292607">
+              <a:lnSpc>
+                <a:spcPts val="3700"/>
+              </a:lnSpc>
+              <a:spcBef>
+                <a:spcPts val="0"/>
+              </a:spcBef>
+              <a:tabLst>
+                <a:tab pos="88900" algn="l"/>
+                <a:tab pos="292100" algn="l"/>
+              </a:tabLst>
+              <a:defRPr sz="2048">
+                <a:latin typeface="Helvetica"/>
+                <a:ea typeface="Helvetica"/>
+                <a:cs typeface="Helvetica"/>
+                <a:sym typeface="Helvetica"/>
+              </a:defRPr>
+            </a:pPr>
+            <a:r>
+              <a:rPr sz="2400" dirty="0">
+                <a:latin typeface="Calibri" panose="020F0502020204030204" pitchFamily="34" charset="0"/>
+                <a:cs typeface="Calibri" panose="020F0502020204030204" pitchFamily="34" charset="0"/>
+              </a:rPr>
+              <a:t>all the values of A, </a:t>
+            </a:r>
+          </a:p>
+          <a:p>
+            <a:pPr marL="853439" lvl="2" indent="-284479" defTabSz="292607">
+              <a:lnSpc>
+                <a:spcPts val="3700"/>
+              </a:lnSpc>
+              <a:spcBef>
+                <a:spcPts val="0"/>
+              </a:spcBef>
+              <a:tabLst>
+                <a:tab pos="88900" algn="l"/>
+                <a:tab pos="292100" algn="l"/>
+              </a:tabLst>
+              <a:defRPr sz="2048">
+                <a:latin typeface="Helvetica"/>
+                <a:ea typeface="Helvetica"/>
+                <a:cs typeface="Helvetica"/>
+                <a:sym typeface="Helvetica"/>
+              </a:defRPr>
+            </a:pPr>
+            <a:r>
+              <a:rPr sz="2400" dirty="0">
+                <a:latin typeface="Calibri" panose="020F0502020204030204" pitchFamily="34" charset="0"/>
+                <a:cs typeface="Calibri" panose="020F0502020204030204" pitchFamily="34" charset="0"/>
+              </a:rPr>
+              <a:t>and all the values of B, one next to each other;</a:t>
+            </a:r>
+          </a:p>
+          <a:p>
+            <a:pPr marL="0" lvl="5" indent="731519" defTabSz="292607">
+              <a:lnSpc>
+                <a:spcPts val="3400"/>
+              </a:lnSpc>
+              <a:spcBef>
+                <a:spcPts val="0"/>
+              </a:spcBef>
+              <a:buSzTx/>
+              <a:buNone/>
+              <a:defRPr sz="2048">
+                <a:latin typeface="Helvetica"/>
+                <a:ea typeface="Helvetica"/>
+                <a:cs typeface="Helvetica"/>
+                <a:sym typeface="Helvetica"/>
+              </a:defRPr>
+            </a:pPr>
+            <a:r>
+              <a:rPr sz="2400" dirty="0">
+                <a:solidFill>
+                  <a:schemeClr val="accent1">
+                    <a:hueOff val="114395"/>
+                    <a:lumOff val="-24975"/>
+                  </a:schemeClr>
+                </a:solidFill>
+                <a:latin typeface="Calibri" panose="020F0502020204030204" pitchFamily="34" charset="0"/>
+                <a:cs typeface="Calibri" panose="020F0502020204030204" pitchFamily="34" charset="0"/>
+              </a:rPr>
+              <a:t>type</a:t>
+            </a:r>
+            <a:r>
+              <a:rPr sz="2400" dirty="0">
+                <a:latin typeface="Calibri" panose="020F0502020204030204" pitchFamily="34" charset="0"/>
+                <a:cs typeface="Calibri" panose="020F0502020204030204" pitchFamily="34" charset="0"/>
+              </a:rPr>
+              <a:t> A = { x:</a:t>
+            </a:r>
+            <a:r>
+              <a:rPr sz="2400" dirty="0">
+                <a:solidFill>
+                  <a:schemeClr val="accent5">
+                    <a:lumOff val="-29866"/>
+                  </a:schemeClr>
+                </a:solidFill>
+                <a:latin typeface="Calibri" panose="020F0502020204030204" pitchFamily="34" charset="0"/>
+                <a:cs typeface="Calibri" panose="020F0502020204030204" pitchFamily="34" charset="0"/>
+              </a:rPr>
+              <a:t>"A1"</a:t>
+            </a:r>
+            <a:r>
+              <a:rPr sz="2400" dirty="0">
+                <a:latin typeface="Calibri" panose="020F0502020204030204" pitchFamily="34" charset="0"/>
+                <a:cs typeface="Calibri" panose="020F0502020204030204" pitchFamily="34" charset="0"/>
+              </a:rPr>
+              <a:t> | </a:t>
+            </a:r>
+            <a:r>
+              <a:rPr sz="2400" dirty="0">
+                <a:solidFill>
+                  <a:schemeClr val="accent5">
+                    <a:lumOff val="-29866"/>
+                  </a:schemeClr>
+                </a:solidFill>
+                <a:latin typeface="Calibri" panose="020F0502020204030204" pitchFamily="34" charset="0"/>
+                <a:cs typeface="Calibri" panose="020F0502020204030204" pitchFamily="34" charset="0"/>
+              </a:rPr>
+              <a:t>"A2"</a:t>
+            </a:r>
+            <a:r>
+              <a:rPr sz="2400" dirty="0">
+                <a:latin typeface="Calibri" panose="020F0502020204030204" pitchFamily="34" charset="0"/>
+                <a:cs typeface="Calibri" panose="020F0502020204030204" pitchFamily="34" charset="0"/>
+              </a:rPr>
+              <a:t> } </a:t>
+            </a:r>
+          </a:p>
+          <a:p>
+            <a:pPr marL="0" lvl="5" indent="731519" defTabSz="292607">
+              <a:lnSpc>
+                <a:spcPts val="3400"/>
+              </a:lnSpc>
+              <a:spcBef>
+                <a:spcPts val="0"/>
+              </a:spcBef>
+              <a:buSzTx/>
+              <a:buNone/>
+              <a:defRPr sz="2048">
+                <a:latin typeface="Helvetica"/>
+                <a:ea typeface="Helvetica"/>
+                <a:cs typeface="Helvetica"/>
+                <a:sym typeface="Helvetica"/>
+              </a:defRPr>
+            </a:pPr>
+            <a:r>
+              <a:rPr sz="2400" dirty="0">
+                <a:solidFill>
+                  <a:schemeClr val="accent1">
+                    <a:hueOff val="114395"/>
+                    <a:lumOff val="-24975"/>
+                  </a:schemeClr>
+                </a:solidFill>
+                <a:latin typeface="Calibri" panose="020F0502020204030204" pitchFamily="34" charset="0"/>
+                <a:cs typeface="Calibri" panose="020F0502020204030204" pitchFamily="34" charset="0"/>
+              </a:rPr>
+              <a:t>type</a:t>
+            </a:r>
+            <a:r>
+              <a:rPr sz="2400" dirty="0">
+                <a:latin typeface="Calibri" panose="020F0502020204030204" pitchFamily="34" charset="0"/>
+                <a:cs typeface="Calibri" panose="020F0502020204030204" pitchFamily="34" charset="0"/>
+              </a:rPr>
+              <a:t> B = { y:</a:t>
+            </a:r>
+            <a:r>
+              <a:rPr sz="2400" dirty="0">
+                <a:solidFill>
+                  <a:schemeClr val="accent5">
+                    <a:lumOff val="-29866"/>
+                  </a:schemeClr>
+                </a:solidFill>
+                <a:latin typeface="Calibri" panose="020F0502020204030204" pitchFamily="34" charset="0"/>
+                <a:cs typeface="Calibri" panose="020F0502020204030204" pitchFamily="34" charset="0"/>
+              </a:rPr>
+              <a:t>"B1"</a:t>
+            </a:r>
+            <a:r>
+              <a:rPr sz="2400" dirty="0">
+                <a:latin typeface="Calibri" panose="020F0502020204030204" pitchFamily="34" charset="0"/>
+                <a:cs typeface="Calibri" panose="020F0502020204030204" pitchFamily="34" charset="0"/>
+              </a:rPr>
+              <a:t> | </a:t>
+            </a:r>
+            <a:r>
+              <a:rPr sz="2400" dirty="0">
+                <a:solidFill>
+                  <a:schemeClr val="accent5">
+                    <a:lumOff val="-29866"/>
+                  </a:schemeClr>
+                </a:solidFill>
+                <a:latin typeface="Calibri" panose="020F0502020204030204" pitchFamily="34" charset="0"/>
+                <a:cs typeface="Calibri" panose="020F0502020204030204" pitchFamily="34" charset="0"/>
+              </a:rPr>
+              <a:t>"B2"</a:t>
+            </a:r>
+            <a:r>
+              <a:rPr sz="2400" dirty="0">
+                <a:latin typeface="Calibri" panose="020F0502020204030204" pitchFamily="34" charset="0"/>
+                <a:cs typeface="Calibri" panose="020F0502020204030204" pitchFamily="34" charset="0"/>
+              </a:rPr>
+              <a:t> | </a:t>
+            </a:r>
+            <a:r>
+              <a:rPr sz="2400" dirty="0">
+                <a:solidFill>
+                  <a:schemeClr val="accent5">
+                    <a:lumOff val="-29866"/>
+                  </a:schemeClr>
+                </a:solidFill>
+                <a:latin typeface="Calibri" panose="020F0502020204030204" pitchFamily="34" charset="0"/>
+                <a:cs typeface="Calibri" panose="020F0502020204030204" pitchFamily="34" charset="0"/>
+              </a:rPr>
+              <a:t>"B3"</a:t>
+            </a:r>
+            <a:r>
+              <a:rPr sz="2400" dirty="0">
+                <a:latin typeface="Calibri" panose="020F0502020204030204" pitchFamily="34" charset="0"/>
+                <a:cs typeface="Calibri" panose="020F0502020204030204" pitchFamily="34" charset="0"/>
+              </a:rPr>
+              <a:t> }</a:t>
+            </a:r>
+          </a:p>
+          <a:p>
+            <a:pPr marL="853439" lvl="2" indent="-284479" defTabSz="292607">
+              <a:lnSpc>
+                <a:spcPts val="3700"/>
+              </a:lnSpc>
+              <a:spcBef>
+                <a:spcPts val="0"/>
+              </a:spcBef>
+              <a:tabLst>
+                <a:tab pos="88900" algn="l"/>
+                <a:tab pos="292100" algn="l"/>
+              </a:tabLst>
+              <a:defRPr sz="2048">
+                <a:latin typeface="Helvetica"/>
+                <a:ea typeface="Helvetica"/>
+                <a:cs typeface="Helvetica"/>
+                <a:sym typeface="Helvetica"/>
+              </a:defRPr>
+            </a:pPr>
+            <a:r>
+              <a:rPr lang="en-US" sz="2400" dirty="0">
+                <a:latin typeface="Calibri" panose="020F0502020204030204" pitchFamily="34" charset="0"/>
+                <a:cs typeface="Calibri" panose="020F0502020204030204" pitchFamily="34" charset="0"/>
+              </a:rPr>
+              <a:t>What are possible values of A | B?</a:t>
             </a:r>
             <a:endParaRPr sz="2400" dirty="0">
               <a:latin typeface="Calibri" panose="020F0502020204030204" pitchFamily="34" charset="0"/>
@@ -12478,6 +12569,10 @@
               </a:rPr>
               <a:t> }</a:t>
             </a:r>
+            <a:endParaRPr lang="en-US" sz="2400" dirty="0">
+              <a:latin typeface="Calibri" panose="020F0502020204030204" pitchFamily="34" charset="0"/>
+              <a:cs typeface="Calibri" panose="020F0502020204030204" pitchFamily="34" charset="0"/>
+            </a:endParaRPr>
           </a:p>
           <a:p>
             <a:pPr marL="853439" lvl="2" indent="-284479" defTabSz="292607">
@@ -12503,16 +12598,17 @@
                 <a:latin typeface="Calibri" panose="020F0502020204030204" pitchFamily="34" charset="0"/>
                 <a:cs typeface="Calibri" panose="020F0502020204030204" pitchFamily="34" charset="0"/>
               </a:rPr>
-              <a:t>What are possible values of A | B?</a:t>
-            </a:r>
-            <a:endParaRPr sz="2400" dirty="0">
-              <a:latin typeface="Calibri" panose="020F0502020204030204" pitchFamily="34" charset="0"/>
-              <a:cs typeface="Calibri" panose="020F0502020204030204" pitchFamily="34" charset="0"/>
-            </a:endParaRPr>
+              <a:t>Values of A | B are { x:"A1" }, { x:"A2" }, but also { y:"B1" }, etc. There are five of them;</a:t>
+            </a:r>
           </a:p>
         </p:txBody>
       </p:sp>
     </p:spTree>
+    <p:extLst>
+      <p:ext uri="{BB962C8B-B14F-4D97-AF65-F5344CB8AC3E}">
+        <p14:creationId xmlns:p14="http://schemas.microsoft.com/office/powerpoint/2010/main" val="1932147744"/>
+      </p:ext>
+    </p:extLst>
   </p:cSld>
   <p:clrMapOvr>
     <a:masterClrMapping/>
@@ -12598,6 +12694,10 @@
           </p:nvPr>
         </p:nvSpPr>
         <p:spPr>
+          <a:xfrm>
+            <a:off x="952500" y="2413000"/>
+            <a:ext cx="11099800" cy="6597805"/>
+          </a:xfrm>
           <a:prstGeom prst="rect">
             <a:avLst/>
           </a:prstGeom>
@@ -12899,10 +12999,6 @@
               </a:rPr>
               <a:t> }</a:t>
             </a:r>
-            <a:endParaRPr lang="en-US" sz="2400" dirty="0">
-              <a:latin typeface="Calibri" panose="020F0502020204030204" pitchFamily="34" charset="0"/>
-              <a:cs typeface="Calibri" panose="020F0502020204030204" pitchFamily="34" charset="0"/>
-            </a:endParaRPr>
           </a:p>
           <a:p>
             <a:pPr marL="853439" lvl="2" indent="-284479" defTabSz="292607">
@@ -12928,15 +13024,330 @@
                 <a:latin typeface="Calibri" panose="020F0502020204030204" pitchFamily="34" charset="0"/>
                 <a:cs typeface="Calibri" panose="020F0502020204030204" pitchFamily="34" charset="0"/>
               </a:rPr>
-              <a:t>Values of A | B are { x:"A1" }, { x:"A2" }, but also { y:"B1" }, etc. There are five of them;</a:t>
-            </a:r>
+              <a:t>V</a:t>
+            </a:r>
+            <a:r>
+              <a:rPr sz="2400" dirty="0">
+                <a:latin typeface="Calibri" panose="020F0502020204030204" pitchFamily="34" charset="0"/>
+                <a:cs typeface="Calibri" panose="020F0502020204030204" pitchFamily="34" charset="0"/>
+              </a:rPr>
+              <a:t>alues of A | B are { x:"A1" }, { x:"A2" }, but also { y:"B1" }, etc. There are five of them;</a:t>
+            </a:r>
+            <a:endParaRPr lang="en-US" sz="2400" dirty="0">
+              <a:latin typeface="Calibri" panose="020F0502020204030204" pitchFamily="34" charset="0"/>
+              <a:cs typeface="Calibri" panose="020F0502020204030204" pitchFamily="34" charset="0"/>
+            </a:endParaRPr>
+          </a:p>
+          <a:p>
+            <a:pPr marL="284479" indent="-284479" defTabSz="292607">
+              <a:lnSpc>
+                <a:spcPts val="3700"/>
+              </a:lnSpc>
+              <a:spcBef>
+                <a:spcPts val="0"/>
+              </a:spcBef>
+              <a:tabLst>
+                <a:tab pos="88900" algn="l"/>
+                <a:tab pos="292100" algn="l"/>
+              </a:tabLst>
+              <a:defRPr sz="2048">
+                <a:latin typeface="Helvetica"/>
+                <a:ea typeface="Helvetica"/>
+                <a:cs typeface="Helvetica"/>
+                <a:sym typeface="Helvetica"/>
+              </a:defRPr>
+            </a:pPr>
+            <a:r>
+              <a:rPr lang="en-US" sz="2400" dirty="0">
+                <a:latin typeface="Calibri" panose="020F0502020204030204" pitchFamily="34" charset="0"/>
+                <a:cs typeface="Calibri" panose="020F0502020204030204" pitchFamily="34" charset="0"/>
+              </a:rPr>
+              <a:t>	I</a:t>
+            </a:r>
+            <a:r>
+              <a:rPr lang="en-US" sz="2400" u="sng" dirty="0">
+                <a:latin typeface="Calibri" panose="020F0502020204030204" pitchFamily="34" charset="0"/>
+                <a:cs typeface="Calibri" panose="020F0502020204030204" pitchFamily="34" charset="0"/>
+              </a:rPr>
+              <a:t>ntersection</a:t>
+            </a:r>
+            <a:r>
+              <a:rPr lang="en-US" sz="2400" dirty="0">
+                <a:latin typeface="Calibri" panose="020F0502020204030204" pitchFamily="34" charset="0"/>
+                <a:cs typeface="Calibri" panose="020F0502020204030204" pitchFamily="34" charset="0"/>
+              </a:rPr>
+              <a:t> is a sort of product, or cartesian product over sets:</a:t>
+            </a:r>
+          </a:p>
+          <a:p>
+            <a:pPr marL="568959" lvl="1" indent="-284479" defTabSz="292607">
+              <a:lnSpc>
+                <a:spcPts val="3700"/>
+              </a:lnSpc>
+              <a:spcBef>
+                <a:spcPts val="0"/>
+              </a:spcBef>
+              <a:tabLst>
+                <a:tab pos="88900" algn="l"/>
+                <a:tab pos="292100" algn="l"/>
+              </a:tabLst>
+              <a:defRPr sz="2048">
+                <a:latin typeface="Helvetica"/>
+                <a:ea typeface="Helvetica"/>
+                <a:cs typeface="Helvetica"/>
+                <a:sym typeface="Helvetica"/>
+              </a:defRPr>
+            </a:pPr>
+            <a:r>
+              <a:rPr lang="en-US" sz="2400" dirty="0">
+                <a:latin typeface="Calibri" panose="020F0502020204030204" pitchFamily="34" charset="0"/>
+                <a:cs typeface="Calibri" panose="020F0502020204030204" pitchFamily="34" charset="0"/>
+              </a:rPr>
+              <a:t> A &amp; B is a type that contains all the </a:t>
+            </a:r>
+            <a:r>
+              <a:rPr lang="en-US" sz="2400" i="1" dirty="0">
+                <a:latin typeface="Calibri" panose="020F0502020204030204" pitchFamily="34" charset="0"/>
+                <a:cs typeface="Calibri" panose="020F0502020204030204" pitchFamily="34" charset="0"/>
+              </a:rPr>
+              <a:t>combinations</a:t>
+            </a:r>
+            <a:r>
+              <a:rPr lang="en-US" sz="2400" dirty="0">
+                <a:latin typeface="Calibri" panose="020F0502020204030204" pitchFamily="34" charset="0"/>
+                <a:cs typeface="Calibri" panose="020F0502020204030204" pitchFamily="34" charset="0"/>
+              </a:rPr>
+              <a:t> of values of A and B at the same time:</a:t>
+            </a:r>
+          </a:p>
+          <a:p>
+            <a:pPr marL="0" lvl="5" indent="731519" defTabSz="292607">
+              <a:lnSpc>
+                <a:spcPts val="3400"/>
+              </a:lnSpc>
+              <a:spcBef>
+                <a:spcPts val="0"/>
+              </a:spcBef>
+              <a:buSzTx/>
+              <a:buNone/>
+              <a:defRPr sz="2048">
+                <a:latin typeface="Helvetica"/>
+                <a:ea typeface="Helvetica"/>
+                <a:cs typeface="Helvetica"/>
+                <a:sym typeface="Helvetica"/>
+              </a:defRPr>
+            </a:pPr>
+            <a:r>
+              <a:rPr lang="en-US" sz="2400" dirty="0">
+                <a:solidFill>
+                  <a:schemeClr val="accent1">
+                    <a:hueOff val="114395"/>
+                    <a:lumOff val="-24975"/>
+                  </a:schemeClr>
+                </a:solidFill>
+                <a:latin typeface="Calibri" panose="020F0502020204030204" pitchFamily="34" charset="0"/>
+                <a:cs typeface="Calibri" panose="020F0502020204030204" pitchFamily="34" charset="0"/>
+              </a:rPr>
+              <a:t>type</a:t>
+            </a:r>
+            <a:r>
+              <a:rPr lang="en-US" sz="2400" dirty="0">
+                <a:latin typeface="Calibri" panose="020F0502020204030204" pitchFamily="34" charset="0"/>
+                <a:cs typeface="Calibri" panose="020F0502020204030204" pitchFamily="34" charset="0"/>
+              </a:rPr>
+              <a:t> A = { x:</a:t>
+            </a:r>
+            <a:r>
+              <a:rPr lang="en-US" sz="2400" dirty="0">
+                <a:solidFill>
+                  <a:schemeClr val="accent5">
+                    <a:lumOff val="-29866"/>
+                  </a:schemeClr>
+                </a:solidFill>
+                <a:latin typeface="Calibri" panose="020F0502020204030204" pitchFamily="34" charset="0"/>
+                <a:cs typeface="Calibri" panose="020F0502020204030204" pitchFamily="34" charset="0"/>
+              </a:rPr>
+              <a:t>"A1"</a:t>
+            </a:r>
+            <a:r>
+              <a:rPr lang="en-US" sz="2400" dirty="0">
+                <a:latin typeface="Calibri" panose="020F0502020204030204" pitchFamily="34" charset="0"/>
+                <a:cs typeface="Calibri" panose="020F0502020204030204" pitchFamily="34" charset="0"/>
+              </a:rPr>
+              <a:t> | </a:t>
+            </a:r>
+            <a:r>
+              <a:rPr lang="en-US" sz="2400" dirty="0">
+                <a:solidFill>
+                  <a:schemeClr val="accent5">
+                    <a:lumOff val="-29866"/>
+                  </a:schemeClr>
+                </a:solidFill>
+                <a:latin typeface="Calibri" panose="020F0502020204030204" pitchFamily="34" charset="0"/>
+                <a:cs typeface="Calibri" panose="020F0502020204030204" pitchFamily="34" charset="0"/>
+              </a:rPr>
+              <a:t>"A2"</a:t>
+            </a:r>
+            <a:r>
+              <a:rPr lang="en-US" sz="2400" dirty="0">
+                <a:latin typeface="Calibri" panose="020F0502020204030204" pitchFamily="34" charset="0"/>
+                <a:cs typeface="Calibri" panose="020F0502020204030204" pitchFamily="34" charset="0"/>
+              </a:rPr>
+              <a:t> } </a:t>
+            </a:r>
+          </a:p>
+          <a:p>
+            <a:pPr marL="0" lvl="5" indent="731519" defTabSz="292607">
+              <a:lnSpc>
+                <a:spcPts val="3400"/>
+              </a:lnSpc>
+              <a:spcBef>
+                <a:spcPts val="0"/>
+              </a:spcBef>
+              <a:buSzTx/>
+              <a:buNone/>
+              <a:defRPr sz="2048">
+                <a:latin typeface="Helvetica"/>
+                <a:ea typeface="Helvetica"/>
+                <a:cs typeface="Helvetica"/>
+                <a:sym typeface="Helvetica"/>
+              </a:defRPr>
+            </a:pPr>
+            <a:r>
+              <a:rPr lang="en-US" sz="2400" dirty="0">
+                <a:solidFill>
+                  <a:schemeClr val="accent1">
+                    <a:hueOff val="114395"/>
+                    <a:lumOff val="-24975"/>
+                  </a:schemeClr>
+                </a:solidFill>
+                <a:latin typeface="Calibri" panose="020F0502020204030204" pitchFamily="34" charset="0"/>
+                <a:cs typeface="Calibri" panose="020F0502020204030204" pitchFamily="34" charset="0"/>
+              </a:rPr>
+              <a:t>type</a:t>
+            </a:r>
+            <a:r>
+              <a:rPr lang="en-US" sz="2400" dirty="0">
+                <a:latin typeface="Calibri" panose="020F0502020204030204" pitchFamily="34" charset="0"/>
+                <a:cs typeface="Calibri" panose="020F0502020204030204" pitchFamily="34" charset="0"/>
+              </a:rPr>
+              <a:t> B = { y:</a:t>
+            </a:r>
+            <a:r>
+              <a:rPr lang="en-US" sz="2400" dirty="0">
+                <a:solidFill>
+                  <a:schemeClr val="accent5">
+                    <a:lumOff val="-29866"/>
+                  </a:schemeClr>
+                </a:solidFill>
+                <a:latin typeface="Calibri" panose="020F0502020204030204" pitchFamily="34" charset="0"/>
+                <a:cs typeface="Calibri" panose="020F0502020204030204" pitchFamily="34" charset="0"/>
+              </a:rPr>
+              <a:t>"B1"</a:t>
+            </a:r>
+            <a:r>
+              <a:rPr lang="en-US" sz="2400" dirty="0">
+                <a:latin typeface="Calibri" panose="020F0502020204030204" pitchFamily="34" charset="0"/>
+                <a:cs typeface="Calibri" panose="020F0502020204030204" pitchFamily="34" charset="0"/>
+              </a:rPr>
+              <a:t> | </a:t>
+            </a:r>
+            <a:r>
+              <a:rPr lang="en-US" sz="2400" dirty="0">
+                <a:solidFill>
+                  <a:schemeClr val="accent5">
+                    <a:lumOff val="-29866"/>
+                  </a:schemeClr>
+                </a:solidFill>
+                <a:latin typeface="Calibri" panose="020F0502020204030204" pitchFamily="34" charset="0"/>
+                <a:cs typeface="Calibri" panose="020F0502020204030204" pitchFamily="34" charset="0"/>
+              </a:rPr>
+              <a:t>"B2"</a:t>
+            </a:r>
+            <a:r>
+              <a:rPr lang="en-US" sz="2400" dirty="0">
+                <a:latin typeface="Calibri" panose="020F0502020204030204" pitchFamily="34" charset="0"/>
+                <a:cs typeface="Calibri" panose="020F0502020204030204" pitchFamily="34" charset="0"/>
+              </a:rPr>
+              <a:t> | </a:t>
+            </a:r>
+            <a:r>
+              <a:rPr lang="en-US" sz="2400" dirty="0">
+                <a:solidFill>
+                  <a:schemeClr val="accent5">
+                    <a:lumOff val="-29866"/>
+                  </a:schemeClr>
+                </a:solidFill>
+                <a:latin typeface="Calibri" panose="020F0502020204030204" pitchFamily="34" charset="0"/>
+                <a:cs typeface="Calibri" panose="020F0502020204030204" pitchFamily="34" charset="0"/>
+              </a:rPr>
+              <a:t>"B3"</a:t>
+            </a:r>
+            <a:r>
+              <a:rPr lang="en-US" sz="2400" dirty="0">
+                <a:latin typeface="Calibri" panose="020F0502020204030204" pitchFamily="34" charset="0"/>
+                <a:cs typeface="Calibri" panose="020F0502020204030204" pitchFamily="34" charset="0"/>
+              </a:rPr>
+              <a:t> }</a:t>
+            </a:r>
+          </a:p>
+          <a:p>
+            <a:pPr marL="853439" lvl="2" indent="-284479" defTabSz="292607">
+              <a:lnSpc>
+                <a:spcPts val="3700"/>
+              </a:lnSpc>
+              <a:spcBef>
+                <a:spcPts val="0"/>
+              </a:spcBef>
+              <a:tabLst>
+                <a:tab pos="88900" algn="l"/>
+                <a:tab pos="292100" algn="l"/>
+              </a:tabLst>
+              <a:defRPr sz="2048">
+                <a:latin typeface="Helvetica"/>
+                <a:ea typeface="Helvetica"/>
+                <a:cs typeface="Helvetica"/>
+                <a:sym typeface="Helvetica"/>
+              </a:defRPr>
+            </a:pPr>
+            <a:r>
+              <a:rPr lang="en-US" sz="2400" dirty="0">
+                <a:latin typeface="Calibri" panose="020F0502020204030204" pitchFamily="34" charset="0"/>
+                <a:cs typeface="Calibri" panose="020F0502020204030204" pitchFamily="34" charset="0"/>
+              </a:rPr>
+              <a:t>What are possible values of A  &amp; B?</a:t>
+            </a:r>
+          </a:p>
+          <a:p>
+            <a:pPr marL="853439" lvl="2" indent="-284479" defTabSz="292607">
+              <a:lnSpc>
+                <a:spcPts val="3700"/>
+              </a:lnSpc>
+              <a:spcBef>
+                <a:spcPts val="0"/>
+              </a:spcBef>
+              <a:tabLst>
+                <a:tab pos="88900" algn="l"/>
+                <a:tab pos="292100" algn="l"/>
+              </a:tabLst>
+              <a:defRPr sz="2048">
+                <a:latin typeface="Helvetica"/>
+                <a:ea typeface="Helvetica"/>
+                <a:cs typeface="Helvetica"/>
+                <a:sym typeface="Helvetica"/>
+              </a:defRPr>
+            </a:pPr>
+            <a:endParaRPr sz="2400" dirty="0">
+              <a:latin typeface="Calibri" panose="020F0502020204030204" pitchFamily="34" charset="0"/>
+              <a:cs typeface="Calibri" panose="020F0502020204030204" pitchFamily="34" charset="0"/>
+            </a:endParaRPr>
           </a:p>
         </p:txBody>
       </p:sp>
     </p:spTree>
     <p:extLst>
       <p:ext uri="{BB962C8B-B14F-4D97-AF65-F5344CB8AC3E}">
-        <p14:creationId xmlns:p14="http://schemas.microsoft.com/office/powerpoint/2010/main" val="1932147744"/>
+        <p14:creationId xmlns:p14="http://schemas.microsoft.com/office/powerpoint/2010/main" val="962924757"/>
       </p:ext>
     </p:extLst>
   </p:cSld>
@@ -13025,8 +13436,8 @@
         </p:nvSpPr>
         <p:spPr>
           <a:xfrm>
-            <a:off x="952500" y="2413000"/>
-            <a:ext cx="11099800" cy="6597805"/>
+            <a:off x="952500" y="2328126"/>
+            <a:ext cx="11099800" cy="6637453"/>
           </a:xfrm>
           <a:prstGeom prst="rect">
             <a:avLst/>
@@ -13622,7 +14033,7 @@
             </a:r>
           </a:p>
           <a:p>
-            <a:pPr marL="853439" lvl="2" indent="-284479" defTabSz="292607">
+            <a:pPr marL="568959" lvl="1" indent="-284479" defTabSz="292607">
               <a:lnSpc>
                 <a:spcPts val="3700"/>
               </a:lnSpc>
@@ -13645,8 +14056,18 @@
                 <a:latin typeface="Calibri" panose="020F0502020204030204" pitchFamily="34" charset="0"/>
                 <a:cs typeface="Calibri" panose="020F0502020204030204" pitchFamily="34" charset="0"/>
               </a:rPr>
-              <a:t>What are possible values of A  &amp; B?</a:t>
-            </a:r>
+              <a:t>	Values of A &amp; B are { x:"A1", y:"B1" }, { x:"A1", y:"B2" }, etc. There are six of them;</a:t>
+            </a:r>
+            <a:br>
+              <a:rPr lang="en-US" sz="2400" dirty="0">
+                <a:latin typeface="Calibri" panose="020F0502020204030204" pitchFamily="34" charset="0"/>
+                <a:cs typeface="Calibri" panose="020F0502020204030204" pitchFamily="34" charset="0"/>
+              </a:rPr>
+            </a:br>
+            <a:endParaRPr lang="en-US" sz="2400" dirty="0">
+              <a:latin typeface="Calibri" panose="020F0502020204030204" pitchFamily="34" charset="0"/>
+              <a:cs typeface="Calibri" panose="020F0502020204030204" pitchFamily="34" charset="0"/>
+            </a:endParaRPr>
           </a:p>
           <a:p>
             <a:pPr marL="853439" lvl="2" indent="-284479" defTabSz="292607">
@@ -13677,7 +14098,7 @@
     </p:spTree>
     <p:extLst>
       <p:ext uri="{BB962C8B-B14F-4D97-AF65-F5344CB8AC3E}">
-        <p14:creationId xmlns:p14="http://schemas.microsoft.com/office/powerpoint/2010/main" val="962924757"/>
+        <p14:creationId xmlns:p14="http://schemas.microsoft.com/office/powerpoint/2010/main" val="3636484696"/>
       </p:ext>
     </p:extLst>
   </p:cSld>
@@ -13875,25 +14296,11 @@
           <a:lstStyle/>
           <a:p>
             <a:r>
-              <a:rPr sz="4000" dirty="0">
-                <a:latin typeface="Calibri" panose="020F0502020204030204" pitchFamily="34" charset="0"/>
-                <a:cs typeface="Calibri" panose="020F0502020204030204" pitchFamily="34" charset="0"/>
-              </a:rPr>
-              <a:t>Types </a:t>
-            </a:r>
-            <a:r>
-              <a:rPr sz="4000">
-                <a:latin typeface="Calibri" panose="020F0502020204030204" pitchFamily="34" charset="0"/>
-                <a:cs typeface="Calibri" panose="020F0502020204030204" pitchFamily="34" charset="0"/>
-              </a:rPr>
-              <a:t>in Typescript</a:t>
-            </a:r>
-            <a:r>
-              <a:rPr lang="en-US" sz="4000">
-                <a:latin typeface="Calibri" panose="020F0502020204030204" pitchFamily="34" charset="0"/>
-                <a:cs typeface="Calibri" panose="020F0502020204030204" pitchFamily="34" charset="0"/>
-              </a:rPr>
-              <a:t>..</a:t>
+              <a:rPr lang="en-US" sz="4000" dirty="0">
+                <a:latin typeface="Calibri" panose="020F0502020204030204" pitchFamily="34" charset="0"/>
+                <a:cs typeface="Calibri" panose="020F0502020204030204" pitchFamily="34" charset="0"/>
+              </a:rPr>
+              <a:t>Example</a:t>
             </a:r>
             <a:endParaRPr sz="4000" dirty="0">
               <a:latin typeface="Calibri" panose="020F0502020204030204" pitchFamily="34" charset="0"/>
@@ -13914,8 +14321,8 @@
         </p:nvSpPr>
         <p:spPr>
           <a:xfrm>
-            <a:off x="952500" y="2328126"/>
-            <a:ext cx="11099800" cy="6637453"/>
+            <a:off x="952500" y="2590800"/>
+            <a:ext cx="11099800" cy="6286500"/>
           </a:xfrm>
           <a:prstGeom prst="rect">
             <a:avLst/>
@@ -13946,29 +14353,15 @@
               </a:defRPr>
             </a:pPr>
             <a:r>
-              <a:rPr sz="2400" dirty="0">
-                <a:latin typeface="Calibri" panose="020F0502020204030204" pitchFamily="34" charset="0"/>
-                <a:cs typeface="Calibri" panose="020F0502020204030204" pitchFamily="34" charset="0"/>
-              </a:rPr>
-              <a:t>U</a:t>
-            </a:r>
-            <a:r>
-              <a:rPr sz="2400" u="sng" dirty="0">
-                <a:latin typeface="Calibri" panose="020F0502020204030204" pitchFamily="34" charset="0"/>
-                <a:cs typeface="Calibri" panose="020F0502020204030204" pitchFamily="34" charset="0"/>
-              </a:rPr>
-              <a:t>nion</a:t>
-            </a:r>
-            <a:r>
-              <a:rPr sz="2400" dirty="0">
-                <a:latin typeface="Calibri" panose="020F0502020204030204" pitchFamily="34" charset="0"/>
-                <a:cs typeface="Calibri" panose="020F0502020204030204" pitchFamily="34" charset="0"/>
-              </a:rPr>
-              <a:t> is a sort of sum, or set union: </a:t>
-            </a:r>
-          </a:p>
-          <a:p>
-            <a:pPr marL="568959" lvl="1" indent="-284479" defTabSz="292607">
+              <a:rPr lang="en-US" sz="2400" dirty="0">
+                <a:latin typeface="Calibri" panose="020F0502020204030204" pitchFamily="34" charset="0"/>
+                <a:cs typeface="Calibri" panose="020F0502020204030204" pitchFamily="34" charset="0"/>
+              </a:rPr>
+              <a:t>Demo</a:t>
+            </a:r>
+          </a:p>
+          <a:p>
+            <a:pPr marL="853439" lvl="2" indent="-284479" defTabSz="292607">
               <a:lnSpc>
                 <a:spcPts val="3700"/>
               </a:lnSpc>
@@ -13986,586 +14379,6 @@
                 <a:sym typeface="Helvetica"/>
               </a:defRPr>
             </a:pPr>
-            <a:r>
-              <a:rPr sz="2400" dirty="0">
-                <a:latin typeface="Calibri" panose="020F0502020204030204" pitchFamily="34" charset="0"/>
-                <a:cs typeface="Calibri" panose="020F0502020204030204" pitchFamily="34" charset="0"/>
-              </a:rPr>
-              <a:t>A | B is a type that contains:</a:t>
-            </a:r>
-          </a:p>
-          <a:p>
-            <a:pPr marL="853439" lvl="2" indent="-284479" defTabSz="292607">
-              <a:lnSpc>
-                <a:spcPts val="3700"/>
-              </a:lnSpc>
-              <a:spcBef>
-                <a:spcPts val="0"/>
-              </a:spcBef>
-              <a:tabLst>
-                <a:tab pos="88900" algn="l"/>
-                <a:tab pos="292100" algn="l"/>
-              </a:tabLst>
-              <a:defRPr sz="2048">
-                <a:latin typeface="Helvetica"/>
-                <a:ea typeface="Helvetica"/>
-                <a:cs typeface="Helvetica"/>
-                <a:sym typeface="Helvetica"/>
-              </a:defRPr>
-            </a:pPr>
-            <a:r>
-              <a:rPr sz="2400" dirty="0">
-                <a:latin typeface="Calibri" panose="020F0502020204030204" pitchFamily="34" charset="0"/>
-                <a:cs typeface="Calibri" panose="020F0502020204030204" pitchFamily="34" charset="0"/>
-              </a:rPr>
-              <a:t>all the values of A, </a:t>
-            </a:r>
-          </a:p>
-          <a:p>
-            <a:pPr marL="853439" lvl="2" indent="-284479" defTabSz="292607">
-              <a:lnSpc>
-                <a:spcPts val="3700"/>
-              </a:lnSpc>
-              <a:spcBef>
-                <a:spcPts val="0"/>
-              </a:spcBef>
-              <a:tabLst>
-                <a:tab pos="88900" algn="l"/>
-                <a:tab pos="292100" algn="l"/>
-              </a:tabLst>
-              <a:defRPr sz="2048">
-                <a:latin typeface="Helvetica"/>
-                <a:ea typeface="Helvetica"/>
-                <a:cs typeface="Helvetica"/>
-                <a:sym typeface="Helvetica"/>
-              </a:defRPr>
-            </a:pPr>
-            <a:r>
-              <a:rPr sz="2400" dirty="0">
-                <a:latin typeface="Calibri" panose="020F0502020204030204" pitchFamily="34" charset="0"/>
-                <a:cs typeface="Calibri" panose="020F0502020204030204" pitchFamily="34" charset="0"/>
-              </a:rPr>
-              <a:t>and all the values of B, one next to each other;</a:t>
-            </a:r>
-          </a:p>
-          <a:p>
-            <a:pPr marL="0" lvl="5" indent="731519" defTabSz="292607">
-              <a:lnSpc>
-                <a:spcPts val="3400"/>
-              </a:lnSpc>
-              <a:spcBef>
-                <a:spcPts val="0"/>
-              </a:spcBef>
-              <a:buSzTx/>
-              <a:buNone/>
-              <a:defRPr sz="2048">
-                <a:latin typeface="Helvetica"/>
-                <a:ea typeface="Helvetica"/>
-                <a:cs typeface="Helvetica"/>
-                <a:sym typeface="Helvetica"/>
-              </a:defRPr>
-            </a:pPr>
-            <a:r>
-              <a:rPr sz="2400" dirty="0">
-                <a:solidFill>
-                  <a:schemeClr val="accent1">
-                    <a:hueOff val="114395"/>
-                    <a:lumOff val="-24975"/>
-                  </a:schemeClr>
-                </a:solidFill>
-                <a:latin typeface="Calibri" panose="020F0502020204030204" pitchFamily="34" charset="0"/>
-                <a:cs typeface="Calibri" panose="020F0502020204030204" pitchFamily="34" charset="0"/>
-              </a:rPr>
-              <a:t>type</a:t>
-            </a:r>
-            <a:r>
-              <a:rPr sz="2400" dirty="0">
-                <a:latin typeface="Calibri" panose="020F0502020204030204" pitchFamily="34" charset="0"/>
-                <a:cs typeface="Calibri" panose="020F0502020204030204" pitchFamily="34" charset="0"/>
-              </a:rPr>
-              <a:t> A = { x:</a:t>
-            </a:r>
-            <a:r>
-              <a:rPr sz="2400" dirty="0">
-                <a:solidFill>
-                  <a:schemeClr val="accent5">
-                    <a:lumOff val="-29866"/>
-                  </a:schemeClr>
-                </a:solidFill>
-                <a:latin typeface="Calibri" panose="020F0502020204030204" pitchFamily="34" charset="0"/>
-                <a:cs typeface="Calibri" panose="020F0502020204030204" pitchFamily="34" charset="0"/>
-              </a:rPr>
-              <a:t>"A1"</a:t>
-            </a:r>
-            <a:r>
-              <a:rPr sz="2400" dirty="0">
-                <a:latin typeface="Calibri" panose="020F0502020204030204" pitchFamily="34" charset="0"/>
-                <a:cs typeface="Calibri" panose="020F0502020204030204" pitchFamily="34" charset="0"/>
-              </a:rPr>
-              <a:t> | </a:t>
-            </a:r>
-            <a:r>
-              <a:rPr sz="2400" dirty="0">
-                <a:solidFill>
-                  <a:schemeClr val="accent5">
-                    <a:lumOff val="-29866"/>
-                  </a:schemeClr>
-                </a:solidFill>
-                <a:latin typeface="Calibri" panose="020F0502020204030204" pitchFamily="34" charset="0"/>
-                <a:cs typeface="Calibri" panose="020F0502020204030204" pitchFamily="34" charset="0"/>
-              </a:rPr>
-              <a:t>"A2"</a:t>
-            </a:r>
-            <a:r>
-              <a:rPr sz="2400" dirty="0">
-                <a:latin typeface="Calibri" panose="020F0502020204030204" pitchFamily="34" charset="0"/>
-                <a:cs typeface="Calibri" panose="020F0502020204030204" pitchFamily="34" charset="0"/>
-              </a:rPr>
-              <a:t> } </a:t>
-            </a:r>
-          </a:p>
-          <a:p>
-            <a:pPr marL="0" lvl="5" indent="731519" defTabSz="292607">
-              <a:lnSpc>
-                <a:spcPts val="3400"/>
-              </a:lnSpc>
-              <a:spcBef>
-                <a:spcPts val="0"/>
-              </a:spcBef>
-              <a:buSzTx/>
-              <a:buNone/>
-              <a:defRPr sz="2048">
-                <a:latin typeface="Helvetica"/>
-                <a:ea typeface="Helvetica"/>
-                <a:cs typeface="Helvetica"/>
-                <a:sym typeface="Helvetica"/>
-              </a:defRPr>
-            </a:pPr>
-            <a:r>
-              <a:rPr sz="2400" dirty="0">
-                <a:solidFill>
-                  <a:schemeClr val="accent1">
-                    <a:hueOff val="114395"/>
-                    <a:lumOff val="-24975"/>
-                  </a:schemeClr>
-                </a:solidFill>
-                <a:latin typeface="Calibri" panose="020F0502020204030204" pitchFamily="34" charset="0"/>
-                <a:cs typeface="Calibri" panose="020F0502020204030204" pitchFamily="34" charset="0"/>
-              </a:rPr>
-              <a:t>type</a:t>
-            </a:r>
-            <a:r>
-              <a:rPr sz="2400" dirty="0">
-                <a:latin typeface="Calibri" panose="020F0502020204030204" pitchFamily="34" charset="0"/>
-                <a:cs typeface="Calibri" panose="020F0502020204030204" pitchFamily="34" charset="0"/>
-              </a:rPr>
-              <a:t> B = { y:</a:t>
-            </a:r>
-            <a:r>
-              <a:rPr sz="2400" dirty="0">
-                <a:solidFill>
-                  <a:schemeClr val="accent5">
-                    <a:lumOff val="-29866"/>
-                  </a:schemeClr>
-                </a:solidFill>
-                <a:latin typeface="Calibri" panose="020F0502020204030204" pitchFamily="34" charset="0"/>
-                <a:cs typeface="Calibri" panose="020F0502020204030204" pitchFamily="34" charset="0"/>
-              </a:rPr>
-              <a:t>"B1"</a:t>
-            </a:r>
-            <a:r>
-              <a:rPr sz="2400" dirty="0">
-                <a:latin typeface="Calibri" panose="020F0502020204030204" pitchFamily="34" charset="0"/>
-                <a:cs typeface="Calibri" panose="020F0502020204030204" pitchFamily="34" charset="0"/>
-              </a:rPr>
-              <a:t> | </a:t>
-            </a:r>
-            <a:r>
-              <a:rPr sz="2400" dirty="0">
-                <a:solidFill>
-                  <a:schemeClr val="accent5">
-                    <a:lumOff val="-29866"/>
-                  </a:schemeClr>
-                </a:solidFill>
-                <a:latin typeface="Calibri" panose="020F0502020204030204" pitchFamily="34" charset="0"/>
-                <a:cs typeface="Calibri" panose="020F0502020204030204" pitchFamily="34" charset="0"/>
-              </a:rPr>
-              <a:t>"B2"</a:t>
-            </a:r>
-            <a:r>
-              <a:rPr sz="2400" dirty="0">
-                <a:latin typeface="Calibri" panose="020F0502020204030204" pitchFamily="34" charset="0"/>
-                <a:cs typeface="Calibri" panose="020F0502020204030204" pitchFamily="34" charset="0"/>
-              </a:rPr>
-              <a:t> | </a:t>
-            </a:r>
-            <a:r>
-              <a:rPr sz="2400" dirty="0">
-                <a:solidFill>
-                  <a:schemeClr val="accent5">
-                    <a:lumOff val="-29866"/>
-                  </a:schemeClr>
-                </a:solidFill>
-                <a:latin typeface="Calibri" panose="020F0502020204030204" pitchFamily="34" charset="0"/>
-                <a:cs typeface="Calibri" panose="020F0502020204030204" pitchFamily="34" charset="0"/>
-              </a:rPr>
-              <a:t>"B3"</a:t>
-            </a:r>
-            <a:r>
-              <a:rPr sz="2400" dirty="0">
-                <a:latin typeface="Calibri" panose="020F0502020204030204" pitchFamily="34" charset="0"/>
-                <a:cs typeface="Calibri" panose="020F0502020204030204" pitchFamily="34" charset="0"/>
-              </a:rPr>
-              <a:t> }</a:t>
-            </a:r>
-          </a:p>
-          <a:p>
-            <a:pPr marL="853439" lvl="2" indent="-284479" defTabSz="292607">
-              <a:lnSpc>
-                <a:spcPts val="3700"/>
-              </a:lnSpc>
-              <a:spcBef>
-                <a:spcPts val="0"/>
-              </a:spcBef>
-              <a:tabLst>
-                <a:tab pos="88900" algn="l"/>
-                <a:tab pos="292100" algn="l"/>
-              </a:tabLst>
-              <a:defRPr sz="2048">
-                <a:latin typeface="Helvetica"/>
-                <a:ea typeface="Helvetica"/>
-                <a:cs typeface="Helvetica"/>
-                <a:sym typeface="Helvetica"/>
-              </a:defRPr>
-            </a:pPr>
-            <a:r>
-              <a:rPr lang="en-US" sz="2400" dirty="0">
-                <a:latin typeface="Calibri" panose="020F0502020204030204" pitchFamily="34" charset="0"/>
-                <a:cs typeface="Calibri" panose="020F0502020204030204" pitchFamily="34" charset="0"/>
-              </a:rPr>
-              <a:t>V</a:t>
-            </a:r>
-            <a:r>
-              <a:rPr sz="2400" dirty="0">
-                <a:latin typeface="Calibri" panose="020F0502020204030204" pitchFamily="34" charset="0"/>
-                <a:cs typeface="Calibri" panose="020F0502020204030204" pitchFamily="34" charset="0"/>
-              </a:rPr>
-              <a:t>alues of A | B are { x:"A1" }, { x:"A2" }, but also { y:"B1" }, etc. There are five of them;</a:t>
-            </a:r>
-            <a:endParaRPr lang="en-US" sz="2400" dirty="0">
-              <a:latin typeface="Calibri" panose="020F0502020204030204" pitchFamily="34" charset="0"/>
-              <a:cs typeface="Calibri" panose="020F0502020204030204" pitchFamily="34" charset="0"/>
-            </a:endParaRPr>
-          </a:p>
-          <a:p>
-            <a:pPr marL="284479" indent="-284479" defTabSz="292607">
-              <a:lnSpc>
-                <a:spcPts val="3700"/>
-              </a:lnSpc>
-              <a:spcBef>
-                <a:spcPts val="0"/>
-              </a:spcBef>
-              <a:tabLst>
-                <a:tab pos="88900" algn="l"/>
-                <a:tab pos="292100" algn="l"/>
-              </a:tabLst>
-              <a:defRPr sz="2048">
-                <a:latin typeface="Helvetica"/>
-                <a:ea typeface="Helvetica"/>
-                <a:cs typeface="Helvetica"/>
-                <a:sym typeface="Helvetica"/>
-              </a:defRPr>
-            </a:pPr>
-            <a:r>
-              <a:rPr lang="en-US" sz="2400" dirty="0">
-                <a:latin typeface="Calibri" panose="020F0502020204030204" pitchFamily="34" charset="0"/>
-                <a:cs typeface="Calibri" panose="020F0502020204030204" pitchFamily="34" charset="0"/>
-              </a:rPr>
-              <a:t>	I</a:t>
-            </a:r>
-            <a:r>
-              <a:rPr lang="en-US" sz="2400" u="sng" dirty="0">
-                <a:latin typeface="Calibri" panose="020F0502020204030204" pitchFamily="34" charset="0"/>
-                <a:cs typeface="Calibri" panose="020F0502020204030204" pitchFamily="34" charset="0"/>
-              </a:rPr>
-              <a:t>ntersection</a:t>
-            </a:r>
-            <a:r>
-              <a:rPr lang="en-US" sz="2400" dirty="0">
-                <a:latin typeface="Calibri" panose="020F0502020204030204" pitchFamily="34" charset="0"/>
-                <a:cs typeface="Calibri" panose="020F0502020204030204" pitchFamily="34" charset="0"/>
-              </a:rPr>
-              <a:t> is a sort of product, or cartesian product over sets:</a:t>
-            </a:r>
-          </a:p>
-          <a:p>
-            <a:pPr marL="568959" lvl="1" indent="-284479" defTabSz="292607">
-              <a:lnSpc>
-                <a:spcPts val="3700"/>
-              </a:lnSpc>
-              <a:spcBef>
-                <a:spcPts val="0"/>
-              </a:spcBef>
-              <a:tabLst>
-                <a:tab pos="88900" algn="l"/>
-                <a:tab pos="292100" algn="l"/>
-              </a:tabLst>
-              <a:defRPr sz="2048">
-                <a:latin typeface="Helvetica"/>
-                <a:ea typeface="Helvetica"/>
-                <a:cs typeface="Helvetica"/>
-                <a:sym typeface="Helvetica"/>
-              </a:defRPr>
-            </a:pPr>
-            <a:r>
-              <a:rPr lang="en-US" sz="2400" dirty="0">
-                <a:latin typeface="Calibri" panose="020F0502020204030204" pitchFamily="34" charset="0"/>
-                <a:cs typeface="Calibri" panose="020F0502020204030204" pitchFamily="34" charset="0"/>
-              </a:rPr>
-              <a:t> A &amp; B is a type that contains all the </a:t>
-            </a:r>
-            <a:r>
-              <a:rPr lang="en-US" sz="2400" i="1" dirty="0">
-                <a:latin typeface="Calibri" panose="020F0502020204030204" pitchFamily="34" charset="0"/>
-                <a:cs typeface="Calibri" panose="020F0502020204030204" pitchFamily="34" charset="0"/>
-              </a:rPr>
-              <a:t>combinations</a:t>
-            </a:r>
-            <a:r>
-              <a:rPr lang="en-US" sz="2400" dirty="0">
-                <a:latin typeface="Calibri" panose="020F0502020204030204" pitchFamily="34" charset="0"/>
-                <a:cs typeface="Calibri" panose="020F0502020204030204" pitchFamily="34" charset="0"/>
-              </a:rPr>
-              <a:t> of values of A and B at the same time:</a:t>
-            </a:r>
-          </a:p>
-          <a:p>
-            <a:pPr marL="0" lvl="5" indent="731519" defTabSz="292607">
-              <a:lnSpc>
-                <a:spcPts val="3400"/>
-              </a:lnSpc>
-              <a:spcBef>
-                <a:spcPts val="0"/>
-              </a:spcBef>
-              <a:buSzTx/>
-              <a:buNone/>
-              <a:defRPr sz="2048">
-                <a:latin typeface="Helvetica"/>
-                <a:ea typeface="Helvetica"/>
-                <a:cs typeface="Helvetica"/>
-                <a:sym typeface="Helvetica"/>
-              </a:defRPr>
-            </a:pPr>
-            <a:r>
-              <a:rPr lang="en-US" sz="2400" dirty="0">
-                <a:solidFill>
-                  <a:schemeClr val="accent1">
-                    <a:hueOff val="114395"/>
-                    <a:lumOff val="-24975"/>
-                  </a:schemeClr>
-                </a:solidFill>
-                <a:latin typeface="Calibri" panose="020F0502020204030204" pitchFamily="34" charset="0"/>
-                <a:cs typeface="Calibri" panose="020F0502020204030204" pitchFamily="34" charset="0"/>
-              </a:rPr>
-              <a:t>type</a:t>
-            </a:r>
-            <a:r>
-              <a:rPr lang="en-US" sz="2400" dirty="0">
-                <a:latin typeface="Calibri" panose="020F0502020204030204" pitchFamily="34" charset="0"/>
-                <a:cs typeface="Calibri" panose="020F0502020204030204" pitchFamily="34" charset="0"/>
-              </a:rPr>
-              <a:t> A = { x:</a:t>
-            </a:r>
-            <a:r>
-              <a:rPr lang="en-US" sz="2400" dirty="0">
-                <a:solidFill>
-                  <a:schemeClr val="accent5">
-                    <a:lumOff val="-29866"/>
-                  </a:schemeClr>
-                </a:solidFill>
-                <a:latin typeface="Calibri" panose="020F0502020204030204" pitchFamily="34" charset="0"/>
-                <a:cs typeface="Calibri" panose="020F0502020204030204" pitchFamily="34" charset="0"/>
-              </a:rPr>
-              <a:t>"A1"</a:t>
-            </a:r>
-            <a:r>
-              <a:rPr lang="en-US" sz="2400" dirty="0">
-                <a:latin typeface="Calibri" panose="020F0502020204030204" pitchFamily="34" charset="0"/>
-                <a:cs typeface="Calibri" panose="020F0502020204030204" pitchFamily="34" charset="0"/>
-              </a:rPr>
-              <a:t> | </a:t>
-            </a:r>
-            <a:r>
-              <a:rPr lang="en-US" sz="2400" dirty="0">
-                <a:solidFill>
-                  <a:schemeClr val="accent5">
-                    <a:lumOff val="-29866"/>
-                  </a:schemeClr>
-                </a:solidFill>
-                <a:latin typeface="Calibri" panose="020F0502020204030204" pitchFamily="34" charset="0"/>
-                <a:cs typeface="Calibri" panose="020F0502020204030204" pitchFamily="34" charset="0"/>
-              </a:rPr>
-              <a:t>"A2"</a:t>
-            </a:r>
-            <a:r>
-              <a:rPr lang="en-US" sz="2400" dirty="0">
-                <a:latin typeface="Calibri" panose="020F0502020204030204" pitchFamily="34" charset="0"/>
-                <a:cs typeface="Calibri" panose="020F0502020204030204" pitchFamily="34" charset="0"/>
-              </a:rPr>
-              <a:t> } </a:t>
-            </a:r>
-          </a:p>
-          <a:p>
-            <a:pPr marL="0" lvl="5" indent="731519" defTabSz="292607">
-              <a:lnSpc>
-                <a:spcPts val="3400"/>
-              </a:lnSpc>
-              <a:spcBef>
-                <a:spcPts val="0"/>
-              </a:spcBef>
-              <a:buSzTx/>
-              <a:buNone/>
-              <a:defRPr sz="2048">
-                <a:latin typeface="Helvetica"/>
-                <a:ea typeface="Helvetica"/>
-                <a:cs typeface="Helvetica"/>
-                <a:sym typeface="Helvetica"/>
-              </a:defRPr>
-            </a:pPr>
-            <a:r>
-              <a:rPr lang="en-US" sz="2400" dirty="0">
-                <a:solidFill>
-                  <a:schemeClr val="accent1">
-                    <a:hueOff val="114395"/>
-                    <a:lumOff val="-24975"/>
-                  </a:schemeClr>
-                </a:solidFill>
-                <a:latin typeface="Calibri" panose="020F0502020204030204" pitchFamily="34" charset="0"/>
-                <a:cs typeface="Calibri" panose="020F0502020204030204" pitchFamily="34" charset="0"/>
-              </a:rPr>
-              <a:t>type</a:t>
-            </a:r>
-            <a:r>
-              <a:rPr lang="en-US" sz="2400" dirty="0">
-                <a:latin typeface="Calibri" panose="020F0502020204030204" pitchFamily="34" charset="0"/>
-                <a:cs typeface="Calibri" panose="020F0502020204030204" pitchFamily="34" charset="0"/>
-              </a:rPr>
-              <a:t> B = { y:</a:t>
-            </a:r>
-            <a:r>
-              <a:rPr lang="en-US" sz="2400" dirty="0">
-                <a:solidFill>
-                  <a:schemeClr val="accent5">
-                    <a:lumOff val="-29866"/>
-                  </a:schemeClr>
-                </a:solidFill>
-                <a:latin typeface="Calibri" panose="020F0502020204030204" pitchFamily="34" charset="0"/>
-                <a:cs typeface="Calibri" panose="020F0502020204030204" pitchFamily="34" charset="0"/>
-              </a:rPr>
-              <a:t>"B1"</a:t>
-            </a:r>
-            <a:r>
-              <a:rPr lang="en-US" sz="2400" dirty="0">
-                <a:latin typeface="Calibri" panose="020F0502020204030204" pitchFamily="34" charset="0"/>
-                <a:cs typeface="Calibri" panose="020F0502020204030204" pitchFamily="34" charset="0"/>
-              </a:rPr>
-              <a:t> | </a:t>
-            </a:r>
-            <a:r>
-              <a:rPr lang="en-US" sz="2400" dirty="0">
-                <a:solidFill>
-                  <a:schemeClr val="accent5">
-                    <a:lumOff val="-29866"/>
-                  </a:schemeClr>
-                </a:solidFill>
-                <a:latin typeface="Calibri" panose="020F0502020204030204" pitchFamily="34" charset="0"/>
-                <a:cs typeface="Calibri" panose="020F0502020204030204" pitchFamily="34" charset="0"/>
-              </a:rPr>
-              <a:t>"B2"</a:t>
-            </a:r>
-            <a:r>
-              <a:rPr lang="en-US" sz="2400" dirty="0">
-                <a:latin typeface="Calibri" panose="020F0502020204030204" pitchFamily="34" charset="0"/>
-                <a:cs typeface="Calibri" panose="020F0502020204030204" pitchFamily="34" charset="0"/>
-              </a:rPr>
-              <a:t> | </a:t>
-            </a:r>
-            <a:r>
-              <a:rPr lang="en-US" sz="2400" dirty="0">
-                <a:solidFill>
-                  <a:schemeClr val="accent5">
-                    <a:lumOff val="-29866"/>
-                  </a:schemeClr>
-                </a:solidFill>
-                <a:latin typeface="Calibri" panose="020F0502020204030204" pitchFamily="34" charset="0"/>
-                <a:cs typeface="Calibri" panose="020F0502020204030204" pitchFamily="34" charset="0"/>
-              </a:rPr>
-              <a:t>"B3"</a:t>
-            </a:r>
-            <a:r>
-              <a:rPr lang="en-US" sz="2400" dirty="0">
-                <a:latin typeface="Calibri" panose="020F0502020204030204" pitchFamily="34" charset="0"/>
-                <a:cs typeface="Calibri" panose="020F0502020204030204" pitchFamily="34" charset="0"/>
-              </a:rPr>
-              <a:t> }</a:t>
-            </a:r>
-          </a:p>
-          <a:p>
-            <a:pPr marL="568959" lvl="1" indent="-284479" defTabSz="292607">
-              <a:lnSpc>
-                <a:spcPts val="3700"/>
-              </a:lnSpc>
-              <a:spcBef>
-                <a:spcPts val="0"/>
-              </a:spcBef>
-              <a:tabLst>
-                <a:tab pos="88900" algn="l"/>
-                <a:tab pos="292100" algn="l"/>
-              </a:tabLst>
-              <a:defRPr sz="2048">
-                <a:latin typeface="Helvetica"/>
-                <a:ea typeface="Helvetica"/>
-                <a:cs typeface="Helvetica"/>
-                <a:sym typeface="Helvetica"/>
-              </a:defRPr>
-            </a:pPr>
-            <a:r>
-              <a:rPr lang="en-US" sz="2400" dirty="0">
-                <a:latin typeface="Calibri" panose="020F0502020204030204" pitchFamily="34" charset="0"/>
-                <a:cs typeface="Calibri" panose="020F0502020204030204" pitchFamily="34" charset="0"/>
-              </a:rPr>
-              <a:t>	Values of A &amp; B are { x:"A1", y:"B1" }, { x:"A1", y:"B2" }, etc. There are six of them;</a:t>
-            </a:r>
-            <a:br>
-              <a:rPr lang="en-US" sz="2400" dirty="0">
-                <a:latin typeface="Calibri" panose="020F0502020204030204" pitchFamily="34" charset="0"/>
-                <a:cs typeface="Calibri" panose="020F0502020204030204" pitchFamily="34" charset="0"/>
-              </a:rPr>
-            </a:br>
-            <a:endParaRPr lang="en-US" sz="2400" dirty="0">
-              <a:latin typeface="Calibri" panose="020F0502020204030204" pitchFamily="34" charset="0"/>
-              <a:cs typeface="Calibri" panose="020F0502020204030204" pitchFamily="34" charset="0"/>
-            </a:endParaRPr>
-          </a:p>
-          <a:p>
-            <a:pPr marL="853439" lvl="2" indent="-284479" defTabSz="292607">
-              <a:lnSpc>
-                <a:spcPts val="3700"/>
-              </a:lnSpc>
-              <a:spcBef>
-                <a:spcPts val="0"/>
-              </a:spcBef>
-              <a:tabLst>
-                <a:tab pos="88900" algn="l"/>
-                <a:tab pos="292100" algn="l"/>
-              </a:tabLst>
-              <a:defRPr sz="2048">
-                <a:latin typeface="Helvetica"/>
-                <a:ea typeface="Helvetica"/>
-                <a:cs typeface="Helvetica"/>
-                <a:sym typeface="Helvetica"/>
-              </a:defRPr>
-            </a:pPr>
             <a:endParaRPr sz="2400" dirty="0">
               <a:latin typeface="Calibri" panose="020F0502020204030204" pitchFamily="34" charset="0"/>
               <a:cs typeface="Calibri" panose="020F0502020204030204" pitchFamily="34" charset="0"/>
@@ -14576,7 +14389,7 @@
     </p:spTree>
     <p:extLst>
       <p:ext uri="{BB962C8B-B14F-4D97-AF65-F5344CB8AC3E}">
-        <p14:creationId xmlns:p14="http://schemas.microsoft.com/office/powerpoint/2010/main" val="3636484696"/>
+        <p14:creationId xmlns:p14="http://schemas.microsoft.com/office/powerpoint/2010/main" val="2295734143"/>
       </p:ext>
     </p:extLst>
   </p:cSld>
@@ -14630,7 +14443,7 @@
                 <a:latin typeface="Calibri" panose="020F0502020204030204" pitchFamily="34" charset="0"/>
                 <a:cs typeface="Calibri" panose="020F0502020204030204" pitchFamily="34" charset="0"/>
               </a:rPr>
-              <a:t>Example</a:t>
+              <a:t>Currying in Typescript</a:t>
             </a:r>
             <a:endParaRPr sz="4000" dirty="0">
               <a:latin typeface="Calibri" panose="020F0502020204030204" pitchFamily="34" charset="0"/>
@@ -14687,11 +14500,11 @@
                 <a:latin typeface="Calibri" panose="020F0502020204030204" pitchFamily="34" charset="0"/>
                 <a:cs typeface="Calibri" panose="020F0502020204030204" pitchFamily="34" charset="0"/>
               </a:rPr>
-              <a:t>Demo</a:t>
-            </a:r>
-          </a:p>
-          <a:p>
-            <a:pPr marL="853439" lvl="2" indent="-284479" defTabSz="292607">
+              <a:t>Currying is the technique of translating the evaluation of a function that takes multiple arguments into evaluating a sequence of functions</a:t>
+            </a:r>
+          </a:p>
+          <a:p>
+            <a:pPr marL="284479" indent="-284479" defTabSz="292607">
               <a:lnSpc>
                 <a:spcPts val="3700"/>
               </a:lnSpc>
@@ -14709,6 +14522,30 @@
                 <a:sym typeface="Helvetica"/>
               </a:defRPr>
             </a:pPr>
+            <a:endParaRPr lang="en-US" sz="2400" dirty="0">
+              <a:latin typeface="Calibri" panose="020F0502020204030204" pitchFamily="34" charset="0"/>
+              <a:cs typeface="Calibri" panose="020F0502020204030204" pitchFamily="34" charset="0"/>
+            </a:endParaRPr>
+          </a:p>
+          <a:p>
+            <a:pPr marL="853439" lvl="2" indent="-284479" defTabSz="292607">
+              <a:lnSpc>
+                <a:spcPts val="3700"/>
+              </a:lnSpc>
+              <a:spcBef>
+                <a:spcPts val="0"/>
+              </a:spcBef>
+              <a:tabLst>
+                <a:tab pos="88900" algn="l"/>
+                <a:tab pos="292100" algn="l"/>
+              </a:tabLst>
+              <a:defRPr sz="2048">
+                <a:latin typeface="Helvetica"/>
+                <a:ea typeface="Helvetica"/>
+                <a:cs typeface="Helvetica"/>
+                <a:sym typeface="Helvetica"/>
+              </a:defRPr>
+            </a:pPr>
             <a:endParaRPr sz="2400" dirty="0">
               <a:latin typeface="Calibri" panose="020F0502020204030204" pitchFamily="34" charset="0"/>
               <a:cs typeface="Calibri" panose="020F0502020204030204" pitchFamily="34" charset="0"/>
@@ -14719,7 +14556,7 @@
     </p:spTree>
     <p:extLst>
       <p:ext uri="{BB962C8B-B14F-4D97-AF65-F5344CB8AC3E}">
-        <p14:creationId xmlns:p14="http://schemas.microsoft.com/office/powerpoint/2010/main" val="2295734143"/>
+        <p14:creationId xmlns:p14="http://schemas.microsoft.com/office/powerpoint/2010/main" val="3465514236"/>
       </p:ext>
     </p:extLst>
   </p:cSld>
@@ -14773,7 +14610,7 @@
                 <a:latin typeface="Calibri" panose="020F0502020204030204" pitchFamily="34" charset="0"/>
                 <a:cs typeface="Calibri" panose="020F0502020204030204" pitchFamily="34" charset="0"/>
               </a:rPr>
-              <a:t>Currying in Typescript</a:t>
+              <a:t>Currying in Typescript..</a:t>
             </a:r>
             <a:endParaRPr sz="4000" dirty="0">
               <a:latin typeface="Calibri" panose="020F0502020204030204" pitchFamily="34" charset="0"/>
@@ -14852,19 +14689,24 @@
                 <a:sym typeface="Helvetica"/>
               </a:defRPr>
             </a:pPr>
-            <a:endParaRPr lang="en-US" sz="2400" dirty="0">
-              <a:latin typeface="Calibri" panose="020F0502020204030204" pitchFamily="34" charset="0"/>
-              <a:cs typeface="Calibri" panose="020F0502020204030204" pitchFamily="34" charset="0"/>
-            </a:endParaRPr>
-          </a:p>
-          <a:p>
-            <a:pPr marL="853439" lvl="2" indent="-284479" defTabSz="292607">
+            <a:r>
+              <a:rPr lang="en-US" sz="2400" dirty="0">
+                <a:latin typeface="Calibri" panose="020F0502020204030204" pitchFamily="34" charset="0"/>
+                <a:cs typeface="Calibri" panose="020F0502020204030204" pitchFamily="34" charset="0"/>
+                <a:sym typeface="Helvetica"/>
+              </a:rPr>
+              <a:t>Each function with a single argument</a:t>
+            </a:r>
+          </a:p>
+          <a:p>
+            <a:pPr marL="0" indent="0" defTabSz="292607">
               <a:lnSpc>
                 <a:spcPts val="3700"/>
               </a:lnSpc>
               <a:spcBef>
                 <a:spcPts val="0"/>
               </a:spcBef>
+              <a:buNone/>
               <a:tabLst>
                 <a:tab pos="88900" algn="l"/>
                 <a:tab pos="292100" algn="l"/>
@@ -14876,7 +14718,7 @@
                 <a:sym typeface="Helvetica"/>
               </a:defRPr>
             </a:pPr>
-            <a:endParaRPr sz="2400" dirty="0">
+            <a:endParaRPr lang="en-US" sz="2400" dirty="0">
               <a:latin typeface="Calibri" panose="020F0502020204030204" pitchFamily="34" charset="0"/>
               <a:cs typeface="Calibri" panose="020F0502020204030204" pitchFamily="34" charset="0"/>
             </a:endParaRPr>
@@ -14886,7 +14728,7 @@
     </p:spTree>
     <p:extLst>
       <p:ext uri="{BB962C8B-B14F-4D97-AF65-F5344CB8AC3E}">
-        <p14:creationId xmlns:p14="http://schemas.microsoft.com/office/powerpoint/2010/main" val="3465514236"/>
+        <p14:creationId xmlns:p14="http://schemas.microsoft.com/office/powerpoint/2010/main" val="2709800195"/>
       </p:ext>
     </p:extLst>
   </p:cSld>
@@ -14940,7 +14782,7 @@
                 <a:latin typeface="Calibri" panose="020F0502020204030204" pitchFamily="34" charset="0"/>
                 <a:cs typeface="Calibri" panose="020F0502020204030204" pitchFamily="34" charset="0"/>
               </a:rPr>
-              <a:t>Currying in Typescript.</a:t>
+              <a:t>Currying in Typescript…</a:t>
             </a:r>
             <a:endParaRPr sz="4000" dirty="0">
               <a:latin typeface="Calibri" panose="020F0502020204030204" pitchFamily="34" charset="0"/>
@@ -15048,13 +14890,17 @@
                 <a:sym typeface="Helvetica"/>
               </a:defRPr>
             </a:pPr>
-            <a:endParaRPr lang="en-US" sz="2400" dirty="0">
-              <a:latin typeface="Calibri" panose="020F0502020204030204" pitchFamily="34" charset="0"/>
-              <a:cs typeface="Calibri" panose="020F0502020204030204" pitchFamily="34" charset="0"/>
-            </a:endParaRPr>
-          </a:p>
-          <a:p>
-            <a:pPr marL="0" indent="-320040" defTabSz="292607">
+            <a:r>
+              <a:rPr lang="en-US" sz="2400" dirty="0">
+                <a:latin typeface="Calibri" panose="020F0502020204030204" pitchFamily="34" charset="0"/>
+                <a:cs typeface="Calibri" panose="020F0502020204030204" pitchFamily="34" charset="0"/>
+                <a:sym typeface="Helvetica"/>
+              </a:rPr>
+              <a:t>							f (n, m) --&gt; f’ (n)(m)</a:t>
+            </a:r>
+          </a:p>
+          <a:p>
+            <a:pPr marL="284479" indent="-284479" defTabSz="292607">
               <a:lnSpc>
                 <a:spcPts val="3700"/>
               </a:lnSpc>
@@ -15072,7 +14918,131 @@
                 <a:sym typeface="Helvetica"/>
               </a:defRPr>
             </a:pPr>
-            <a:endParaRPr sz="2400" dirty="0">
+            <a:r>
+              <a:rPr lang="en-US" sz="2400" dirty="0">
+                <a:latin typeface="Calibri" panose="020F0502020204030204" pitchFamily="34" charset="0"/>
+                <a:cs typeface="Calibri" panose="020F0502020204030204" pitchFamily="34" charset="0"/>
+                <a:sym typeface="Helvetica"/>
+              </a:rPr>
+              <a:t>Example: </a:t>
+            </a:r>
+          </a:p>
+          <a:p>
+            <a:pPr marL="444500" lvl="1" indent="0" defTabSz="292607">
+              <a:lnSpc>
+                <a:spcPts val="3700"/>
+              </a:lnSpc>
+              <a:spcBef>
+                <a:spcPts val="0"/>
+              </a:spcBef>
+              <a:buNone/>
+              <a:tabLst>
+                <a:tab pos="88900" algn="l"/>
+                <a:tab pos="292100" algn="l"/>
+              </a:tabLst>
+              <a:defRPr sz="2048">
+                <a:latin typeface="Helvetica"/>
+                <a:ea typeface="Helvetica"/>
+                <a:cs typeface="Helvetica"/>
+                <a:sym typeface="Helvetica"/>
+              </a:defRPr>
+            </a:pPr>
+            <a:r>
+              <a:rPr lang="en-US" sz="2400" dirty="0">
+                <a:latin typeface="Calibri" panose="020F0502020204030204" pitchFamily="34" charset="0"/>
+                <a:cs typeface="Calibri" panose="020F0502020204030204" pitchFamily="34" charset="0"/>
+                <a:sym typeface="Helvetica"/>
+              </a:rPr>
+              <a:t>				add (</a:t>
+            </a:r>
+            <a:r>
+              <a:rPr lang="en-US" sz="2400" dirty="0" err="1">
+                <a:latin typeface="Calibri" panose="020F0502020204030204" pitchFamily="34" charset="0"/>
+                <a:cs typeface="Calibri" panose="020F0502020204030204" pitchFamily="34" charset="0"/>
+                <a:sym typeface="Helvetica"/>
+              </a:rPr>
+              <a:t>x,b</a:t>
+            </a:r>
+            <a:r>
+              <a:rPr lang="en-US" sz="2400" dirty="0">
+                <a:latin typeface="Calibri" panose="020F0502020204030204" pitchFamily="34" charset="0"/>
+                <a:cs typeface="Calibri" panose="020F0502020204030204" pitchFamily="34" charset="0"/>
+                <a:sym typeface="Helvetica"/>
+              </a:rPr>
+              <a:t>) =&gt; add (a)(b)</a:t>
+            </a:r>
+          </a:p>
+          <a:p>
+            <a:pPr marL="0" indent="0" defTabSz="292607">
+              <a:lnSpc>
+                <a:spcPts val="3700"/>
+              </a:lnSpc>
+              <a:spcBef>
+                <a:spcPts val="0"/>
+              </a:spcBef>
+              <a:buNone/>
+              <a:tabLst>
+                <a:tab pos="88900" algn="l"/>
+                <a:tab pos="292100" algn="l"/>
+              </a:tabLst>
+              <a:defRPr sz="2048">
+                <a:latin typeface="Helvetica"/>
+                <a:ea typeface="Helvetica"/>
+                <a:cs typeface="Helvetica"/>
+                <a:sym typeface="Helvetica"/>
+              </a:defRPr>
+            </a:pPr>
+            <a:endParaRPr lang="en-US" sz="2400" dirty="0">
+              <a:latin typeface="Calibri" panose="020F0502020204030204" pitchFamily="34" charset="0"/>
+              <a:cs typeface="Calibri" panose="020F0502020204030204" pitchFamily="34" charset="0"/>
+              <a:sym typeface="Helvetica"/>
+            </a:endParaRPr>
+          </a:p>
+          <a:p>
+            <a:pPr marL="284479" indent="-284479" defTabSz="292607">
+              <a:lnSpc>
+                <a:spcPts val="3700"/>
+              </a:lnSpc>
+              <a:spcBef>
+                <a:spcPts val="0"/>
+              </a:spcBef>
+              <a:tabLst>
+                <a:tab pos="88900" algn="l"/>
+                <a:tab pos="292100" algn="l"/>
+              </a:tabLst>
+              <a:defRPr sz="2048">
+                <a:latin typeface="Helvetica"/>
+                <a:ea typeface="Helvetica"/>
+                <a:cs typeface="Helvetica"/>
+                <a:sym typeface="Helvetica"/>
+              </a:defRPr>
+            </a:pPr>
+            <a:endParaRPr lang="en-US" sz="2400" dirty="0">
+              <a:latin typeface="Calibri" panose="020F0502020204030204" pitchFamily="34" charset="0"/>
+              <a:cs typeface="Calibri" panose="020F0502020204030204" pitchFamily="34" charset="0"/>
+              <a:sym typeface="Helvetica"/>
+            </a:endParaRPr>
+          </a:p>
+          <a:p>
+            <a:pPr marL="284479" indent="-284479" defTabSz="292607">
+              <a:lnSpc>
+                <a:spcPts val="3700"/>
+              </a:lnSpc>
+              <a:spcBef>
+                <a:spcPts val="0"/>
+              </a:spcBef>
+              <a:tabLst>
+                <a:tab pos="88900" algn="l"/>
+                <a:tab pos="292100" algn="l"/>
+              </a:tabLst>
+              <a:defRPr sz="2048">
+                <a:latin typeface="Helvetica"/>
+                <a:ea typeface="Helvetica"/>
+                <a:cs typeface="Helvetica"/>
+                <a:sym typeface="Helvetica"/>
+              </a:defRPr>
+            </a:pPr>
+            <a:endParaRPr lang="en-US" sz="2400" dirty="0">
               <a:latin typeface="Calibri" panose="020F0502020204030204" pitchFamily="34" charset="0"/>
               <a:cs typeface="Calibri" panose="020F0502020204030204" pitchFamily="34" charset="0"/>
             </a:endParaRPr>
@@ -15082,7 +15052,7 @@
     </p:spTree>
     <p:extLst>
       <p:ext uri="{BB962C8B-B14F-4D97-AF65-F5344CB8AC3E}">
-        <p14:creationId xmlns:p14="http://schemas.microsoft.com/office/powerpoint/2010/main" val="1414048649"/>
+        <p14:creationId xmlns:p14="http://schemas.microsoft.com/office/powerpoint/2010/main" val="287850967"/>
       </p:ext>
     </p:extLst>
   </p:cSld>
@@ -15136,7 +15106,7 @@
                 <a:latin typeface="Calibri" panose="020F0502020204030204" pitchFamily="34" charset="0"/>
                 <a:cs typeface="Calibri" panose="020F0502020204030204" pitchFamily="34" charset="0"/>
               </a:rPr>
-              <a:t>Currying in Typescript..</a:t>
+              <a:t>Currying in Typescript….</a:t>
             </a:r>
             <a:endParaRPr sz="4000" dirty="0">
               <a:latin typeface="Calibri" panose="020F0502020204030204" pitchFamily="34" charset="0"/>
@@ -15244,6 +15214,211 @@
                 <a:sym typeface="Helvetica"/>
               </a:defRPr>
             </a:pPr>
+            <a:r>
+              <a:rPr lang="en-US" sz="2400" dirty="0">
+                <a:latin typeface="Calibri" panose="020F0502020204030204" pitchFamily="34" charset="0"/>
+                <a:cs typeface="Calibri" panose="020F0502020204030204" pitchFamily="34" charset="0"/>
+                <a:sym typeface="Helvetica"/>
+              </a:rPr>
+              <a:t>							f (n, m) --&gt; f’ (n)(m)</a:t>
+            </a:r>
+          </a:p>
+          <a:p>
+            <a:pPr marL="284479" indent="-284479" defTabSz="292607">
+              <a:lnSpc>
+                <a:spcPts val="3700"/>
+              </a:lnSpc>
+              <a:spcBef>
+                <a:spcPts val="0"/>
+              </a:spcBef>
+              <a:tabLst>
+                <a:tab pos="88900" algn="l"/>
+                <a:tab pos="292100" algn="l"/>
+              </a:tabLst>
+              <a:defRPr sz="2048">
+                <a:latin typeface="Helvetica"/>
+                <a:ea typeface="Helvetica"/>
+                <a:cs typeface="Helvetica"/>
+                <a:sym typeface="Helvetica"/>
+              </a:defRPr>
+            </a:pPr>
+            <a:r>
+              <a:rPr lang="en-US" sz="2400" dirty="0">
+                <a:latin typeface="Calibri" panose="020F0502020204030204" pitchFamily="34" charset="0"/>
+                <a:cs typeface="Calibri" panose="020F0502020204030204" pitchFamily="34" charset="0"/>
+                <a:sym typeface="Helvetica"/>
+              </a:rPr>
+              <a:t>Example: </a:t>
+            </a:r>
+          </a:p>
+          <a:p>
+            <a:pPr marL="444500" lvl="1" indent="0" defTabSz="292607">
+              <a:lnSpc>
+                <a:spcPts val="3700"/>
+              </a:lnSpc>
+              <a:spcBef>
+                <a:spcPts val="0"/>
+              </a:spcBef>
+              <a:buNone/>
+              <a:tabLst>
+                <a:tab pos="88900" algn="l"/>
+                <a:tab pos="292100" algn="l"/>
+              </a:tabLst>
+              <a:defRPr sz="2048">
+                <a:latin typeface="Helvetica"/>
+                <a:ea typeface="Helvetica"/>
+                <a:cs typeface="Helvetica"/>
+                <a:sym typeface="Helvetica"/>
+              </a:defRPr>
+            </a:pPr>
+            <a:r>
+              <a:rPr lang="en-US" sz="2400" dirty="0">
+                <a:latin typeface="Calibri" panose="020F0502020204030204" pitchFamily="34" charset="0"/>
+                <a:cs typeface="Calibri" panose="020F0502020204030204" pitchFamily="34" charset="0"/>
+                <a:sym typeface="Helvetica"/>
+              </a:rPr>
+              <a:t>				add (</a:t>
+            </a:r>
+            <a:r>
+              <a:rPr lang="en-US" sz="2400" dirty="0" err="1">
+                <a:latin typeface="Calibri" panose="020F0502020204030204" pitchFamily="34" charset="0"/>
+                <a:cs typeface="Calibri" panose="020F0502020204030204" pitchFamily="34" charset="0"/>
+                <a:sym typeface="Helvetica"/>
+              </a:rPr>
+              <a:t>x,b</a:t>
+            </a:r>
+            <a:r>
+              <a:rPr lang="en-US" sz="2400" dirty="0">
+                <a:latin typeface="Calibri" panose="020F0502020204030204" pitchFamily="34" charset="0"/>
+                <a:cs typeface="Calibri" panose="020F0502020204030204" pitchFamily="34" charset="0"/>
+                <a:sym typeface="Helvetica"/>
+              </a:rPr>
+              <a:t>) =&gt; add (a)(b)</a:t>
+            </a:r>
+          </a:p>
+          <a:p>
+            <a:pPr marL="444500" lvl="1" indent="0" defTabSz="292607">
+              <a:lnSpc>
+                <a:spcPts val="3700"/>
+              </a:lnSpc>
+              <a:spcBef>
+                <a:spcPts val="0"/>
+              </a:spcBef>
+              <a:buNone/>
+              <a:tabLst>
+                <a:tab pos="88900" algn="l"/>
+                <a:tab pos="292100" algn="l"/>
+              </a:tabLst>
+              <a:defRPr sz="2048">
+                <a:latin typeface="Helvetica"/>
+                <a:ea typeface="Helvetica"/>
+                <a:cs typeface="Helvetica"/>
+                <a:sym typeface="Helvetica"/>
+              </a:defRPr>
+            </a:pPr>
+            <a:endParaRPr lang="en-US" sz="2400" dirty="0">
+              <a:latin typeface="Calibri" panose="020F0502020204030204" pitchFamily="34" charset="0"/>
+              <a:cs typeface="Calibri" panose="020F0502020204030204" pitchFamily="34" charset="0"/>
+              <a:sym typeface="Helvetica"/>
+            </a:endParaRPr>
+          </a:p>
+          <a:p>
+            <a:pPr marL="284479" indent="-284479" defTabSz="292607">
+              <a:lnSpc>
+                <a:spcPts val="3700"/>
+              </a:lnSpc>
+              <a:spcBef>
+                <a:spcPts val="0"/>
+              </a:spcBef>
+              <a:tabLst>
+                <a:tab pos="88900" algn="l"/>
+                <a:tab pos="292100" algn="l"/>
+              </a:tabLst>
+              <a:defRPr sz="2048">
+                <a:latin typeface="Helvetica"/>
+                <a:ea typeface="Helvetica"/>
+                <a:cs typeface="Helvetica"/>
+                <a:sym typeface="Helvetica"/>
+              </a:defRPr>
+            </a:pPr>
+            <a:r>
+              <a:rPr lang="en-US" sz="2400" dirty="0">
+                <a:latin typeface="Calibri" panose="020F0502020204030204" pitchFamily="34" charset="0"/>
+                <a:cs typeface="Calibri" panose="020F0502020204030204" pitchFamily="34" charset="0"/>
+                <a:sym typeface="Helvetica"/>
+              </a:rPr>
+              <a:t>Using higher order functions (functions accepting other functions as parameters) can also be combined with generics leading to complex constructions</a:t>
+            </a:r>
+          </a:p>
+          <a:p>
+            <a:pPr marL="284479" indent="-284479" defTabSz="292607">
+              <a:lnSpc>
+                <a:spcPts val="3700"/>
+              </a:lnSpc>
+              <a:spcBef>
+                <a:spcPts val="0"/>
+              </a:spcBef>
+              <a:tabLst>
+                <a:tab pos="88900" algn="l"/>
+                <a:tab pos="292100" algn="l"/>
+              </a:tabLst>
+              <a:defRPr sz="2048">
+                <a:latin typeface="Helvetica"/>
+                <a:ea typeface="Helvetica"/>
+                <a:cs typeface="Helvetica"/>
+                <a:sym typeface="Helvetica"/>
+              </a:defRPr>
+            </a:pPr>
+            <a:endParaRPr lang="en-US" sz="2400" dirty="0">
+              <a:latin typeface="Calibri" panose="020F0502020204030204" pitchFamily="34" charset="0"/>
+              <a:cs typeface="Calibri" panose="020F0502020204030204" pitchFamily="34" charset="0"/>
+              <a:sym typeface="Helvetica"/>
+            </a:endParaRPr>
+          </a:p>
+          <a:p>
+            <a:pPr marL="284479" indent="-284479" defTabSz="292607">
+              <a:lnSpc>
+                <a:spcPts val="3700"/>
+              </a:lnSpc>
+              <a:spcBef>
+                <a:spcPts val="0"/>
+              </a:spcBef>
+              <a:tabLst>
+                <a:tab pos="88900" algn="l"/>
+                <a:tab pos="292100" algn="l"/>
+              </a:tabLst>
+              <a:defRPr sz="2048">
+                <a:latin typeface="Helvetica"/>
+                <a:ea typeface="Helvetica"/>
+                <a:cs typeface="Helvetica"/>
+                <a:sym typeface="Helvetica"/>
+              </a:defRPr>
+            </a:pPr>
+            <a:endParaRPr lang="en-US" sz="2400" dirty="0">
+              <a:latin typeface="Calibri" panose="020F0502020204030204" pitchFamily="34" charset="0"/>
+              <a:cs typeface="Calibri" panose="020F0502020204030204" pitchFamily="34" charset="0"/>
+              <a:sym typeface="Helvetica"/>
+            </a:endParaRPr>
+          </a:p>
+          <a:p>
+            <a:pPr marL="284479" indent="-284479" defTabSz="292607">
+              <a:lnSpc>
+                <a:spcPts val="3700"/>
+              </a:lnSpc>
+              <a:spcBef>
+                <a:spcPts val="0"/>
+              </a:spcBef>
+              <a:tabLst>
+                <a:tab pos="88900" algn="l"/>
+                <a:tab pos="292100" algn="l"/>
+              </a:tabLst>
+              <a:defRPr sz="2048">
+                <a:latin typeface="Helvetica"/>
+                <a:ea typeface="Helvetica"/>
+                <a:cs typeface="Helvetica"/>
+                <a:sym typeface="Helvetica"/>
+              </a:defRPr>
+            </a:pPr>
             <a:endParaRPr lang="en-US" sz="2400" dirty="0">
               <a:latin typeface="Calibri" panose="020F0502020204030204" pitchFamily="34" charset="0"/>
               <a:cs typeface="Calibri" panose="020F0502020204030204" pitchFamily="34" charset="0"/>
@@ -15254,7 +15429,7 @@
     </p:spTree>
     <p:extLst>
       <p:ext uri="{BB962C8B-B14F-4D97-AF65-F5344CB8AC3E}">
-        <p14:creationId xmlns:p14="http://schemas.microsoft.com/office/powerpoint/2010/main" val="2709800195"/>
+        <p14:creationId xmlns:p14="http://schemas.microsoft.com/office/powerpoint/2010/main" val="1236830383"/>
       </p:ext>
     </p:extLst>
   </p:cSld>
@@ -15308,7 +15483,7 @@
                 <a:latin typeface="Calibri" panose="020F0502020204030204" pitchFamily="34" charset="0"/>
                 <a:cs typeface="Calibri" panose="020F0502020204030204" pitchFamily="34" charset="0"/>
               </a:rPr>
-              <a:t>Currying in Typescript…</a:t>
+              <a:t>Currying in Typescript…..</a:t>
             </a:r>
             <a:endParaRPr sz="4000" dirty="0">
               <a:latin typeface="Calibri" panose="020F0502020204030204" pitchFamily="34" charset="0"/>
@@ -15487,7 +15662,7 @@
                 <a:cs typeface="Calibri" panose="020F0502020204030204" pitchFamily="34" charset="0"/>
                 <a:sym typeface="Helvetica"/>
               </a:rPr>
-              <a:t>x,b</a:t>
+              <a:t>a,b</a:t>
             </a:r>
             <a:r>
               <a:rPr lang="en-US" sz="2400" dirty="0">
@@ -15499,7 +15674,7 @@
             </a:r>
           </a:p>
           <a:p>
-            <a:pPr marL="0" indent="0" defTabSz="292607">
+            <a:pPr marL="444500" lvl="1" indent="0" defTabSz="292607">
               <a:lnSpc>
                 <a:spcPts val="3700"/>
               </a:lnSpc>
@@ -15543,20 +15718,24 @@
                 <a:sym typeface="Helvetica"/>
               </a:defRPr>
             </a:pPr>
-            <a:endParaRPr lang="en-US" sz="2400" dirty="0">
-              <a:latin typeface="Calibri" panose="020F0502020204030204" pitchFamily="34" charset="0"/>
-              <a:cs typeface="Calibri" panose="020F0502020204030204" pitchFamily="34" charset="0"/>
-              <a:sym typeface="Helvetica"/>
-            </a:endParaRPr>
-          </a:p>
-          <a:p>
-            <a:pPr marL="284479" indent="-284479" defTabSz="292607">
+            <a:r>
+              <a:rPr lang="en-US" sz="2400" dirty="0">
+                <a:latin typeface="Calibri" panose="020F0502020204030204" pitchFamily="34" charset="0"/>
+                <a:cs typeface="Calibri" panose="020F0502020204030204" pitchFamily="34" charset="0"/>
+                <a:sym typeface="Helvetica"/>
+              </a:rPr>
+              <a:t>Using higher order functions (functions accepting other functions as parameters) can also be combined with generics leading to complex constructions</a:t>
+            </a:r>
+          </a:p>
+          <a:p>
+            <a:pPr marL="444500" lvl="1" indent="0" defTabSz="292607">
               <a:lnSpc>
                 <a:spcPts val="3700"/>
               </a:lnSpc>
               <a:spcBef>
                 <a:spcPts val="0"/>
               </a:spcBef>
+              <a:buNone/>
               <a:tabLst>
                 <a:tab pos="88900" algn="l"/>
                 <a:tab pos="292100" algn="l"/>
@@ -15568,6 +15747,111 @@
                 <a:sym typeface="Helvetica"/>
               </a:defRPr>
             </a:pPr>
+            <a:r>
+              <a:rPr lang="en-US" sz="2400" dirty="0">
+                <a:solidFill>
+                  <a:srgbClr val="0070C0"/>
+                </a:solidFill>
+                <a:latin typeface="Calibri" panose="020F0502020204030204" pitchFamily="34" charset="0"/>
+                <a:cs typeface="Calibri" panose="020F0502020204030204" pitchFamily="34" charset="0"/>
+                <a:sym typeface="Helvetica"/>
+              </a:rPr>
+              <a:t>type</a:t>
+            </a:r>
+            <a:r>
+              <a:rPr lang="en-US" sz="2400" dirty="0">
+                <a:latin typeface="Calibri" panose="020F0502020204030204" pitchFamily="34" charset="0"/>
+                <a:cs typeface="Calibri" panose="020F0502020204030204" pitchFamily="34" charset="0"/>
+                <a:sym typeface="Helvetica"/>
+              </a:rPr>
+              <a:t> </a:t>
+            </a:r>
+            <a:r>
+              <a:rPr lang="en-US" sz="2400" dirty="0" err="1">
+                <a:latin typeface="Calibri" panose="020F0502020204030204" pitchFamily="34" charset="0"/>
+                <a:cs typeface="Calibri" panose="020F0502020204030204" pitchFamily="34" charset="0"/>
+                <a:sym typeface="Helvetica"/>
+              </a:rPr>
+              <a:t>Func</a:t>
+            </a:r>
+            <a:r>
+              <a:rPr lang="en-US" sz="2400" dirty="0">
+                <a:latin typeface="Calibri" panose="020F0502020204030204" pitchFamily="34" charset="0"/>
+                <a:cs typeface="Calibri" panose="020F0502020204030204" pitchFamily="34" charset="0"/>
+                <a:sym typeface="Helvetica"/>
+              </a:rPr>
+              <a:t>&lt;A,B&gt; = (_:A) =&gt; B</a:t>
+            </a:r>
+          </a:p>
+          <a:p>
+            <a:pPr marL="284479" indent="-284479" defTabSz="292607">
+              <a:lnSpc>
+                <a:spcPts val="3700"/>
+              </a:lnSpc>
+              <a:spcBef>
+                <a:spcPts val="0"/>
+              </a:spcBef>
+              <a:tabLst>
+                <a:tab pos="88900" algn="l"/>
+                <a:tab pos="292100" algn="l"/>
+              </a:tabLst>
+              <a:defRPr sz="2048">
+                <a:latin typeface="Helvetica"/>
+                <a:ea typeface="Helvetica"/>
+                <a:cs typeface="Helvetica"/>
+                <a:sym typeface="Helvetica"/>
+              </a:defRPr>
+            </a:pPr>
+            <a:endParaRPr lang="en-US" sz="2400" dirty="0">
+              <a:latin typeface="Calibri" panose="020F0502020204030204" pitchFamily="34" charset="0"/>
+              <a:cs typeface="Calibri" panose="020F0502020204030204" pitchFamily="34" charset="0"/>
+              <a:sym typeface="Helvetica"/>
+            </a:endParaRPr>
+          </a:p>
+          <a:p>
+            <a:pPr marL="284479" indent="-284479" defTabSz="292607">
+              <a:lnSpc>
+                <a:spcPts val="3700"/>
+              </a:lnSpc>
+              <a:spcBef>
+                <a:spcPts val="0"/>
+              </a:spcBef>
+              <a:tabLst>
+                <a:tab pos="88900" algn="l"/>
+                <a:tab pos="292100" algn="l"/>
+              </a:tabLst>
+              <a:defRPr sz="2048">
+                <a:latin typeface="Helvetica"/>
+                <a:ea typeface="Helvetica"/>
+                <a:cs typeface="Helvetica"/>
+                <a:sym typeface="Helvetica"/>
+              </a:defRPr>
+            </a:pPr>
+            <a:endParaRPr lang="en-US" sz="2400" dirty="0">
+              <a:latin typeface="Calibri" panose="020F0502020204030204" pitchFamily="34" charset="0"/>
+              <a:cs typeface="Calibri" panose="020F0502020204030204" pitchFamily="34" charset="0"/>
+              <a:sym typeface="Helvetica"/>
+            </a:endParaRPr>
+          </a:p>
+          <a:p>
+            <a:pPr marL="284479" indent="-284479" defTabSz="292607">
+              <a:lnSpc>
+                <a:spcPts val="3700"/>
+              </a:lnSpc>
+              <a:spcBef>
+                <a:spcPts val="0"/>
+              </a:spcBef>
+              <a:tabLst>
+                <a:tab pos="88900" algn="l"/>
+                <a:tab pos="292100" algn="l"/>
+              </a:tabLst>
+              <a:defRPr sz="2048">
+                <a:latin typeface="Helvetica"/>
+                <a:ea typeface="Helvetica"/>
+                <a:cs typeface="Helvetica"/>
+                <a:sym typeface="Helvetica"/>
+              </a:defRPr>
+            </a:pPr>
             <a:endParaRPr lang="en-US" sz="2400" dirty="0">
               <a:latin typeface="Calibri" panose="020F0502020204030204" pitchFamily="34" charset="0"/>
               <a:cs typeface="Calibri" panose="020F0502020204030204" pitchFamily="34" charset="0"/>
@@ -15578,7 +15862,7 @@
     </p:spTree>
     <p:extLst>
       <p:ext uri="{BB962C8B-B14F-4D97-AF65-F5344CB8AC3E}">
-        <p14:creationId xmlns:p14="http://schemas.microsoft.com/office/powerpoint/2010/main" val="287850967"/>
+        <p14:creationId xmlns:p14="http://schemas.microsoft.com/office/powerpoint/2010/main" val="1694829221"/>
       </p:ext>
     </p:extLst>
   </p:cSld>
@@ -15632,7 +15916,7 @@
                 <a:latin typeface="Calibri" panose="020F0502020204030204" pitchFamily="34" charset="0"/>
                 <a:cs typeface="Calibri" panose="020F0502020204030204" pitchFamily="34" charset="0"/>
               </a:rPr>
-              <a:t>Currying in Typescript….</a:t>
+              <a:t>Currying in Typescript……</a:t>
             </a:r>
             <a:endParaRPr sz="4000" dirty="0">
               <a:latin typeface="Calibri" panose="020F0502020204030204" pitchFamily="34" charset="0"/>
@@ -15877,228 +16161,7 @@
             </a:r>
           </a:p>
           <a:p>
-            <a:pPr marL="284479" indent="-284479" defTabSz="292607">
-              <a:lnSpc>
-                <a:spcPts val="3700"/>
-              </a:lnSpc>
-              <a:spcBef>
-                <a:spcPts val="0"/>
-              </a:spcBef>
-              <a:tabLst>
-                <a:tab pos="88900" algn="l"/>
-                <a:tab pos="292100" algn="l"/>
-              </a:tabLst>
-              <a:defRPr sz="2048">
-                <a:latin typeface="Helvetica"/>
-                <a:ea typeface="Helvetica"/>
-                <a:cs typeface="Helvetica"/>
-                <a:sym typeface="Helvetica"/>
-              </a:defRPr>
-            </a:pPr>
-            <a:endParaRPr lang="en-US" sz="2400" dirty="0">
-              <a:latin typeface="Calibri" panose="020F0502020204030204" pitchFamily="34" charset="0"/>
-              <a:cs typeface="Calibri" panose="020F0502020204030204" pitchFamily="34" charset="0"/>
-              <a:sym typeface="Helvetica"/>
-            </a:endParaRPr>
-          </a:p>
-          <a:p>
-            <a:pPr marL="284479" indent="-284479" defTabSz="292607">
-              <a:lnSpc>
-                <a:spcPts val="3700"/>
-              </a:lnSpc>
-              <a:spcBef>
-                <a:spcPts val="0"/>
-              </a:spcBef>
-              <a:tabLst>
-                <a:tab pos="88900" algn="l"/>
-                <a:tab pos="292100" algn="l"/>
-              </a:tabLst>
-              <a:defRPr sz="2048">
-                <a:latin typeface="Helvetica"/>
-                <a:ea typeface="Helvetica"/>
-                <a:cs typeface="Helvetica"/>
-                <a:sym typeface="Helvetica"/>
-              </a:defRPr>
-            </a:pPr>
-            <a:endParaRPr lang="en-US" sz="2400" dirty="0">
-              <a:latin typeface="Calibri" panose="020F0502020204030204" pitchFamily="34" charset="0"/>
-              <a:cs typeface="Calibri" panose="020F0502020204030204" pitchFamily="34" charset="0"/>
-              <a:sym typeface="Helvetica"/>
-            </a:endParaRPr>
-          </a:p>
-          <a:p>
-            <a:pPr marL="284479" indent="-284479" defTabSz="292607">
-              <a:lnSpc>
-                <a:spcPts val="3700"/>
-              </a:lnSpc>
-              <a:spcBef>
-                <a:spcPts val="0"/>
-              </a:spcBef>
-              <a:tabLst>
-                <a:tab pos="88900" algn="l"/>
-                <a:tab pos="292100" algn="l"/>
-              </a:tabLst>
-              <a:defRPr sz="2048">
-                <a:latin typeface="Helvetica"/>
-                <a:ea typeface="Helvetica"/>
-                <a:cs typeface="Helvetica"/>
-                <a:sym typeface="Helvetica"/>
-              </a:defRPr>
-            </a:pPr>
-            <a:endParaRPr lang="en-US" sz="2400" dirty="0">
-              <a:latin typeface="Calibri" panose="020F0502020204030204" pitchFamily="34" charset="0"/>
-              <a:cs typeface="Calibri" panose="020F0502020204030204" pitchFamily="34" charset="0"/>
-            </a:endParaRPr>
-          </a:p>
-        </p:txBody>
-      </p:sp>
-    </p:spTree>
-    <p:extLst>
-      <p:ext uri="{BB962C8B-B14F-4D97-AF65-F5344CB8AC3E}">
-        <p14:creationId xmlns:p14="http://schemas.microsoft.com/office/powerpoint/2010/main" val="1236830383"/>
-      </p:ext>
-    </p:extLst>
-  </p:cSld>
-  <p:clrMapOvr>
-    <a:masterClrMapping/>
-  </p:clrMapOvr>
-  <p:transition spd="med"/>
-</p:sld>
-</file>
-
-<file path=ppt/slides/slide47.xml><?xml version="1.0" encoding="utf-8"?>
-<p:sld xmlns:a="http://schemas.openxmlformats.org/drawingml/2006/main" xmlns:r="http://schemas.openxmlformats.org/officeDocument/2006/relationships" xmlns:p="http://schemas.openxmlformats.org/presentationml/2006/main">
-  <p:cSld>
-    <p:spTree>
-      <p:nvGrpSpPr>
-        <p:cNvPr id="1" name=""/>
-        <p:cNvGrpSpPr/>
-        <p:nvPr/>
-      </p:nvGrpSpPr>
-      <p:grpSpPr>
-        <a:xfrm>
-          <a:off x="0" y="0"/>
-          <a:ext cx="0" cy="0"/>
-          <a:chOff x="0" y="0"/>
-          <a:chExt cx="0" cy="0"/>
-        </a:xfrm>
-      </p:grpSpPr>
-      <p:sp>
-        <p:nvSpPr>
-          <p:cNvPr id="150" name="Types in Typescript"/>
-          <p:cNvSpPr txBox="1">
-            <a:spLocks noGrp="1"/>
-          </p:cNvSpPr>
-          <p:nvPr>
-            <p:ph type="title"/>
-          </p:nvPr>
-        </p:nvSpPr>
-        <p:spPr>
-          <a:prstGeom prst="rect">
-            <a:avLst/>
-          </a:prstGeom>
-        </p:spPr>
-        <p:txBody>
-          <a:bodyPr>
-            <a:normAutofit/>
-          </a:bodyPr>
-          <a:lstStyle/>
-          <a:p>
-            <a:r>
-              <a:rPr lang="en-US" sz="4000" dirty="0">
-                <a:latin typeface="Calibri" panose="020F0502020204030204" pitchFamily="34" charset="0"/>
-                <a:cs typeface="Calibri" panose="020F0502020204030204" pitchFamily="34" charset="0"/>
-              </a:rPr>
-              <a:t>Currying in Typescript…..</a:t>
-            </a:r>
-            <a:endParaRPr sz="4000" dirty="0">
-              <a:latin typeface="Calibri" panose="020F0502020204030204" pitchFamily="34" charset="0"/>
-              <a:cs typeface="Calibri" panose="020F0502020204030204" pitchFamily="34" charset="0"/>
-            </a:endParaRPr>
-          </a:p>
-        </p:txBody>
-      </p:sp>
-      <p:sp>
-        <p:nvSpPr>
-          <p:cNvPr id="151" name="Union is a sort of sum, or set union:…"/>
-          <p:cNvSpPr txBox="1">
-            <a:spLocks noGrp="1"/>
-          </p:cNvSpPr>
-          <p:nvPr>
-            <p:ph type="body" idx="1"/>
-          </p:nvPr>
-        </p:nvSpPr>
-        <p:spPr>
-          <a:xfrm>
-            <a:off x="952500" y="2590800"/>
-            <a:ext cx="11099800" cy="6286500"/>
-          </a:xfrm>
-          <a:prstGeom prst="rect">
-            <a:avLst/>
-          </a:prstGeom>
-        </p:spPr>
-        <p:txBody>
-          <a:bodyPr anchor="t">
-            <a:noAutofit/>
-          </a:bodyPr>
-          <a:lstStyle/>
-          <a:p>
-            <a:pPr marL="284479" indent="-284479" defTabSz="292607">
-              <a:lnSpc>
-                <a:spcPts val="3700"/>
-              </a:lnSpc>
-              <a:spcBef>
-                <a:spcPts val="0"/>
-              </a:spcBef>
-              <a:tabLst>
-                <a:tab pos="88900" algn="l"/>
-                <a:tab pos="292100" algn="l"/>
-              </a:tabLst>
-              <a:defRPr sz="2048">
-                <a:latin typeface="Helvetica"/>
-                <a:ea typeface="Helvetica"/>
-                <a:cs typeface="Helvetica"/>
-                <a:sym typeface="Helvetica"/>
-              </a:defRPr>
-            </a:pPr>
-            <a:r>
-              <a:rPr lang="en-US" sz="2400" dirty="0">
-                <a:latin typeface="Calibri" panose="020F0502020204030204" pitchFamily="34" charset="0"/>
-                <a:cs typeface="Calibri" panose="020F0502020204030204" pitchFamily="34" charset="0"/>
-              </a:rPr>
-              <a:t>Currying is the technique of translating the evaluation of a function that takes multiple arguments into evaluating a sequence of functions</a:t>
-            </a:r>
-          </a:p>
-          <a:p>
-            <a:pPr marL="284479" indent="-284479" defTabSz="292607">
-              <a:lnSpc>
-                <a:spcPts val="3700"/>
-              </a:lnSpc>
-              <a:spcBef>
-                <a:spcPts val="0"/>
-              </a:spcBef>
-              <a:tabLst>
-                <a:tab pos="88900" algn="l"/>
-                <a:tab pos="292100" algn="l"/>
-              </a:tabLst>
-              <a:defRPr sz="2048">
-                <a:latin typeface="Helvetica"/>
-                <a:ea typeface="Helvetica"/>
-                <a:cs typeface="Helvetica"/>
-                <a:sym typeface="Helvetica"/>
-              </a:defRPr>
-            </a:pPr>
-            <a:r>
-              <a:rPr lang="en-US" sz="2400" dirty="0">
-                <a:latin typeface="Calibri" panose="020F0502020204030204" pitchFamily="34" charset="0"/>
-                <a:cs typeface="Calibri" panose="020F0502020204030204" pitchFamily="34" charset="0"/>
-                <a:sym typeface="Helvetica"/>
-              </a:rPr>
-              <a:t>Each function with a single argument</a:t>
-            </a:r>
-          </a:p>
-          <a:p>
-            <a:pPr marL="0" indent="0" defTabSz="292607">
+            <a:pPr marL="444500" lvl="1" indent="0" defTabSz="292607">
               <a:lnSpc>
                 <a:spcPts val="3700"/>
               </a:lnSpc>
@@ -16119,39 +16182,38 @@
             </a:pPr>
             <a:r>
               <a:rPr lang="en-US" sz="2400" dirty="0">
+                <a:solidFill>
+                  <a:srgbClr val="0070C0"/>
+                </a:solidFill>
                 <a:latin typeface="Calibri" panose="020F0502020204030204" pitchFamily="34" charset="0"/>
                 <a:cs typeface="Calibri" panose="020F0502020204030204" pitchFamily="34" charset="0"/>
                 <a:sym typeface="Helvetica"/>
               </a:rPr>
-              <a:t>							f (n, m) --&gt; f’ (n)(m)</a:t>
-            </a:r>
-          </a:p>
-          <a:p>
-            <a:pPr marL="284479" indent="-284479" defTabSz="292607">
-              <a:lnSpc>
-                <a:spcPts val="3700"/>
-              </a:lnSpc>
-              <a:spcBef>
-                <a:spcPts val="0"/>
-              </a:spcBef>
-              <a:tabLst>
-                <a:tab pos="88900" algn="l"/>
-                <a:tab pos="292100" algn="l"/>
-              </a:tabLst>
-              <a:defRPr sz="2048">
-                <a:latin typeface="Helvetica"/>
-                <a:ea typeface="Helvetica"/>
-                <a:cs typeface="Helvetica"/>
+              <a:t>type</a:t>
+            </a:r>
+            <a:r>
+              <a:rPr lang="en-US" sz="2400" dirty="0">
+                <a:latin typeface="Calibri" panose="020F0502020204030204" pitchFamily="34" charset="0"/>
+                <a:cs typeface="Calibri" panose="020F0502020204030204" pitchFamily="34" charset="0"/>
                 <a:sym typeface="Helvetica"/>
-              </a:defRPr>
-            </a:pPr>
-            <a:r>
-              <a:rPr lang="en-US" sz="2400" dirty="0">
+              </a:rPr>
+              <a:t> </a:t>
+            </a:r>
+            <a:r>
+              <a:rPr lang="en-US" sz="2400" dirty="0" err="1">
                 <a:latin typeface="Calibri" panose="020F0502020204030204" pitchFamily="34" charset="0"/>
                 <a:cs typeface="Calibri" panose="020F0502020204030204" pitchFamily="34" charset="0"/>
                 <a:sym typeface="Helvetica"/>
               </a:rPr>
-              <a:t>Example: </a:t>
+              <a:t>Func</a:t>
+            </a:r>
+            <a:r>
+              <a:rPr lang="en-US" sz="2400" dirty="0">
+                <a:latin typeface="Calibri" panose="020F0502020204030204" pitchFamily="34" charset="0"/>
+                <a:cs typeface="Calibri" panose="020F0502020204030204" pitchFamily="34" charset="0"/>
+                <a:sym typeface="Helvetica"/>
+              </a:rPr>
+              <a:t>&lt;A,B&gt; = (_:A) =&gt; B</a:t>
             </a:r>
           </a:p>
           <a:p>
@@ -16176,11 +16238,22 @@
             </a:pPr>
             <a:r>
               <a:rPr lang="en-US" sz="2400" dirty="0">
+                <a:solidFill>
+                  <a:srgbClr val="0070C0"/>
+                </a:solidFill>
                 <a:latin typeface="Calibri" panose="020F0502020204030204" pitchFamily="34" charset="0"/>
                 <a:cs typeface="Calibri" panose="020F0502020204030204" pitchFamily="34" charset="0"/>
                 <a:sym typeface="Helvetica"/>
               </a:rPr>
-              <a:t>				add (</a:t>
+              <a:t>let</a:t>
+            </a:r>
+            <a:r>
+              <a:rPr lang="en-US" sz="2400" dirty="0">
+                <a:latin typeface="Calibri" panose="020F0502020204030204" pitchFamily="34" charset="0"/>
+                <a:cs typeface="Calibri" panose="020F0502020204030204" pitchFamily="34" charset="0"/>
+                <a:sym typeface="Helvetica"/>
+              </a:rPr>
+              <a:t> pipeline : &lt;A,B,C&gt;(_:</a:t>
             </a:r>
             <a:r>
               <a:rPr lang="en-US" sz="2400" dirty="0" err="1">
@@ -16188,7 +16261,7 @@
                 <a:cs typeface="Calibri" panose="020F0502020204030204" pitchFamily="34" charset="0"/>
                 <a:sym typeface="Helvetica"/>
               </a:rPr>
-              <a:t>x,b</a:t>
+              <a:t>Func</a:t>
             </a:r>
             <a:r>
               <a:rPr lang="en-US" sz="2400" dirty="0">
@@ -16196,558 +16269,39 @@
                 <a:cs typeface="Calibri" panose="020F0502020204030204" pitchFamily="34" charset="0"/>
                 <a:sym typeface="Helvetica"/>
               </a:rPr>
-              <a:t>) =&gt; add (a)(b)</a:t>
-            </a:r>
-          </a:p>
-          <a:p>
-            <a:pPr marL="444500" lvl="1" indent="0" defTabSz="292607">
-              <a:lnSpc>
-                <a:spcPts val="3700"/>
-              </a:lnSpc>
-              <a:spcBef>
-                <a:spcPts val="0"/>
-              </a:spcBef>
-              <a:buNone/>
-              <a:tabLst>
-                <a:tab pos="88900" algn="l"/>
-                <a:tab pos="292100" algn="l"/>
-              </a:tabLst>
-              <a:defRPr sz="2048">
-                <a:latin typeface="Helvetica"/>
-                <a:ea typeface="Helvetica"/>
-                <a:cs typeface="Helvetica"/>
+              <a:t>&lt;A,B&gt;) =&gt; (_:</a:t>
+            </a:r>
+            <a:r>
+              <a:rPr lang="en-US" sz="2400" dirty="0" err="1">
+                <a:latin typeface="Calibri" panose="020F0502020204030204" pitchFamily="34" charset="0"/>
+                <a:cs typeface="Calibri" panose="020F0502020204030204" pitchFamily="34" charset="0"/>
                 <a:sym typeface="Helvetica"/>
-              </a:defRPr>
-            </a:pPr>
-            <a:endParaRPr lang="en-US" sz="2400" dirty="0">
-              <a:latin typeface="Calibri" panose="020F0502020204030204" pitchFamily="34" charset="0"/>
-              <a:cs typeface="Calibri" panose="020F0502020204030204" pitchFamily="34" charset="0"/>
-              <a:sym typeface="Helvetica"/>
-            </a:endParaRPr>
-          </a:p>
-          <a:p>
-            <a:pPr marL="284479" indent="-284479" defTabSz="292607">
-              <a:lnSpc>
-                <a:spcPts val="3700"/>
-              </a:lnSpc>
-              <a:spcBef>
-                <a:spcPts val="0"/>
-              </a:spcBef>
-              <a:tabLst>
-                <a:tab pos="88900" algn="l"/>
-                <a:tab pos="292100" algn="l"/>
-              </a:tabLst>
-              <a:defRPr sz="2048">
-                <a:latin typeface="Helvetica"/>
-                <a:ea typeface="Helvetica"/>
-                <a:cs typeface="Helvetica"/>
+              </a:rPr>
+              <a:t>Func</a:t>
+            </a:r>
+            <a:r>
+              <a:rPr lang="en-US" sz="2400" dirty="0">
+                <a:latin typeface="Calibri" panose="020F0502020204030204" pitchFamily="34" charset="0"/>
+                <a:cs typeface="Calibri" panose="020F0502020204030204" pitchFamily="34" charset="0"/>
                 <a:sym typeface="Helvetica"/>
-              </a:defRPr>
-            </a:pPr>
-            <a:r>
-              <a:rPr lang="en-US" sz="2400" dirty="0">
+              </a:rPr>
+              <a:t>&lt;B,C&gt;) =&gt; </a:t>
+            </a:r>
+            <a:r>
+              <a:rPr lang="en-US" sz="2400" dirty="0" err="1">
                 <a:latin typeface="Calibri" panose="020F0502020204030204" pitchFamily="34" charset="0"/>
                 <a:cs typeface="Calibri" panose="020F0502020204030204" pitchFamily="34" charset="0"/>
                 <a:sym typeface="Helvetica"/>
               </a:rPr>
-              <a:t>Using higher order functions (functions accepting other functions as parameters) can also be combined with generics leading to complex constructions</a:t>
-            </a:r>
-          </a:p>
-          <a:p>
-            <a:pPr marL="444500" lvl="1" indent="0" defTabSz="292607">
-              <a:lnSpc>
-                <a:spcPts val="3700"/>
-              </a:lnSpc>
-              <a:spcBef>
-                <a:spcPts val="0"/>
-              </a:spcBef>
-              <a:buNone/>
-              <a:tabLst>
-                <a:tab pos="88900" algn="l"/>
-                <a:tab pos="292100" algn="l"/>
-              </a:tabLst>
-              <a:defRPr sz="2048">
-                <a:latin typeface="Helvetica"/>
-                <a:ea typeface="Helvetica"/>
-                <a:cs typeface="Helvetica"/>
+              <a:t>Func</a:t>
+            </a:r>
+            <a:r>
+              <a:rPr lang="en-US" sz="2400" dirty="0">
+                <a:latin typeface="Calibri" panose="020F0502020204030204" pitchFamily="34" charset="0"/>
+                <a:cs typeface="Calibri" panose="020F0502020204030204" pitchFamily="34" charset="0"/>
                 <a:sym typeface="Helvetica"/>
-              </a:defRPr>
-            </a:pPr>
-            <a:r>
-              <a:rPr lang="en-US" sz="2400" dirty="0">
-                <a:solidFill>
-                  <a:srgbClr val="0070C0"/>
-                </a:solidFill>
-                <a:latin typeface="Calibri" panose="020F0502020204030204" pitchFamily="34" charset="0"/>
-                <a:cs typeface="Calibri" panose="020F0502020204030204" pitchFamily="34" charset="0"/>
-                <a:sym typeface="Helvetica"/>
-              </a:rPr>
-              <a:t>type</a:t>
-            </a:r>
-            <a:r>
-              <a:rPr lang="en-US" sz="2400" dirty="0">
-                <a:latin typeface="Calibri" panose="020F0502020204030204" pitchFamily="34" charset="0"/>
-                <a:cs typeface="Calibri" panose="020F0502020204030204" pitchFamily="34" charset="0"/>
-                <a:sym typeface="Helvetica"/>
-              </a:rPr>
-              <a:t> Fun&lt;A,B&gt; = (_:A) =&gt; B</a:t>
-            </a:r>
-          </a:p>
-          <a:p>
-            <a:pPr marL="284479" indent="-284479" defTabSz="292607">
-              <a:lnSpc>
-                <a:spcPts val="3700"/>
-              </a:lnSpc>
-              <a:spcBef>
-                <a:spcPts val="0"/>
-              </a:spcBef>
-              <a:tabLst>
-                <a:tab pos="88900" algn="l"/>
-                <a:tab pos="292100" algn="l"/>
-              </a:tabLst>
-              <a:defRPr sz="2048">
-                <a:latin typeface="Helvetica"/>
-                <a:ea typeface="Helvetica"/>
-                <a:cs typeface="Helvetica"/>
-                <a:sym typeface="Helvetica"/>
-              </a:defRPr>
-            </a:pPr>
-            <a:endParaRPr lang="en-US" sz="2400" dirty="0">
-              <a:latin typeface="Calibri" panose="020F0502020204030204" pitchFamily="34" charset="0"/>
-              <a:cs typeface="Calibri" panose="020F0502020204030204" pitchFamily="34" charset="0"/>
-              <a:sym typeface="Helvetica"/>
-            </a:endParaRPr>
-          </a:p>
-          <a:p>
-            <a:pPr marL="284479" indent="-284479" defTabSz="292607">
-              <a:lnSpc>
-                <a:spcPts val="3700"/>
-              </a:lnSpc>
-              <a:spcBef>
-                <a:spcPts val="0"/>
-              </a:spcBef>
-              <a:tabLst>
-                <a:tab pos="88900" algn="l"/>
-                <a:tab pos="292100" algn="l"/>
-              </a:tabLst>
-              <a:defRPr sz="2048">
-                <a:latin typeface="Helvetica"/>
-                <a:ea typeface="Helvetica"/>
-                <a:cs typeface="Helvetica"/>
-                <a:sym typeface="Helvetica"/>
-              </a:defRPr>
-            </a:pPr>
-            <a:endParaRPr lang="en-US" sz="2400" dirty="0">
-              <a:latin typeface="Calibri" panose="020F0502020204030204" pitchFamily="34" charset="0"/>
-              <a:cs typeface="Calibri" panose="020F0502020204030204" pitchFamily="34" charset="0"/>
-              <a:sym typeface="Helvetica"/>
-            </a:endParaRPr>
-          </a:p>
-          <a:p>
-            <a:pPr marL="284479" indent="-284479" defTabSz="292607">
-              <a:lnSpc>
-                <a:spcPts val="3700"/>
-              </a:lnSpc>
-              <a:spcBef>
-                <a:spcPts val="0"/>
-              </a:spcBef>
-              <a:tabLst>
-                <a:tab pos="88900" algn="l"/>
-                <a:tab pos="292100" algn="l"/>
-              </a:tabLst>
-              <a:defRPr sz="2048">
-                <a:latin typeface="Helvetica"/>
-                <a:ea typeface="Helvetica"/>
-                <a:cs typeface="Helvetica"/>
-                <a:sym typeface="Helvetica"/>
-              </a:defRPr>
-            </a:pPr>
-            <a:endParaRPr lang="en-US" sz="2400" dirty="0">
-              <a:latin typeface="Calibri" panose="020F0502020204030204" pitchFamily="34" charset="0"/>
-              <a:cs typeface="Calibri" panose="020F0502020204030204" pitchFamily="34" charset="0"/>
-            </a:endParaRPr>
-          </a:p>
-        </p:txBody>
-      </p:sp>
-    </p:spTree>
-    <p:extLst>
-      <p:ext uri="{BB962C8B-B14F-4D97-AF65-F5344CB8AC3E}">
-        <p14:creationId xmlns:p14="http://schemas.microsoft.com/office/powerpoint/2010/main" val="1694829221"/>
-      </p:ext>
-    </p:extLst>
-  </p:cSld>
-  <p:clrMapOvr>
-    <a:masterClrMapping/>
-  </p:clrMapOvr>
-  <p:transition spd="med"/>
-</p:sld>
-</file>
-
-<file path=ppt/slides/slide48.xml><?xml version="1.0" encoding="utf-8"?>
-<p:sld xmlns:a="http://schemas.openxmlformats.org/drawingml/2006/main" xmlns:r="http://schemas.openxmlformats.org/officeDocument/2006/relationships" xmlns:p="http://schemas.openxmlformats.org/presentationml/2006/main">
-  <p:cSld>
-    <p:spTree>
-      <p:nvGrpSpPr>
-        <p:cNvPr id="1" name=""/>
-        <p:cNvGrpSpPr/>
-        <p:nvPr/>
-      </p:nvGrpSpPr>
-      <p:grpSpPr>
-        <a:xfrm>
-          <a:off x="0" y="0"/>
-          <a:ext cx="0" cy="0"/>
-          <a:chOff x="0" y="0"/>
-          <a:chExt cx="0" cy="0"/>
-        </a:xfrm>
-      </p:grpSpPr>
-      <p:sp>
-        <p:nvSpPr>
-          <p:cNvPr id="150" name="Types in Typescript"/>
-          <p:cNvSpPr txBox="1">
-            <a:spLocks noGrp="1"/>
-          </p:cNvSpPr>
-          <p:nvPr>
-            <p:ph type="title"/>
-          </p:nvPr>
-        </p:nvSpPr>
-        <p:spPr>
-          <a:prstGeom prst="rect">
-            <a:avLst/>
-          </a:prstGeom>
-        </p:spPr>
-        <p:txBody>
-          <a:bodyPr>
-            <a:normAutofit/>
-          </a:bodyPr>
-          <a:lstStyle/>
-          <a:p>
-            <a:r>
-              <a:rPr lang="en-US" sz="4000" dirty="0">
-                <a:latin typeface="Calibri" panose="020F0502020204030204" pitchFamily="34" charset="0"/>
-                <a:cs typeface="Calibri" panose="020F0502020204030204" pitchFamily="34" charset="0"/>
-              </a:rPr>
-              <a:t>Currying in Typescript……</a:t>
-            </a:r>
-            <a:endParaRPr sz="4000" dirty="0">
-              <a:latin typeface="Calibri" panose="020F0502020204030204" pitchFamily="34" charset="0"/>
-              <a:cs typeface="Calibri" panose="020F0502020204030204" pitchFamily="34" charset="0"/>
-            </a:endParaRPr>
-          </a:p>
-        </p:txBody>
-      </p:sp>
-      <p:sp>
-        <p:nvSpPr>
-          <p:cNvPr id="151" name="Union is a sort of sum, or set union:…"/>
-          <p:cNvSpPr txBox="1">
-            <a:spLocks noGrp="1"/>
-          </p:cNvSpPr>
-          <p:nvPr>
-            <p:ph type="body" idx="1"/>
-          </p:nvPr>
-        </p:nvSpPr>
-        <p:spPr>
-          <a:xfrm>
-            <a:off x="952500" y="2590800"/>
-            <a:ext cx="11099800" cy="6286500"/>
-          </a:xfrm>
-          <a:prstGeom prst="rect">
-            <a:avLst/>
-          </a:prstGeom>
-        </p:spPr>
-        <p:txBody>
-          <a:bodyPr anchor="t">
-            <a:noAutofit/>
-          </a:bodyPr>
-          <a:lstStyle/>
-          <a:p>
-            <a:pPr marL="284479" indent="-284479" defTabSz="292607">
-              <a:lnSpc>
-                <a:spcPts val="3700"/>
-              </a:lnSpc>
-              <a:spcBef>
-                <a:spcPts val="0"/>
-              </a:spcBef>
-              <a:tabLst>
-                <a:tab pos="88900" algn="l"/>
-                <a:tab pos="292100" algn="l"/>
-              </a:tabLst>
-              <a:defRPr sz="2048">
-                <a:latin typeface="Helvetica"/>
-                <a:ea typeface="Helvetica"/>
-                <a:cs typeface="Helvetica"/>
-                <a:sym typeface="Helvetica"/>
-              </a:defRPr>
-            </a:pPr>
-            <a:r>
-              <a:rPr lang="en-US" sz="2400" dirty="0">
-                <a:latin typeface="Calibri" panose="020F0502020204030204" pitchFamily="34" charset="0"/>
-                <a:cs typeface="Calibri" panose="020F0502020204030204" pitchFamily="34" charset="0"/>
-              </a:rPr>
-              <a:t>Currying is the technique of translating the evaluation of a function that takes multiple arguments into evaluating a sequence of functions</a:t>
-            </a:r>
-          </a:p>
-          <a:p>
-            <a:pPr marL="284479" indent="-284479" defTabSz="292607">
-              <a:lnSpc>
-                <a:spcPts val="3700"/>
-              </a:lnSpc>
-              <a:spcBef>
-                <a:spcPts val="0"/>
-              </a:spcBef>
-              <a:tabLst>
-                <a:tab pos="88900" algn="l"/>
-                <a:tab pos="292100" algn="l"/>
-              </a:tabLst>
-              <a:defRPr sz="2048">
-                <a:latin typeface="Helvetica"/>
-                <a:ea typeface="Helvetica"/>
-                <a:cs typeface="Helvetica"/>
-                <a:sym typeface="Helvetica"/>
-              </a:defRPr>
-            </a:pPr>
-            <a:r>
-              <a:rPr lang="en-US" sz="2400" dirty="0">
-                <a:latin typeface="Calibri" panose="020F0502020204030204" pitchFamily="34" charset="0"/>
-                <a:cs typeface="Calibri" panose="020F0502020204030204" pitchFamily="34" charset="0"/>
-                <a:sym typeface="Helvetica"/>
-              </a:rPr>
-              <a:t>Each function with a single argument</a:t>
-            </a:r>
-          </a:p>
-          <a:p>
-            <a:pPr marL="0" indent="0" defTabSz="292607">
-              <a:lnSpc>
-                <a:spcPts val="3700"/>
-              </a:lnSpc>
-              <a:spcBef>
-                <a:spcPts val="0"/>
-              </a:spcBef>
-              <a:buNone/>
-              <a:tabLst>
-                <a:tab pos="88900" algn="l"/>
-                <a:tab pos="292100" algn="l"/>
-              </a:tabLst>
-              <a:defRPr sz="2048">
-                <a:latin typeface="Helvetica"/>
-                <a:ea typeface="Helvetica"/>
-                <a:cs typeface="Helvetica"/>
-                <a:sym typeface="Helvetica"/>
-              </a:defRPr>
-            </a:pPr>
-            <a:r>
-              <a:rPr lang="en-US" sz="2400" dirty="0">
-                <a:latin typeface="Calibri" panose="020F0502020204030204" pitchFamily="34" charset="0"/>
-                <a:cs typeface="Calibri" panose="020F0502020204030204" pitchFamily="34" charset="0"/>
-                <a:sym typeface="Helvetica"/>
-              </a:rPr>
-              <a:t>							f (n, m) --&gt; f’ (n)(m)</a:t>
-            </a:r>
-          </a:p>
-          <a:p>
-            <a:pPr marL="284479" indent="-284479" defTabSz="292607">
-              <a:lnSpc>
-                <a:spcPts val="3700"/>
-              </a:lnSpc>
-              <a:spcBef>
-                <a:spcPts val="0"/>
-              </a:spcBef>
-              <a:tabLst>
-                <a:tab pos="88900" algn="l"/>
-                <a:tab pos="292100" algn="l"/>
-              </a:tabLst>
-              <a:defRPr sz="2048">
-                <a:latin typeface="Helvetica"/>
-                <a:ea typeface="Helvetica"/>
-                <a:cs typeface="Helvetica"/>
-                <a:sym typeface="Helvetica"/>
-              </a:defRPr>
-            </a:pPr>
-            <a:r>
-              <a:rPr lang="en-US" sz="2400" dirty="0">
-                <a:latin typeface="Calibri" panose="020F0502020204030204" pitchFamily="34" charset="0"/>
-                <a:cs typeface="Calibri" panose="020F0502020204030204" pitchFamily="34" charset="0"/>
-                <a:sym typeface="Helvetica"/>
-              </a:rPr>
-              <a:t>Example: </a:t>
-            </a:r>
-          </a:p>
-          <a:p>
-            <a:pPr marL="444500" lvl="1" indent="0" defTabSz="292607">
-              <a:lnSpc>
-                <a:spcPts val="3700"/>
-              </a:lnSpc>
-              <a:spcBef>
-                <a:spcPts val="0"/>
-              </a:spcBef>
-              <a:buNone/>
-              <a:tabLst>
-                <a:tab pos="88900" algn="l"/>
-                <a:tab pos="292100" algn="l"/>
-              </a:tabLst>
-              <a:defRPr sz="2048">
-                <a:latin typeface="Helvetica"/>
-                <a:ea typeface="Helvetica"/>
-                <a:cs typeface="Helvetica"/>
-                <a:sym typeface="Helvetica"/>
-              </a:defRPr>
-            </a:pPr>
-            <a:r>
-              <a:rPr lang="en-US" sz="2400" dirty="0">
-                <a:latin typeface="Calibri" panose="020F0502020204030204" pitchFamily="34" charset="0"/>
-                <a:cs typeface="Calibri" panose="020F0502020204030204" pitchFamily="34" charset="0"/>
-                <a:sym typeface="Helvetica"/>
-              </a:rPr>
-              <a:t>				add (</a:t>
-            </a:r>
-            <a:r>
-              <a:rPr lang="en-US" sz="2400" dirty="0" err="1">
-                <a:latin typeface="Calibri" panose="020F0502020204030204" pitchFamily="34" charset="0"/>
-                <a:cs typeface="Calibri" panose="020F0502020204030204" pitchFamily="34" charset="0"/>
-                <a:sym typeface="Helvetica"/>
-              </a:rPr>
-              <a:t>x,b</a:t>
-            </a:r>
-            <a:r>
-              <a:rPr lang="en-US" sz="2400" dirty="0">
-                <a:latin typeface="Calibri" panose="020F0502020204030204" pitchFamily="34" charset="0"/>
-                <a:cs typeface="Calibri" panose="020F0502020204030204" pitchFamily="34" charset="0"/>
-                <a:sym typeface="Helvetica"/>
-              </a:rPr>
-              <a:t>) =&gt; add (a)(b)</a:t>
-            </a:r>
-          </a:p>
-          <a:p>
-            <a:pPr marL="444500" lvl="1" indent="0" defTabSz="292607">
-              <a:lnSpc>
-                <a:spcPts val="3700"/>
-              </a:lnSpc>
-              <a:spcBef>
-                <a:spcPts val="0"/>
-              </a:spcBef>
-              <a:buNone/>
-              <a:tabLst>
-                <a:tab pos="88900" algn="l"/>
-                <a:tab pos="292100" algn="l"/>
-              </a:tabLst>
-              <a:defRPr sz="2048">
-                <a:latin typeface="Helvetica"/>
-                <a:ea typeface="Helvetica"/>
-                <a:cs typeface="Helvetica"/>
-                <a:sym typeface="Helvetica"/>
-              </a:defRPr>
-            </a:pPr>
-            <a:endParaRPr lang="en-US" sz="2400" dirty="0">
-              <a:latin typeface="Calibri" panose="020F0502020204030204" pitchFamily="34" charset="0"/>
-              <a:cs typeface="Calibri" panose="020F0502020204030204" pitchFamily="34" charset="0"/>
-              <a:sym typeface="Helvetica"/>
-            </a:endParaRPr>
-          </a:p>
-          <a:p>
-            <a:pPr marL="284479" indent="-284479" defTabSz="292607">
-              <a:lnSpc>
-                <a:spcPts val="3700"/>
-              </a:lnSpc>
-              <a:spcBef>
-                <a:spcPts val="0"/>
-              </a:spcBef>
-              <a:tabLst>
-                <a:tab pos="88900" algn="l"/>
-                <a:tab pos="292100" algn="l"/>
-              </a:tabLst>
-              <a:defRPr sz="2048">
-                <a:latin typeface="Helvetica"/>
-                <a:ea typeface="Helvetica"/>
-                <a:cs typeface="Helvetica"/>
-                <a:sym typeface="Helvetica"/>
-              </a:defRPr>
-            </a:pPr>
-            <a:r>
-              <a:rPr lang="en-US" sz="2400" dirty="0">
-                <a:latin typeface="Calibri" panose="020F0502020204030204" pitchFamily="34" charset="0"/>
-                <a:cs typeface="Calibri" panose="020F0502020204030204" pitchFamily="34" charset="0"/>
-                <a:sym typeface="Helvetica"/>
-              </a:rPr>
-              <a:t>Using higher order functions (functions accepting other functions as parameters) can also be combined with generics leading to complex constructions</a:t>
-            </a:r>
-          </a:p>
-          <a:p>
-            <a:pPr marL="444500" lvl="1" indent="0" defTabSz="292607">
-              <a:lnSpc>
-                <a:spcPts val="3700"/>
-              </a:lnSpc>
-              <a:spcBef>
-                <a:spcPts val="0"/>
-              </a:spcBef>
-              <a:buNone/>
-              <a:tabLst>
-                <a:tab pos="88900" algn="l"/>
-                <a:tab pos="292100" algn="l"/>
-              </a:tabLst>
-              <a:defRPr sz="2048">
-                <a:latin typeface="Helvetica"/>
-                <a:ea typeface="Helvetica"/>
-                <a:cs typeface="Helvetica"/>
-                <a:sym typeface="Helvetica"/>
-              </a:defRPr>
-            </a:pPr>
-            <a:r>
-              <a:rPr lang="en-US" sz="2400" dirty="0">
-                <a:solidFill>
-                  <a:srgbClr val="0070C0"/>
-                </a:solidFill>
-                <a:latin typeface="Calibri" panose="020F0502020204030204" pitchFamily="34" charset="0"/>
-                <a:cs typeface="Calibri" panose="020F0502020204030204" pitchFamily="34" charset="0"/>
-                <a:sym typeface="Helvetica"/>
-              </a:rPr>
-              <a:t>type</a:t>
-            </a:r>
-            <a:r>
-              <a:rPr lang="en-US" sz="2400" dirty="0">
-                <a:latin typeface="Calibri" panose="020F0502020204030204" pitchFamily="34" charset="0"/>
-                <a:cs typeface="Calibri" panose="020F0502020204030204" pitchFamily="34" charset="0"/>
-                <a:sym typeface="Helvetica"/>
-              </a:rPr>
-              <a:t> Fun&lt;A,B&gt; = (_:A) =&gt; B</a:t>
-            </a:r>
-          </a:p>
-          <a:p>
-            <a:pPr marL="444500" lvl="1" indent="0" defTabSz="292607">
-              <a:lnSpc>
-                <a:spcPts val="3700"/>
-              </a:lnSpc>
-              <a:spcBef>
-                <a:spcPts val="0"/>
-              </a:spcBef>
-              <a:buNone/>
-              <a:tabLst>
-                <a:tab pos="88900" algn="l"/>
-                <a:tab pos="292100" algn="l"/>
-              </a:tabLst>
-              <a:defRPr sz="2048">
-                <a:latin typeface="Helvetica"/>
-                <a:ea typeface="Helvetica"/>
-                <a:cs typeface="Helvetica"/>
-                <a:sym typeface="Helvetica"/>
-              </a:defRPr>
-            </a:pPr>
-            <a:r>
-              <a:rPr lang="en-US" sz="2400" dirty="0">
-                <a:solidFill>
-                  <a:srgbClr val="0070C0"/>
-                </a:solidFill>
-                <a:latin typeface="Calibri" panose="020F0502020204030204" pitchFamily="34" charset="0"/>
-                <a:cs typeface="Calibri" panose="020F0502020204030204" pitchFamily="34" charset="0"/>
-                <a:sym typeface="Helvetica"/>
-              </a:rPr>
-              <a:t>let</a:t>
-            </a:r>
-            <a:r>
-              <a:rPr lang="en-US" sz="2400" dirty="0">
-                <a:latin typeface="Calibri" panose="020F0502020204030204" pitchFamily="34" charset="0"/>
-                <a:cs typeface="Calibri" panose="020F0502020204030204" pitchFamily="34" charset="0"/>
-                <a:sym typeface="Helvetica"/>
-              </a:rPr>
-              <a:t> pipeline : &lt;A,B,C&gt;(_:Fun&lt;A,B&gt;) =&gt; (_:Fun&lt;B,C&gt;) =&gt; Fun&lt;A,C&gt; = f =&gt; g =&gt; (x =&gt; g(f(x)))</a:t>
+              </a:rPr>
+              <a:t>&lt;A,C&gt; = f =&gt; g =&gt; (x =&gt; g(f(x)))</a:t>
             </a:r>
           </a:p>
           <a:p>
@@ -16840,7 +16394,7 @@
 </p:sld>
 </file>
 
-<file path=ppt/slides/slide49.xml><?xml version="1.0" encoding="utf-8"?>
+<file path=ppt/slides/slide47.xml><?xml version="1.0" encoding="utf-8"?>
 <p:sld xmlns:a="http://schemas.openxmlformats.org/drawingml/2006/main" xmlns:r="http://schemas.openxmlformats.org/officeDocument/2006/relationships" xmlns:p="http://schemas.openxmlformats.org/presentationml/2006/main">
   <p:cSld>
     <p:spTree>
@@ -17512,7 +17066,7 @@
                 <a:latin typeface="Calibri" panose="020F0502020204030204" pitchFamily="34" charset="0"/>
                 <a:cs typeface="Calibri" panose="020F0502020204030204" pitchFamily="34" charset="0"/>
               </a:rPr>
-              <a:t>The browser receives documents from the server that has a specific structured </a:t>
+              <a:t>The browser receives documents from the server that has a specific structure</a:t>
             </a:r>
           </a:p>
           <a:p>
